--- a/COVID_Presentation.pptx
+++ b/COVID_Presentation.pptx
@@ -4,6 +4,9 @@
   <p:sldMasterIdLst>
     <p:sldMasterId id="2147483866" r:id="rId1"/>
   </p:sldMasterIdLst>
+  <p:notesMasterIdLst>
+    <p:notesMasterId r:id="rId19"/>
+  </p:notesMasterIdLst>
   <p:sldIdLst>
     <p:sldId id="256" r:id="rId2"/>
     <p:sldId id="258" r:id="rId3"/>
@@ -120,7 +123,1579 @@
       </a:defRPr>
     </a:lvl9pPr>
   </p:defaultTextStyle>
+  <p:extLst>
+    <p:ext uri="{EFAFB233-063F-42B5-8137-9DF3F51BA10A}">
+      <p15:sldGuideLst xmlns:p15="http://schemas.microsoft.com/office/powerpoint/2012/main"/>
+    </p:ext>
+  </p:extLst>
 </p:presentation>
+</file>
+
+<file path=ppt/notesMasters/notesMaster1.xml><?xml version="1.0" encoding="utf-8"?>
+<p:notesMaster xmlns:a="http://schemas.openxmlformats.org/drawingml/2006/main" xmlns:r="http://schemas.openxmlformats.org/officeDocument/2006/relationships" xmlns:p="http://schemas.openxmlformats.org/presentationml/2006/main">
+  <p:cSld>
+    <p:bg>
+      <p:bgRef idx="1001">
+        <a:schemeClr val="bg1"/>
+      </p:bgRef>
+    </p:bg>
+    <p:spTree>
+      <p:nvGrpSpPr>
+        <p:cNvPr id="1" name=""/>
+        <p:cNvGrpSpPr/>
+        <p:nvPr/>
+      </p:nvGrpSpPr>
+      <p:grpSpPr>
+        <a:xfrm>
+          <a:off x="0" y="0"/>
+          <a:ext cx="0" cy="0"/>
+          <a:chOff x="0" y="0"/>
+          <a:chExt cx="0" cy="0"/>
+        </a:xfrm>
+      </p:grpSpPr>
+      <p:sp>
+        <p:nvSpPr>
+          <p:cNvPr id="2" name="Header Placeholder 1"/>
+          <p:cNvSpPr>
+            <a:spLocks noGrp="1"/>
+          </p:cNvSpPr>
+          <p:nvPr>
+            <p:ph type="hdr" sz="quarter"/>
+          </p:nvPr>
+        </p:nvSpPr>
+        <p:spPr>
+          <a:xfrm>
+            <a:off x="0" y="0"/>
+            <a:ext cx="2971800" cy="458788"/>
+          </a:xfrm>
+          <a:prstGeom prst="rect">
+            <a:avLst/>
+          </a:prstGeom>
+        </p:spPr>
+        <p:txBody>
+          <a:bodyPr vert="horz" lIns="91440" tIns="45720" rIns="91440" bIns="45720" rtlCol="0"/>
+          <a:lstStyle>
+            <a:lvl1pPr algn="l">
+              <a:defRPr sz="1200"/>
+            </a:lvl1pPr>
+          </a:lstStyle>
+          <a:p>
+            <a:endParaRPr lang="en-US"/>
+          </a:p>
+        </p:txBody>
+      </p:sp>
+      <p:sp>
+        <p:nvSpPr>
+          <p:cNvPr id="3" name="Date Placeholder 2"/>
+          <p:cNvSpPr>
+            <a:spLocks noGrp="1"/>
+          </p:cNvSpPr>
+          <p:nvPr>
+            <p:ph type="dt" idx="1"/>
+          </p:nvPr>
+        </p:nvSpPr>
+        <p:spPr>
+          <a:xfrm>
+            <a:off x="3884613" y="0"/>
+            <a:ext cx="2971800" cy="458788"/>
+          </a:xfrm>
+          <a:prstGeom prst="rect">
+            <a:avLst/>
+          </a:prstGeom>
+        </p:spPr>
+        <p:txBody>
+          <a:bodyPr vert="horz" lIns="91440" tIns="45720" rIns="91440" bIns="45720" rtlCol="0"/>
+          <a:lstStyle>
+            <a:lvl1pPr algn="r">
+              <a:defRPr sz="1200"/>
+            </a:lvl1pPr>
+          </a:lstStyle>
+          <a:p>
+            <a:fld id="{7B036306-CDD8-504F-9A9C-0468E9B9EF1B}" type="datetimeFigureOut">
+              <a:rPr lang="en-US" smtClean="0"/>
+              <a:t>12/29/20</a:t>
+            </a:fld>
+            <a:endParaRPr lang="en-US"/>
+          </a:p>
+        </p:txBody>
+      </p:sp>
+      <p:sp>
+        <p:nvSpPr>
+          <p:cNvPr id="4" name="Slide Image Placeholder 3"/>
+          <p:cNvSpPr>
+            <a:spLocks noGrp="1" noRot="1" noChangeAspect="1"/>
+          </p:cNvSpPr>
+          <p:nvPr>
+            <p:ph type="sldImg" idx="2"/>
+          </p:nvPr>
+        </p:nvSpPr>
+        <p:spPr>
+          <a:xfrm>
+            <a:off x="685800" y="1143000"/>
+            <a:ext cx="5486400" cy="3086100"/>
+          </a:xfrm>
+          <a:prstGeom prst="rect">
+            <a:avLst/>
+          </a:prstGeom>
+          <a:noFill/>
+          <a:ln w="12700">
+            <a:solidFill>
+              <a:prstClr val="black"/>
+            </a:solidFill>
+          </a:ln>
+        </p:spPr>
+        <p:txBody>
+          <a:bodyPr vert="horz" lIns="91440" tIns="45720" rIns="91440" bIns="45720" rtlCol="0" anchor="ctr"/>
+          <a:lstStyle/>
+          <a:p>
+            <a:endParaRPr lang="en-US"/>
+          </a:p>
+        </p:txBody>
+      </p:sp>
+      <p:sp>
+        <p:nvSpPr>
+          <p:cNvPr id="5" name="Notes Placeholder 4"/>
+          <p:cNvSpPr>
+            <a:spLocks noGrp="1"/>
+          </p:cNvSpPr>
+          <p:nvPr>
+            <p:ph type="body" sz="quarter" idx="3"/>
+          </p:nvPr>
+        </p:nvSpPr>
+        <p:spPr>
+          <a:xfrm>
+            <a:off x="685800" y="4400550"/>
+            <a:ext cx="5486400" cy="3600450"/>
+          </a:xfrm>
+          <a:prstGeom prst="rect">
+            <a:avLst/>
+          </a:prstGeom>
+        </p:spPr>
+        <p:txBody>
+          <a:bodyPr vert="horz" lIns="91440" tIns="45720" rIns="91440" bIns="45720" rtlCol="0"/>
+          <a:lstStyle/>
+          <a:p>
+            <a:pPr lvl="0"/>
+            <a:r>
+              <a:rPr lang="en-US"/>
+              <a:t>Click to edit Master text styles</a:t>
+            </a:r>
+          </a:p>
+          <a:p>
+            <a:pPr lvl="1"/>
+            <a:r>
+              <a:rPr lang="en-US"/>
+              <a:t>Second level</a:t>
+            </a:r>
+          </a:p>
+          <a:p>
+            <a:pPr lvl="2"/>
+            <a:r>
+              <a:rPr lang="en-US"/>
+              <a:t>Third level</a:t>
+            </a:r>
+          </a:p>
+          <a:p>
+            <a:pPr lvl="3"/>
+            <a:r>
+              <a:rPr lang="en-US"/>
+              <a:t>Fourth level</a:t>
+            </a:r>
+          </a:p>
+          <a:p>
+            <a:pPr lvl="4"/>
+            <a:r>
+              <a:rPr lang="en-US"/>
+              <a:t>Fifth level</a:t>
+            </a:r>
+          </a:p>
+        </p:txBody>
+      </p:sp>
+      <p:sp>
+        <p:nvSpPr>
+          <p:cNvPr id="6" name="Footer Placeholder 5"/>
+          <p:cNvSpPr>
+            <a:spLocks noGrp="1"/>
+          </p:cNvSpPr>
+          <p:nvPr>
+            <p:ph type="ftr" sz="quarter" idx="4"/>
+          </p:nvPr>
+        </p:nvSpPr>
+        <p:spPr>
+          <a:xfrm>
+            <a:off x="0" y="8685213"/>
+            <a:ext cx="2971800" cy="458787"/>
+          </a:xfrm>
+          <a:prstGeom prst="rect">
+            <a:avLst/>
+          </a:prstGeom>
+        </p:spPr>
+        <p:txBody>
+          <a:bodyPr vert="horz" lIns="91440" tIns="45720" rIns="91440" bIns="45720" rtlCol="0" anchor="b"/>
+          <a:lstStyle>
+            <a:lvl1pPr algn="l">
+              <a:defRPr sz="1200"/>
+            </a:lvl1pPr>
+          </a:lstStyle>
+          <a:p>
+            <a:endParaRPr lang="en-US"/>
+          </a:p>
+        </p:txBody>
+      </p:sp>
+      <p:sp>
+        <p:nvSpPr>
+          <p:cNvPr id="7" name="Slide Number Placeholder 6"/>
+          <p:cNvSpPr>
+            <a:spLocks noGrp="1"/>
+          </p:cNvSpPr>
+          <p:nvPr>
+            <p:ph type="sldNum" sz="quarter" idx="5"/>
+          </p:nvPr>
+        </p:nvSpPr>
+        <p:spPr>
+          <a:xfrm>
+            <a:off x="3884613" y="8685213"/>
+            <a:ext cx="2971800" cy="458787"/>
+          </a:xfrm>
+          <a:prstGeom prst="rect">
+            <a:avLst/>
+          </a:prstGeom>
+        </p:spPr>
+        <p:txBody>
+          <a:bodyPr vert="horz" lIns="91440" tIns="45720" rIns="91440" bIns="45720" rtlCol="0" anchor="b"/>
+          <a:lstStyle>
+            <a:lvl1pPr algn="r">
+              <a:defRPr sz="1200"/>
+            </a:lvl1pPr>
+          </a:lstStyle>
+          <a:p>
+            <a:fld id="{7524B07B-C2F8-144C-8463-C36F543A4403}" type="slidenum">
+              <a:rPr lang="en-US" smtClean="0"/>
+              <a:t>‹#›</a:t>
+            </a:fld>
+            <a:endParaRPr lang="en-US"/>
+          </a:p>
+        </p:txBody>
+      </p:sp>
+    </p:spTree>
+    <p:extLst>
+      <p:ext uri="{BB962C8B-B14F-4D97-AF65-F5344CB8AC3E}">
+        <p14:creationId xmlns:p14="http://schemas.microsoft.com/office/powerpoint/2010/main" val="604896255"/>
+      </p:ext>
+    </p:extLst>
+  </p:cSld>
+  <p:clrMap bg1="lt1" tx1="dk1" bg2="lt2" tx2="dk2" accent1="accent1" accent2="accent2" accent3="accent3" accent4="accent4" accent5="accent5" accent6="accent6" hlink="hlink" folHlink="folHlink"/>
+  <p:notesStyle>
+    <a:lvl1pPr marL="0" algn="l" defTabSz="914400" rtl="0" eaLnBrk="1" latinLnBrk="0" hangingPunct="1">
+      <a:defRPr sz="1200" kern="1200">
+        <a:solidFill>
+          <a:schemeClr val="tx1"/>
+        </a:solidFill>
+        <a:latin typeface="+mn-lt"/>
+        <a:ea typeface="+mn-ea"/>
+        <a:cs typeface="+mn-cs"/>
+      </a:defRPr>
+    </a:lvl1pPr>
+    <a:lvl2pPr marL="457200" algn="l" defTabSz="914400" rtl="0" eaLnBrk="1" latinLnBrk="0" hangingPunct="1">
+      <a:defRPr sz="1200" kern="1200">
+        <a:solidFill>
+          <a:schemeClr val="tx1"/>
+        </a:solidFill>
+        <a:latin typeface="+mn-lt"/>
+        <a:ea typeface="+mn-ea"/>
+        <a:cs typeface="+mn-cs"/>
+      </a:defRPr>
+    </a:lvl2pPr>
+    <a:lvl3pPr marL="914400" algn="l" defTabSz="914400" rtl="0" eaLnBrk="1" latinLnBrk="0" hangingPunct="1">
+      <a:defRPr sz="1200" kern="1200">
+        <a:solidFill>
+          <a:schemeClr val="tx1"/>
+        </a:solidFill>
+        <a:latin typeface="+mn-lt"/>
+        <a:ea typeface="+mn-ea"/>
+        <a:cs typeface="+mn-cs"/>
+      </a:defRPr>
+    </a:lvl3pPr>
+    <a:lvl4pPr marL="1371600" algn="l" defTabSz="914400" rtl="0" eaLnBrk="1" latinLnBrk="0" hangingPunct="1">
+      <a:defRPr sz="1200" kern="1200">
+        <a:solidFill>
+          <a:schemeClr val="tx1"/>
+        </a:solidFill>
+        <a:latin typeface="+mn-lt"/>
+        <a:ea typeface="+mn-ea"/>
+        <a:cs typeface="+mn-cs"/>
+      </a:defRPr>
+    </a:lvl4pPr>
+    <a:lvl5pPr marL="1828800" algn="l" defTabSz="914400" rtl="0" eaLnBrk="1" latinLnBrk="0" hangingPunct="1">
+      <a:defRPr sz="1200" kern="1200">
+        <a:solidFill>
+          <a:schemeClr val="tx1"/>
+        </a:solidFill>
+        <a:latin typeface="+mn-lt"/>
+        <a:ea typeface="+mn-ea"/>
+        <a:cs typeface="+mn-cs"/>
+      </a:defRPr>
+    </a:lvl5pPr>
+    <a:lvl6pPr marL="2286000" algn="l" defTabSz="914400" rtl="0" eaLnBrk="1" latinLnBrk="0" hangingPunct="1">
+      <a:defRPr sz="1200" kern="1200">
+        <a:solidFill>
+          <a:schemeClr val="tx1"/>
+        </a:solidFill>
+        <a:latin typeface="+mn-lt"/>
+        <a:ea typeface="+mn-ea"/>
+        <a:cs typeface="+mn-cs"/>
+      </a:defRPr>
+    </a:lvl6pPr>
+    <a:lvl7pPr marL="2743200" algn="l" defTabSz="914400" rtl="0" eaLnBrk="1" latinLnBrk="0" hangingPunct="1">
+      <a:defRPr sz="1200" kern="1200">
+        <a:solidFill>
+          <a:schemeClr val="tx1"/>
+        </a:solidFill>
+        <a:latin typeface="+mn-lt"/>
+        <a:ea typeface="+mn-ea"/>
+        <a:cs typeface="+mn-cs"/>
+      </a:defRPr>
+    </a:lvl7pPr>
+    <a:lvl8pPr marL="3200400" algn="l" defTabSz="914400" rtl="0" eaLnBrk="1" latinLnBrk="0" hangingPunct="1">
+      <a:defRPr sz="1200" kern="1200">
+        <a:solidFill>
+          <a:schemeClr val="tx1"/>
+        </a:solidFill>
+        <a:latin typeface="+mn-lt"/>
+        <a:ea typeface="+mn-ea"/>
+        <a:cs typeface="+mn-cs"/>
+      </a:defRPr>
+    </a:lvl8pPr>
+    <a:lvl9pPr marL="3657600" algn="l" defTabSz="914400" rtl="0" eaLnBrk="1" latinLnBrk="0" hangingPunct="1">
+      <a:defRPr sz="1200" kern="1200">
+        <a:solidFill>
+          <a:schemeClr val="tx1"/>
+        </a:solidFill>
+        <a:latin typeface="+mn-lt"/>
+        <a:ea typeface="+mn-ea"/>
+        <a:cs typeface="+mn-cs"/>
+      </a:defRPr>
+    </a:lvl9pPr>
+  </p:notesStyle>
+</p:notesMaster>
+</file>
+
+<file path=ppt/notesSlides/notesSlide1.xml><?xml version="1.0" encoding="utf-8"?>
+<p:notes xmlns:a="http://schemas.openxmlformats.org/drawingml/2006/main" xmlns:r="http://schemas.openxmlformats.org/officeDocument/2006/relationships" xmlns:p="http://schemas.openxmlformats.org/presentationml/2006/main">
+  <p:cSld>
+    <p:spTree>
+      <p:nvGrpSpPr>
+        <p:cNvPr id="1" name=""/>
+        <p:cNvGrpSpPr/>
+        <p:nvPr/>
+      </p:nvGrpSpPr>
+      <p:grpSpPr>
+        <a:xfrm>
+          <a:off x="0" y="0"/>
+          <a:ext cx="0" cy="0"/>
+          <a:chOff x="0" y="0"/>
+          <a:chExt cx="0" cy="0"/>
+        </a:xfrm>
+      </p:grpSpPr>
+      <p:sp>
+        <p:nvSpPr>
+          <p:cNvPr id="2" name="Slide Image Placeholder 1"/>
+          <p:cNvSpPr>
+            <a:spLocks noGrp="1" noRot="1" noChangeAspect="1"/>
+          </p:cNvSpPr>
+          <p:nvPr>
+            <p:ph type="sldImg"/>
+          </p:nvPr>
+        </p:nvSpPr>
+        <p:spPr/>
+      </p:sp>
+      <p:sp>
+        <p:nvSpPr>
+          <p:cNvPr id="3" name="Notes Placeholder 2"/>
+          <p:cNvSpPr>
+            <a:spLocks noGrp="1"/>
+          </p:cNvSpPr>
+          <p:nvPr>
+            <p:ph type="body" idx="1"/>
+          </p:nvPr>
+        </p:nvSpPr>
+        <p:spPr/>
+        <p:txBody>
+          <a:bodyPr/>
+          <a:lstStyle/>
+          <a:p>
+            <a:r>
+              <a:rPr lang="en-US" dirty="0"/>
+              <a:t>Lily</a:t>
+            </a:r>
+          </a:p>
+        </p:txBody>
+      </p:sp>
+      <p:sp>
+        <p:nvSpPr>
+          <p:cNvPr id="4" name="Slide Number Placeholder 3"/>
+          <p:cNvSpPr>
+            <a:spLocks noGrp="1"/>
+          </p:cNvSpPr>
+          <p:nvPr>
+            <p:ph type="sldNum" sz="quarter" idx="5"/>
+          </p:nvPr>
+        </p:nvSpPr>
+        <p:spPr/>
+        <p:txBody>
+          <a:bodyPr/>
+          <a:lstStyle/>
+          <a:p>
+            <a:fld id="{7524B07B-C2F8-144C-8463-C36F543A4403}" type="slidenum">
+              <a:rPr lang="en-US" smtClean="0"/>
+              <a:t>1</a:t>
+            </a:fld>
+            <a:endParaRPr lang="en-US"/>
+          </a:p>
+        </p:txBody>
+      </p:sp>
+    </p:spTree>
+    <p:extLst>
+      <p:ext uri="{BB962C8B-B14F-4D97-AF65-F5344CB8AC3E}">
+        <p14:creationId xmlns:p14="http://schemas.microsoft.com/office/powerpoint/2010/main" val="268931589"/>
+      </p:ext>
+    </p:extLst>
+  </p:cSld>
+  <p:clrMapOvr>
+    <a:masterClrMapping/>
+  </p:clrMapOvr>
+</p:notes>
+</file>
+
+<file path=ppt/notesSlides/notesSlide10.xml><?xml version="1.0" encoding="utf-8"?>
+<p:notes xmlns:a="http://schemas.openxmlformats.org/drawingml/2006/main" xmlns:r="http://schemas.openxmlformats.org/officeDocument/2006/relationships" xmlns:p="http://schemas.openxmlformats.org/presentationml/2006/main">
+  <p:cSld>
+    <p:spTree>
+      <p:nvGrpSpPr>
+        <p:cNvPr id="1" name=""/>
+        <p:cNvGrpSpPr/>
+        <p:nvPr/>
+      </p:nvGrpSpPr>
+      <p:grpSpPr>
+        <a:xfrm>
+          <a:off x="0" y="0"/>
+          <a:ext cx="0" cy="0"/>
+          <a:chOff x="0" y="0"/>
+          <a:chExt cx="0" cy="0"/>
+        </a:xfrm>
+      </p:grpSpPr>
+      <p:sp>
+        <p:nvSpPr>
+          <p:cNvPr id="2" name="Slide Image Placeholder 1"/>
+          <p:cNvSpPr>
+            <a:spLocks noGrp="1" noRot="1" noChangeAspect="1"/>
+          </p:cNvSpPr>
+          <p:nvPr>
+            <p:ph type="sldImg"/>
+          </p:nvPr>
+        </p:nvSpPr>
+        <p:spPr/>
+      </p:sp>
+      <p:sp>
+        <p:nvSpPr>
+          <p:cNvPr id="3" name="Notes Placeholder 2"/>
+          <p:cNvSpPr>
+            <a:spLocks noGrp="1"/>
+          </p:cNvSpPr>
+          <p:nvPr>
+            <p:ph type="body" idx="1"/>
+          </p:nvPr>
+        </p:nvSpPr>
+        <p:spPr/>
+        <p:txBody>
+          <a:bodyPr/>
+          <a:lstStyle/>
+          <a:p>
+            <a:r>
+              <a:rPr lang="en-US" dirty="0"/>
+              <a:t>Aki</a:t>
+            </a:r>
+          </a:p>
+        </p:txBody>
+      </p:sp>
+      <p:sp>
+        <p:nvSpPr>
+          <p:cNvPr id="4" name="Slide Number Placeholder 3"/>
+          <p:cNvSpPr>
+            <a:spLocks noGrp="1"/>
+          </p:cNvSpPr>
+          <p:nvPr>
+            <p:ph type="sldNum" sz="quarter" idx="5"/>
+          </p:nvPr>
+        </p:nvSpPr>
+        <p:spPr/>
+        <p:txBody>
+          <a:bodyPr/>
+          <a:lstStyle/>
+          <a:p>
+            <a:fld id="{7524B07B-C2F8-144C-8463-C36F543A4403}" type="slidenum">
+              <a:rPr lang="en-US" smtClean="0"/>
+              <a:t>11</a:t>
+            </a:fld>
+            <a:endParaRPr lang="en-US"/>
+          </a:p>
+        </p:txBody>
+      </p:sp>
+    </p:spTree>
+    <p:extLst>
+      <p:ext uri="{BB962C8B-B14F-4D97-AF65-F5344CB8AC3E}">
+        <p14:creationId xmlns:p14="http://schemas.microsoft.com/office/powerpoint/2010/main" val="1097342209"/>
+      </p:ext>
+    </p:extLst>
+  </p:cSld>
+  <p:clrMapOvr>
+    <a:masterClrMapping/>
+  </p:clrMapOvr>
+</p:notes>
+</file>
+
+<file path=ppt/notesSlides/notesSlide11.xml><?xml version="1.0" encoding="utf-8"?>
+<p:notes xmlns:a="http://schemas.openxmlformats.org/drawingml/2006/main" xmlns:r="http://schemas.openxmlformats.org/officeDocument/2006/relationships" xmlns:p="http://schemas.openxmlformats.org/presentationml/2006/main">
+  <p:cSld>
+    <p:spTree>
+      <p:nvGrpSpPr>
+        <p:cNvPr id="1" name=""/>
+        <p:cNvGrpSpPr/>
+        <p:nvPr/>
+      </p:nvGrpSpPr>
+      <p:grpSpPr>
+        <a:xfrm>
+          <a:off x="0" y="0"/>
+          <a:ext cx="0" cy="0"/>
+          <a:chOff x="0" y="0"/>
+          <a:chExt cx="0" cy="0"/>
+        </a:xfrm>
+      </p:grpSpPr>
+      <p:sp>
+        <p:nvSpPr>
+          <p:cNvPr id="2" name="Slide Image Placeholder 1"/>
+          <p:cNvSpPr>
+            <a:spLocks noGrp="1" noRot="1" noChangeAspect="1"/>
+          </p:cNvSpPr>
+          <p:nvPr>
+            <p:ph type="sldImg"/>
+          </p:nvPr>
+        </p:nvSpPr>
+        <p:spPr/>
+      </p:sp>
+      <p:sp>
+        <p:nvSpPr>
+          <p:cNvPr id="3" name="Notes Placeholder 2"/>
+          <p:cNvSpPr>
+            <a:spLocks noGrp="1"/>
+          </p:cNvSpPr>
+          <p:nvPr>
+            <p:ph type="body" idx="1"/>
+          </p:nvPr>
+        </p:nvSpPr>
+        <p:spPr/>
+        <p:txBody>
+          <a:bodyPr/>
+          <a:lstStyle/>
+          <a:p>
+            <a:r>
+              <a:rPr lang="en-US" dirty="0"/>
+              <a:t>Aki</a:t>
+            </a:r>
+          </a:p>
+        </p:txBody>
+      </p:sp>
+      <p:sp>
+        <p:nvSpPr>
+          <p:cNvPr id="4" name="Slide Number Placeholder 3"/>
+          <p:cNvSpPr>
+            <a:spLocks noGrp="1"/>
+          </p:cNvSpPr>
+          <p:nvPr>
+            <p:ph type="sldNum" sz="quarter" idx="5"/>
+          </p:nvPr>
+        </p:nvSpPr>
+        <p:spPr/>
+        <p:txBody>
+          <a:bodyPr/>
+          <a:lstStyle/>
+          <a:p>
+            <a:fld id="{7524B07B-C2F8-144C-8463-C36F543A4403}" type="slidenum">
+              <a:rPr lang="en-US" smtClean="0"/>
+              <a:t>12</a:t>
+            </a:fld>
+            <a:endParaRPr lang="en-US"/>
+          </a:p>
+        </p:txBody>
+      </p:sp>
+    </p:spTree>
+    <p:extLst>
+      <p:ext uri="{BB962C8B-B14F-4D97-AF65-F5344CB8AC3E}">
+        <p14:creationId xmlns:p14="http://schemas.microsoft.com/office/powerpoint/2010/main" val="2390132890"/>
+      </p:ext>
+    </p:extLst>
+  </p:cSld>
+  <p:clrMapOvr>
+    <a:masterClrMapping/>
+  </p:clrMapOvr>
+</p:notes>
+</file>
+
+<file path=ppt/notesSlides/notesSlide12.xml><?xml version="1.0" encoding="utf-8"?>
+<p:notes xmlns:a="http://schemas.openxmlformats.org/drawingml/2006/main" xmlns:r="http://schemas.openxmlformats.org/officeDocument/2006/relationships" xmlns:p="http://schemas.openxmlformats.org/presentationml/2006/main">
+  <p:cSld>
+    <p:spTree>
+      <p:nvGrpSpPr>
+        <p:cNvPr id="1" name=""/>
+        <p:cNvGrpSpPr/>
+        <p:nvPr/>
+      </p:nvGrpSpPr>
+      <p:grpSpPr>
+        <a:xfrm>
+          <a:off x="0" y="0"/>
+          <a:ext cx="0" cy="0"/>
+          <a:chOff x="0" y="0"/>
+          <a:chExt cx="0" cy="0"/>
+        </a:xfrm>
+      </p:grpSpPr>
+      <p:sp>
+        <p:nvSpPr>
+          <p:cNvPr id="2" name="Slide Image Placeholder 1"/>
+          <p:cNvSpPr>
+            <a:spLocks noGrp="1" noRot="1" noChangeAspect="1"/>
+          </p:cNvSpPr>
+          <p:nvPr>
+            <p:ph type="sldImg"/>
+          </p:nvPr>
+        </p:nvSpPr>
+        <p:spPr/>
+      </p:sp>
+      <p:sp>
+        <p:nvSpPr>
+          <p:cNvPr id="3" name="Notes Placeholder 2"/>
+          <p:cNvSpPr>
+            <a:spLocks noGrp="1"/>
+          </p:cNvSpPr>
+          <p:nvPr>
+            <p:ph type="body" idx="1"/>
+          </p:nvPr>
+        </p:nvSpPr>
+        <p:spPr/>
+        <p:txBody>
+          <a:bodyPr/>
+          <a:lstStyle/>
+          <a:p>
+            <a:r>
+              <a:rPr lang="en-US" dirty="0"/>
+              <a:t>Dan</a:t>
+            </a:r>
+          </a:p>
+        </p:txBody>
+      </p:sp>
+      <p:sp>
+        <p:nvSpPr>
+          <p:cNvPr id="4" name="Slide Number Placeholder 3"/>
+          <p:cNvSpPr>
+            <a:spLocks noGrp="1"/>
+          </p:cNvSpPr>
+          <p:nvPr>
+            <p:ph type="sldNum" sz="quarter" idx="5"/>
+          </p:nvPr>
+        </p:nvSpPr>
+        <p:spPr/>
+        <p:txBody>
+          <a:bodyPr/>
+          <a:lstStyle/>
+          <a:p>
+            <a:fld id="{7524B07B-C2F8-144C-8463-C36F543A4403}" type="slidenum">
+              <a:rPr lang="en-US" smtClean="0"/>
+              <a:t>14</a:t>
+            </a:fld>
+            <a:endParaRPr lang="en-US"/>
+          </a:p>
+        </p:txBody>
+      </p:sp>
+    </p:spTree>
+    <p:extLst>
+      <p:ext uri="{BB962C8B-B14F-4D97-AF65-F5344CB8AC3E}">
+        <p14:creationId xmlns:p14="http://schemas.microsoft.com/office/powerpoint/2010/main" val="4197035436"/>
+      </p:ext>
+    </p:extLst>
+  </p:cSld>
+  <p:clrMapOvr>
+    <a:masterClrMapping/>
+  </p:clrMapOvr>
+</p:notes>
+</file>
+
+<file path=ppt/notesSlides/notesSlide13.xml><?xml version="1.0" encoding="utf-8"?>
+<p:notes xmlns:a="http://schemas.openxmlformats.org/drawingml/2006/main" xmlns:r="http://schemas.openxmlformats.org/officeDocument/2006/relationships" xmlns:p="http://schemas.openxmlformats.org/presentationml/2006/main">
+  <p:cSld>
+    <p:spTree>
+      <p:nvGrpSpPr>
+        <p:cNvPr id="1" name=""/>
+        <p:cNvGrpSpPr/>
+        <p:nvPr/>
+      </p:nvGrpSpPr>
+      <p:grpSpPr>
+        <a:xfrm>
+          <a:off x="0" y="0"/>
+          <a:ext cx="0" cy="0"/>
+          <a:chOff x="0" y="0"/>
+          <a:chExt cx="0" cy="0"/>
+        </a:xfrm>
+      </p:grpSpPr>
+      <p:sp>
+        <p:nvSpPr>
+          <p:cNvPr id="2" name="Slide Image Placeholder 1"/>
+          <p:cNvSpPr>
+            <a:spLocks noGrp="1" noRot="1" noChangeAspect="1"/>
+          </p:cNvSpPr>
+          <p:nvPr>
+            <p:ph type="sldImg"/>
+          </p:nvPr>
+        </p:nvSpPr>
+        <p:spPr/>
+      </p:sp>
+      <p:sp>
+        <p:nvSpPr>
+          <p:cNvPr id="3" name="Notes Placeholder 2"/>
+          <p:cNvSpPr>
+            <a:spLocks noGrp="1"/>
+          </p:cNvSpPr>
+          <p:nvPr>
+            <p:ph type="body" idx="1"/>
+          </p:nvPr>
+        </p:nvSpPr>
+        <p:spPr/>
+        <p:txBody>
+          <a:bodyPr/>
+          <a:lstStyle/>
+          <a:p>
+            <a:r>
+              <a:rPr lang="en-US" dirty="0"/>
+              <a:t>Dan</a:t>
+            </a:r>
+          </a:p>
+        </p:txBody>
+      </p:sp>
+      <p:sp>
+        <p:nvSpPr>
+          <p:cNvPr id="4" name="Slide Number Placeholder 3"/>
+          <p:cNvSpPr>
+            <a:spLocks noGrp="1"/>
+          </p:cNvSpPr>
+          <p:nvPr>
+            <p:ph type="sldNum" sz="quarter" idx="5"/>
+          </p:nvPr>
+        </p:nvSpPr>
+        <p:spPr/>
+        <p:txBody>
+          <a:bodyPr/>
+          <a:lstStyle/>
+          <a:p>
+            <a:fld id="{7524B07B-C2F8-144C-8463-C36F543A4403}" type="slidenum">
+              <a:rPr lang="en-US" smtClean="0"/>
+              <a:t>15</a:t>
+            </a:fld>
+            <a:endParaRPr lang="en-US"/>
+          </a:p>
+        </p:txBody>
+      </p:sp>
+    </p:spTree>
+    <p:extLst>
+      <p:ext uri="{BB962C8B-B14F-4D97-AF65-F5344CB8AC3E}">
+        <p14:creationId xmlns:p14="http://schemas.microsoft.com/office/powerpoint/2010/main" val="1363778575"/>
+      </p:ext>
+    </p:extLst>
+  </p:cSld>
+  <p:clrMapOvr>
+    <a:masterClrMapping/>
+  </p:clrMapOvr>
+</p:notes>
+</file>
+
+<file path=ppt/notesSlides/notesSlide14.xml><?xml version="1.0" encoding="utf-8"?>
+<p:notes xmlns:a="http://schemas.openxmlformats.org/drawingml/2006/main" xmlns:r="http://schemas.openxmlformats.org/officeDocument/2006/relationships" xmlns:p="http://schemas.openxmlformats.org/presentationml/2006/main">
+  <p:cSld>
+    <p:spTree>
+      <p:nvGrpSpPr>
+        <p:cNvPr id="1" name=""/>
+        <p:cNvGrpSpPr/>
+        <p:nvPr/>
+      </p:nvGrpSpPr>
+      <p:grpSpPr>
+        <a:xfrm>
+          <a:off x="0" y="0"/>
+          <a:ext cx="0" cy="0"/>
+          <a:chOff x="0" y="0"/>
+          <a:chExt cx="0" cy="0"/>
+        </a:xfrm>
+      </p:grpSpPr>
+      <p:sp>
+        <p:nvSpPr>
+          <p:cNvPr id="2" name="Slide Image Placeholder 1"/>
+          <p:cNvSpPr>
+            <a:spLocks noGrp="1" noRot="1" noChangeAspect="1"/>
+          </p:cNvSpPr>
+          <p:nvPr>
+            <p:ph type="sldImg"/>
+          </p:nvPr>
+        </p:nvSpPr>
+        <p:spPr/>
+      </p:sp>
+      <p:sp>
+        <p:nvSpPr>
+          <p:cNvPr id="3" name="Notes Placeholder 2"/>
+          <p:cNvSpPr>
+            <a:spLocks noGrp="1"/>
+          </p:cNvSpPr>
+          <p:nvPr>
+            <p:ph type="body" idx="1"/>
+          </p:nvPr>
+        </p:nvSpPr>
+        <p:spPr/>
+        <p:txBody>
+          <a:bodyPr/>
+          <a:lstStyle/>
+          <a:p>
+            <a:r>
+              <a:rPr lang="en-US" dirty="0"/>
+              <a:t>Kieran</a:t>
+            </a:r>
+          </a:p>
+        </p:txBody>
+      </p:sp>
+      <p:sp>
+        <p:nvSpPr>
+          <p:cNvPr id="4" name="Slide Number Placeholder 3"/>
+          <p:cNvSpPr>
+            <a:spLocks noGrp="1"/>
+          </p:cNvSpPr>
+          <p:nvPr>
+            <p:ph type="sldNum" sz="quarter" idx="5"/>
+          </p:nvPr>
+        </p:nvSpPr>
+        <p:spPr/>
+        <p:txBody>
+          <a:bodyPr/>
+          <a:lstStyle/>
+          <a:p>
+            <a:fld id="{7524B07B-C2F8-144C-8463-C36F543A4403}" type="slidenum">
+              <a:rPr lang="en-US" smtClean="0"/>
+              <a:t>16</a:t>
+            </a:fld>
+            <a:endParaRPr lang="en-US"/>
+          </a:p>
+        </p:txBody>
+      </p:sp>
+    </p:spTree>
+    <p:extLst>
+      <p:ext uri="{BB962C8B-B14F-4D97-AF65-F5344CB8AC3E}">
+        <p14:creationId xmlns:p14="http://schemas.microsoft.com/office/powerpoint/2010/main" val="4203484916"/>
+      </p:ext>
+    </p:extLst>
+  </p:cSld>
+  <p:clrMapOvr>
+    <a:masterClrMapping/>
+  </p:clrMapOvr>
+</p:notes>
+</file>
+
+<file path=ppt/notesSlides/notesSlide2.xml><?xml version="1.0" encoding="utf-8"?>
+<p:notes xmlns:a="http://schemas.openxmlformats.org/drawingml/2006/main" xmlns:r="http://schemas.openxmlformats.org/officeDocument/2006/relationships" xmlns:p="http://schemas.openxmlformats.org/presentationml/2006/main">
+  <p:cSld>
+    <p:spTree>
+      <p:nvGrpSpPr>
+        <p:cNvPr id="1" name=""/>
+        <p:cNvGrpSpPr/>
+        <p:nvPr/>
+      </p:nvGrpSpPr>
+      <p:grpSpPr>
+        <a:xfrm>
+          <a:off x="0" y="0"/>
+          <a:ext cx="0" cy="0"/>
+          <a:chOff x="0" y="0"/>
+          <a:chExt cx="0" cy="0"/>
+        </a:xfrm>
+      </p:grpSpPr>
+      <p:sp>
+        <p:nvSpPr>
+          <p:cNvPr id="2" name="Slide Image Placeholder 1"/>
+          <p:cNvSpPr>
+            <a:spLocks noGrp="1" noRot="1" noChangeAspect="1"/>
+          </p:cNvSpPr>
+          <p:nvPr>
+            <p:ph type="sldImg"/>
+          </p:nvPr>
+        </p:nvSpPr>
+        <p:spPr/>
+      </p:sp>
+      <p:sp>
+        <p:nvSpPr>
+          <p:cNvPr id="3" name="Notes Placeholder 2"/>
+          <p:cNvSpPr>
+            <a:spLocks noGrp="1"/>
+          </p:cNvSpPr>
+          <p:nvPr>
+            <p:ph type="body" idx="1"/>
+          </p:nvPr>
+        </p:nvSpPr>
+        <p:spPr/>
+        <p:txBody>
+          <a:bodyPr/>
+          <a:lstStyle/>
+          <a:p>
+            <a:r>
+              <a:rPr lang="en-US" dirty="0"/>
+              <a:t>Lily</a:t>
+            </a:r>
+          </a:p>
+        </p:txBody>
+      </p:sp>
+      <p:sp>
+        <p:nvSpPr>
+          <p:cNvPr id="4" name="Slide Number Placeholder 3"/>
+          <p:cNvSpPr>
+            <a:spLocks noGrp="1"/>
+          </p:cNvSpPr>
+          <p:nvPr>
+            <p:ph type="sldNum" sz="quarter" idx="5"/>
+          </p:nvPr>
+        </p:nvSpPr>
+        <p:spPr/>
+        <p:txBody>
+          <a:bodyPr/>
+          <a:lstStyle/>
+          <a:p>
+            <a:fld id="{7524B07B-C2F8-144C-8463-C36F543A4403}" type="slidenum">
+              <a:rPr lang="en-US" smtClean="0"/>
+              <a:t>2</a:t>
+            </a:fld>
+            <a:endParaRPr lang="en-US"/>
+          </a:p>
+        </p:txBody>
+      </p:sp>
+    </p:spTree>
+    <p:extLst>
+      <p:ext uri="{BB962C8B-B14F-4D97-AF65-F5344CB8AC3E}">
+        <p14:creationId xmlns:p14="http://schemas.microsoft.com/office/powerpoint/2010/main" val="1826871620"/>
+      </p:ext>
+    </p:extLst>
+  </p:cSld>
+  <p:clrMapOvr>
+    <a:masterClrMapping/>
+  </p:clrMapOvr>
+</p:notes>
+</file>
+
+<file path=ppt/notesSlides/notesSlide3.xml><?xml version="1.0" encoding="utf-8"?>
+<p:notes xmlns:a="http://schemas.openxmlformats.org/drawingml/2006/main" xmlns:r="http://schemas.openxmlformats.org/officeDocument/2006/relationships" xmlns:p="http://schemas.openxmlformats.org/presentationml/2006/main">
+  <p:cSld>
+    <p:spTree>
+      <p:nvGrpSpPr>
+        <p:cNvPr id="1" name=""/>
+        <p:cNvGrpSpPr/>
+        <p:nvPr/>
+      </p:nvGrpSpPr>
+      <p:grpSpPr>
+        <a:xfrm>
+          <a:off x="0" y="0"/>
+          <a:ext cx="0" cy="0"/>
+          <a:chOff x="0" y="0"/>
+          <a:chExt cx="0" cy="0"/>
+        </a:xfrm>
+      </p:grpSpPr>
+      <p:sp>
+        <p:nvSpPr>
+          <p:cNvPr id="2" name="Slide Image Placeholder 1"/>
+          <p:cNvSpPr>
+            <a:spLocks noGrp="1" noRot="1" noChangeAspect="1"/>
+          </p:cNvSpPr>
+          <p:nvPr>
+            <p:ph type="sldImg"/>
+          </p:nvPr>
+        </p:nvSpPr>
+        <p:spPr/>
+      </p:sp>
+      <p:sp>
+        <p:nvSpPr>
+          <p:cNvPr id="3" name="Notes Placeholder 2"/>
+          <p:cNvSpPr>
+            <a:spLocks noGrp="1"/>
+          </p:cNvSpPr>
+          <p:nvPr>
+            <p:ph type="body" idx="1"/>
+          </p:nvPr>
+        </p:nvSpPr>
+        <p:spPr/>
+        <p:txBody>
+          <a:bodyPr/>
+          <a:lstStyle/>
+          <a:p>
+            <a:r>
+              <a:rPr lang="en-US" dirty="0"/>
+              <a:t>Lily</a:t>
+            </a:r>
+          </a:p>
+        </p:txBody>
+      </p:sp>
+      <p:sp>
+        <p:nvSpPr>
+          <p:cNvPr id="4" name="Slide Number Placeholder 3"/>
+          <p:cNvSpPr>
+            <a:spLocks noGrp="1"/>
+          </p:cNvSpPr>
+          <p:nvPr>
+            <p:ph type="sldNum" sz="quarter" idx="5"/>
+          </p:nvPr>
+        </p:nvSpPr>
+        <p:spPr/>
+        <p:txBody>
+          <a:bodyPr/>
+          <a:lstStyle/>
+          <a:p>
+            <a:fld id="{7524B07B-C2F8-144C-8463-C36F543A4403}" type="slidenum">
+              <a:rPr lang="en-US" smtClean="0"/>
+              <a:t>3</a:t>
+            </a:fld>
+            <a:endParaRPr lang="en-US"/>
+          </a:p>
+        </p:txBody>
+      </p:sp>
+    </p:spTree>
+    <p:extLst>
+      <p:ext uri="{BB962C8B-B14F-4D97-AF65-F5344CB8AC3E}">
+        <p14:creationId xmlns:p14="http://schemas.microsoft.com/office/powerpoint/2010/main" val="2364750739"/>
+      </p:ext>
+    </p:extLst>
+  </p:cSld>
+  <p:clrMapOvr>
+    <a:masterClrMapping/>
+  </p:clrMapOvr>
+</p:notes>
+</file>
+
+<file path=ppt/notesSlides/notesSlide4.xml><?xml version="1.0" encoding="utf-8"?>
+<p:notes xmlns:a="http://schemas.openxmlformats.org/drawingml/2006/main" xmlns:r="http://schemas.openxmlformats.org/officeDocument/2006/relationships" xmlns:p="http://schemas.openxmlformats.org/presentationml/2006/main">
+  <p:cSld>
+    <p:spTree>
+      <p:nvGrpSpPr>
+        <p:cNvPr id="1" name=""/>
+        <p:cNvGrpSpPr/>
+        <p:nvPr/>
+      </p:nvGrpSpPr>
+      <p:grpSpPr>
+        <a:xfrm>
+          <a:off x="0" y="0"/>
+          <a:ext cx="0" cy="0"/>
+          <a:chOff x="0" y="0"/>
+          <a:chExt cx="0" cy="0"/>
+        </a:xfrm>
+      </p:grpSpPr>
+      <p:sp>
+        <p:nvSpPr>
+          <p:cNvPr id="2" name="Slide Image Placeholder 1"/>
+          <p:cNvSpPr>
+            <a:spLocks noGrp="1" noRot="1" noChangeAspect="1"/>
+          </p:cNvSpPr>
+          <p:nvPr>
+            <p:ph type="sldImg"/>
+          </p:nvPr>
+        </p:nvSpPr>
+        <p:spPr/>
+      </p:sp>
+      <p:sp>
+        <p:nvSpPr>
+          <p:cNvPr id="3" name="Notes Placeholder 2"/>
+          <p:cNvSpPr>
+            <a:spLocks noGrp="1"/>
+          </p:cNvSpPr>
+          <p:nvPr>
+            <p:ph type="body" idx="1"/>
+          </p:nvPr>
+        </p:nvSpPr>
+        <p:spPr/>
+        <p:txBody>
+          <a:bodyPr/>
+          <a:lstStyle/>
+          <a:p>
+            <a:r>
+              <a:rPr lang="en-US" dirty="0"/>
+              <a:t>Lily</a:t>
+            </a:r>
+          </a:p>
+        </p:txBody>
+      </p:sp>
+      <p:sp>
+        <p:nvSpPr>
+          <p:cNvPr id="4" name="Slide Number Placeholder 3"/>
+          <p:cNvSpPr>
+            <a:spLocks noGrp="1"/>
+          </p:cNvSpPr>
+          <p:nvPr>
+            <p:ph type="sldNum" sz="quarter" idx="5"/>
+          </p:nvPr>
+        </p:nvSpPr>
+        <p:spPr/>
+        <p:txBody>
+          <a:bodyPr/>
+          <a:lstStyle/>
+          <a:p>
+            <a:fld id="{7524B07B-C2F8-144C-8463-C36F543A4403}" type="slidenum">
+              <a:rPr lang="en-US" smtClean="0"/>
+              <a:t>4</a:t>
+            </a:fld>
+            <a:endParaRPr lang="en-US"/>
+          </a:p>
+        </p:txBody>
+      </p:sp>
+    </p:spTree>
+    <p:extLst>
+      <p:ext uri="{BB962C8B-B14F-4D97-AF65-F5344CB8AC3E}">
+        <p14:creationId xmlns:p14="http://schemas.microsoft.com/office/powerpoint/2010/main" val="2359132269"/>
+      </p:ext>
+    </p:extLst>
+  </p:cSld>
+  <p:clrMapOvr>
+    <a:masterClrMapping/>
+  </p:clrMapOvr>
+</p:notes>
+</file>
+
+<file path=ppt/notesSlides/notesSlide5.xml><?xml version="1.0" encoding="utf-8"?>
+<p:notes xmlns:a="http://schemas.openxmlformats.org/drawingml/2006/main" xmlns:r="http://schemas.openxmlformats.org/officeDocument/2006/relationships" xmlns:p="http://schemas.openxmlformats.org/presentationml/2006/main">
+  <p:cSld>
+    <p:spTree>
+      <p:nvGrpSpPr>
+        <p:cNvPr id="1" name=""/>
+        <p:cNvGrpSpPr/>
+        <p:nvPr/>
+      </p:nvGrpSpPr>
+      <p:grpSpPr>
+        <a:xfrm>
+          <a:off x="0" y="0"/>
+          <a:ext cx="0" cy="0"/>
+          <a:chOff x="0" y="0"/>
+          <a:chExt cx="0" cy="0"/>
+        </a:xfrm>
+      </p:grpSpPr>
+      <p:sp>
+        <p:nvSpPr>
+          <p:cNvPr id="2" name="Slide Image Placeholder 1"/>
+          <p:cNvSpPr>
+            <a:spLocks noGrp="1" noRot="1" noChangeAspect="1"/>
+          </p:cNvSpPr>
+          <p:nvPr>
+            <p:ph type="sldImg"/>
+          </p:nvPr>
+        </p:nvSpPr>
+        <p:spPr/>
+      </p:sp>
+      <p:sp>
+        <p:nvSpPr>
+          <p:cNvPr id="3" name="Notes Placeholder 2"/>
+          <p:cNvSpPr>
+            <a:spLocks noGrp="1"/>
+          </p:cNvSpPr>
+          <p:nvPr>
+            <p:ph type="body" idx="1"/>
+          </p:nvPr>
+        </p:nvSpPr>
+        <p:spPr/>
+        <p:txBody>
+          <a:bodyPr/>
+          <a:lstStyle/>
+          <a:p>
+            <a:r>
+              <a:rPr lang="en-US" dirty="0"/>
+              <a:t>Kyle</a:t>
+            </a:r>
+          </a:p>
+        </p:txBody>
+      </p:sp>
+      <p:sp>
+        <p:nvSpPr>
+          <p:cNvPr id="4" name="Slide Number Placeholder 3"/>
+          <p:cNvSpPr>
+            <a:spLocks noGrp="1"/>
+          </p:cNvSpPr>
+          <p:nvPr>
+            <p:ph type="sldNum" sz="quarter" idx="5"/>
+          </p:nvPr>
+        </p:nvSpPr>
+        <p:spPr/>
+        <p:txBody>
+          <a:bodyPr/>
+          <a:lstStyle/>
+          <a:p>
+            <a:fld id="{7524B07B-C2F8-144C-8463-C36F543A4403}" type="slidenum">
+              <a:rPr lang="en-US" smtClean="0"/>
+              <a:t>5</a:t>
+            </a:fld>
+            <a:endParaRPr lang="en-US"/>
+          </a:p>
+        </p:txBody>
+      </p:sp>
+    </p:spTree>
+    <p:extLst>
+      <p:ext uri="{BB962C8B-B14F-4D97-AF65-F5344CB8AC3E}">
+        <p14:creationId xmlns:p14="http://schemas.microsoft.com/office/powerpoint/2010/main" val="3902891353"/>
+      </p:ext>
+    </p:extLst>
+  </p:cSld>
+  <p:clrMapOvr>
+    <a:masterClrMapping/>
+  </p:clrMapOvr>
+</p:notes>
+</file>
+
+<file path=ppt/notesSlides/notesSlide6.xml><?xml version="1.0" encoding="utf-8"?>
+<p:notes xmlns:a="http://schemas.openxmlformats.org/drawingml/2006/main" xmlns:r="http://schemas.openxmlformats.org/officeDocument/2006/relationships" xmlns:p="http://schemas.openxmlformats.org/presentationml/2006/main">
+  <p:cSld>
+    <p:spTree>
+      <p:nvGrpSpPr>
+        <p:cNvPr id="1" name=""/>
+        <p:cNvGrpSpPr/>
+        <p:nvPr/>
+      </p:nvGrpSpPr>
+      <p:grpSpPr>
+        <a:xfrm>
+          <a:off x="0" y="0"/>
+          <a:ext cx="0" cy="0"/>
+          <a:chOff x="0" y="0"/>
+          <a:chExt cx="0" cy="0"/>
+        </a:xfrm>
+      </p:grpSpPr>
+      <p:sp>
+        <p:nvSpPr>
+          <p:cNvPr id="2" name="Slide Image Placeholder 1"/>
+          <p:cNvSpPr>
+            <a:spLocks noGrp="1" noRot="1" noChangeAspect="1"/>
+          </p:cNvSpPr>
+          <p:nvPr>
+            <p:ph type="sldImg"/>
+          </p:nvPr>
+        </p:nvSpPr>
+        <p:spPr/>
+      </p:sp>
+      <p:sp>
+        <p:nvSpPr>
+          <p:cNvPr id="3" name="Notes Placeholder 2"/>
+          <p:cNvSpPr>
+            <a:spLocks noGrp="1"/>
+          </p:cNvSpPr>
+          <p:nvPr>
+            <p:ph type="body" idx="1"/>
+          </p:nvPr>
+        </p:nvSpPr>
+        <p:spPr/>
+        <p:txBody>
+          <a:bodyPr/>
+          <a:lstStyle/>
+          <a:p>
+            <a:r>
+              <a:rPr lang="en-US" dirty="0"/>
+              <a:t>Kyle</a:t>
+            </a:r>
+          </a:p>
+        </p:txBody>
+      </p:sp>
+      <p:sp>
+        <p:nvSpPr>
+          <p:cNvPr id="4" name="Slide Number Placeholder 3"/>
+          <p:cNvSpPr>
+            <a:spLocks noGrp="1"/>
+          </p:cNvSpPr>
+          <p:nvPr>
+            <p:ph type="sldNum" sz="quarter" idx="5"/>
+          </p:nvPr>
+        </p:nvSpPr>
+        <p:spPr/>
+        <p:txBody>
+          <a:bodyPr/>
+          <a:lstStyle/>
+          <a:p>
+            <a:fld id="{7524B07B-C2F8-144C-8463-C36F543A4403}" type="slidenum">
+              <a:rPr lang="en-US" smtClean="0"/>
+              <a:t>6</a:t>
+            </a:fld>
+            <a:endParaRPr lang="en-US"/>
+          </a:p>
+        </p:txBody>
+      </p:sp>
+    </p:spTree>
+    <p:extLst>
+      <p:ext uri="{BB962C8B-B14F-4D97-AF65-F5344CB8AC3E}">
+        <p14:creationId xmlns:p14="http://schemas.microsoft.com/office/powerpoint/2010/main" val="3818621635"/>
+      </p:ext>
+    </p:extLst>
+  </p:cSld>
+  <p:clrMapOvr>
+    <a:masterClrMapping/>
+  </p:clrMapOvr>
+</p:notes>
+</file>
+
+<file path=ppt/notesSlides/notesSlide7.xml><?xml version="1.0" encoding="utf-8"?>
+<p:notes xmlns:a="http://schemas.openxmlformats.org/drawingml/2006/main" xmlns:r="http://schemas.openxmlformats.org/officeDocument/2006/relationships" xmlns:p="http://schemas.openxmlformats.org/presentationml/2006/main">
+  <p:cSld>
+    <p:spTree>
+      <p:nvGrpSpPr>
+        <p:cNvPr id="1" name=""/>
+        <p:cNvGrpSpPr/>
+        <p:nvPr/>
+      </p:nvGrpSpPr>
+      <p:grpSpPr>
+        <a:xfrm>
+          <a:off x="0" y="0"/>
+          <a:ext cx="0" cy="0"/>
+          <a:chOff x="0" y="0"/>
+          <a:chExt cx="0" cy="0"/>
+        </a:xfrm>
+      </p:grpSpPr>
+      <p:sp>
+        <p:nvSpPr>
+          <p:cNvPr id="2" name="Slide Image Placeholder 1"/>
+          <p:cNvSpPr>
+            <a:spLocks noGrp="1" noRot="1" noChangeAspect="1"/>
+          </p:cNvSpPr>
+          <p:nvPr>
+            <p:ph type="sldImg"/>
+          </p:nvPr>
+        </p:nvSpPr>
+        <p:spPr/>
+      </p:sp>
+      <p:sp>
+        <p:nvSpPr>
+          <p:cNvPr id="3" name="Notes Placeholder 2"/>
+          <p:cNvSpPr>
+            <a:spLocks noGrp="1"/>
+          </p:cNvSpPr>
+          <p:nvPr>
+            <p:ph type="body" idx="1"/>
+          </p:nvPr>
+        </p:nvSpPr>
+        <p:spPr/>
+        <p:txBody>
+          <a:bodyPr/>
+          <a:lstStyle/>
+          <a:p>
+            <a:r>
+              <a:rPr lang="en-US" dirty="0"/>
+              <a:t>Kieran</a:t>
+            </a:r>
+          </a:p>
+        </p:txBody>
+      </p:sp>
+      <p:sp>
+        <p:nvSpPr>
+          <p:cNvPr id="4" name="Slide Number Placeholder 3"/>
+          <p:cNvSpPr>
+            <a:spLocks noGrp="1"/>
+          </p:cNvSpPr>
+          <p:nvPr>
+            <p:ph type="sldNum" sz="quarter" idx="5"/>
+          </p:nvPr>
+        </p:nvSpPr>
+        <p:spPr/>
+        <p:txBody>
+          <a:bodyPr/>
+          <a:lstStyle/>
+          <a:p>
+            <a:fld id="{7524B07B-C2F8-144C-8463-C36F543A4403}" type="slidenum">
+              <a:rPr lang="en-US" smtClean="0"/>
+              <a:t>8</a:t>
+            </a:fld>
+            <a:endParaRPr lang="en-US"/>
+          </a:p>
+        </p:txBody>
+      </p:sp>
+    </p:spTree>
+    <p:extLst>
+      <p:ext uri="{BB962C8B-B14F-4D97-AF65-F5344CB8AC3E}">
+        <p14:creationId xmlns:p14="http://schemas.microsoft.com/office/powerpoint/2010/main" val="2750438420"/>
+      </p:ext>
+    </p:extLst>
+  </p:cSld>
+  <p:clrMapOvr>
+    <a:masterClrMapping/>
+  </p:clrMapOvr>
+</p:notes>
+</file>
+
+<file path=ppt/notesSlides/notesSlide8.xml><?xml version="1.0" encoding="utf-8"?>
+<p:notes xmlns:a="http://schemas.openxmlformats.org/drawingml/2006/main" xmlns:r="http://schemas.openxmlformats.org/officeDocument/2006/relationships" xmlns:p="http://schemas.openxmlformats.org/presentationml/2006/main">
+  <p:cSld>
+    <p:spTree>
+      <p:nvGrpSpPr>
+        <p:cNvPr id="1" name=""/>
+        <p:cNvGrpSpPr/>
+        <p:nvPr/>
+      </p:nvGrpSpPr>
+      <p:grpSpPr>
+        <a:xfrm>
+          <a:off x="0" y="0"/>
+          <a:ext cx="0" cy="0"/>
+          <a:chOff x="0" y="0"/>
+          <a:chExt cx="0" cy="0"/>
+        </a:xfrm>
+      </p:grpSpPr>
+      <p:sp>
+        <p:nvSpPr>
+          <p:cNvPr id="2" name="Slide Image Placeholder 1"/>
+          <p:cNvSpPr>
+            <a:spLocks noGrp="1" noRot="1" noChangeAspect="1"/>
+          </p:cNvSpPr>
+          <p:nvPr>
+            <p:ph type="sldImg"/>
+          </p:nvPr>
+        </p:nvSpPr>
+        <p:spPr/>
+      </p:sp>
+      <p:sp>
+        <p:nvSpPr>
+          <p:cNvPr id="3" name="Notes Placeholder 2"/>
+          <p:cNvSpPr>
+            <a:spLocks noGrp="1"/>
+          </p:cNvSpPr>
+          <p:nvPr>
+            <p:ph type="body" idx="1"/>
+          </p:nvPr>
+        </p:nvSpPr>
+        <p:spPr/>
+        <p:txBody>
+          <a:bodyPr/>
+          <a:lstStyle/>
+          <a:p>
+            <a:r>
+              <a:rPr lang="en-US" dirty="0"/>
+              <a:t>Aki</a:t>
+            </a:r>
+          </a:p>
+        </p:txBody>
+      </p:sp>
+      <p:sp>
+        <p:nvSpPr>
+          <p:cNvPr id="4" name="Slide Number Placeholder 3"/>
+          <p:cNvSpPr>
+            <a:spLocks noGrp="1"/>
+          </p:cNvSpPr>
+          <p:nvPr>
+            <p:ph type="sldNum" sz="quarter" idx="5"/>
+          </p:nvPr>
+        </p:nvSpPr>
+        <p:spPr/>
+        <p:txBody>
+          <a:bodyPr/>
+          <a:lstStyle/>
+          <a:p>
+            <a:fld id="{7524B07B-C2F8-144C-8463-C36F543A4403}" type="slidenum">
+              <a:rPr lang="en-US" smtClean="0"/>
+              <a:t>9</a:t>
+            </a:fld>
+            <a:endParaRPr lang="en-US"/>
+          </a:p>
+        </p:txBody>
+      </p:sp>
+    </p:spTree>
+    <p:extLst>
+      <p:ext uri="{BB962C8B-B14F-4D97-AF65-F5344CB8AC3E}">
+        <p14:creationId xmlns:p14="http://schemas.microsoft.com/office/powerpoint/2010/main" val="3095762253"/>
+      </p:ext>
+    </p:extLst>
+  </p:cSld>
+  <p:clrMapOvr>
+    <a:masterClrMapping/>
+  </p:clrMapOvr>
+</p:notes>
+</file>
+
+<file path=ppt/notesSlides/notesSlide9.xml><?xml version="1.0" encoding="utf-8"?>
+<p:notes xmlns:a="http://schemas.openxmlformats.org/drawingml/2006/main" xmlns:r="http://schemas.openxmlformats.org/officeDocument/2006/relationships" xmlns:p="http://schemas.openxmlformats.org/presentationml/2006/main">
+  <p:cSld>
+    <p:spTree>
+      <p:nvGrpSpPr>
+        <p:cNvPr id="1" name=""/>
+        <p:cNvGrpSpPr/>
+        <p:nvPr/>
+      </p:nvGrpSpPr>
+      <p:grpSpPr>
+        <a:xfrm>
+          <a:off x="0" y="0"/>
+          <a:ext cx="0" cy="0"/>
+          <a:chOff x="0" y="0"/>
+          <a:chExt cx="0" cy="0"/>
+        </a:xfrm>
+      </p:grpSpPr>
+      <p:sp>
+        <p:nvSpPr>
+          <p:cNvPr id="2" name="Slide Image Placeholder 1"/>
+          <p:cNvSpPr>
+            <a:spLocks noGrp="1" noRot="1" noChangeAspect="1"/>
+          </p:cNvSpPr>
+          <p:nvPr>
+            <p:ph type="sldImg"/>
+          </p:nvPr>
+        </p:nvSpPr>
+        <p:spPr/>
+      </p:sp>
+      <p:sp>
+        <p:nvSpPr>
+          <p:cNvPr id="3" name="Notes Placeholder 2"/>
+          <p:cNvSpPr>
+            <a:spLocks noGrp="1"/>
+          </p:cNvSpPr>
+          <p:nvPr>
+            <p:ph type="body" idx="1"/>
+          </p:nvPr>
+        </p:nvSpPr>
+        <p:spPr/>
+        <p:txBody>
+          <a:bodyPr/>
+          <a:lstStyle/>
+          <a:p>
+            <a:r>
+              <a:rPr lang="en-US" dirty="0"/>
+              <a:t>Aki</a:t>
+            </a:r>
+          </a:p>
+        </p:txBody>
+      </p:sp>
+      <p:sp>
+        <p:nvSpPr>
+          <p:cNvPr id="4" name="Slide Number Placeholder 3"/>
+          <p:cNvSpPr>
+            <a:spLocks noGrp="1"/>
+          </p:cNvSpPr>
+          <p:nvPr>
+            <p:ph type="sldNum" sz="quarter" idx="5"/>
+          </p:nvPr>
+        </p:nvSpPr>
+        <p:spPr/>
+        <p:txBody>
+          <a:bodyPr/>
+          <a:lstStyle/>
+          <a:p>
+            <a:fld id="{7524B07B-C2F8-144C-8463-C36F543A4403}" type="slidenum">
+              <a:rPr lang="en-US" smtClean="0"/>
+              <a:t>10</a:t>
+            </a:fld>
+            <a:endParaRPr lang="en-US"/>
+          </a:p>
+        </p:txBody>
+      </p:sp>
+    </p:spTree>
+    <p:extLst>
+      <p:ext uri="{BB962C8B-B14F-4D97-AF65-F5344CB8AC3E}">
+        <p14:creationId xmlns:p14="http://schemas.microsoft.com/office/powerpoint/2010/main" val="3401173698"/>
+      </p:ext>
+    </p:extLst>
+  </p:cSld>
+  <p:clrMapOvr>
+    <a:masterClrMapping/>
+  </p:clrMapOvr>
+</p:notes>
 </file>
 
 <file path=ppt/slideLayouts/slideLayout1.xml><?xml version="1.0" encoding="utf-8"?>
@@ -293,7 +1868,7 @@
             <a:fld id="{B61BEF0D-F0BB-DE4B-95CE-6DB70DBA9567}" type="datetimeFigureOut">
               <a:rPr lang="en-US" smtClean="0"/>
               <a:pPr/>
-              <a:t>12/22/20</a:t>
+              <a:t>12/29/20</a:t>
             </a:fld>
             <a:endParaRPr lang="en-US" dirty="0"/>
           </a:p>
@@ -625,7 +2200,7 @@
             <a:fld id="{B61BEF0D-F0BB-DE4B-95CE-6DB70DBA9567}" type="datetimeFigureOut">
               <a:rPr lang="en-US" smtClean="0"/>
               <a:pPr/>
-              <a:t>12/22/20</a:t>
+              <a:t>12/29/20</a:t>
             </a:fld>
             <a:endParaRPr lang="en-US" dirty="0"/>
           </a:p>
@@ -807,7 +2382,7 @@
             <a:fld id="{B61BEF0D-F0BB-DE4B-95CE-6DB70DBA9567}" type="datetimeFigureOut">
               <a:rPr lang="en-US" smtClean="0"/>
               <a:pPr/>
-              <a:t>12/22/20</a:t>
+              <a:t>12/29/20</a:t>
             </a:fld>
             <a:endParaRPr lang="en-US" dirty="0"/>
           </a:p>
@@ -979,7 +2554,7 @@
             <a:fld id="{B61BEF0D-F0BB-DE4B-95CE-6DB70DBA9567}" type="datetimeFigureOut">
               <a:rPr lang="en-US" smtClean="0"/>
               <a:pPr/>
-              <a:t>12/22/20</a:t>
+              <a:t>12/29/20</a:t>
             </a:fld>
             <a:endParaRPr lang="en-US" dirty="0"/>
           </a:p>
@@ -1258,7 +2833,7 @@
             <a:fld id="{B61BEF0D-F0BB-DE4B-95CE-6DB70DBA9567}" type="datetimeFigureOut">
               <a:rPr lang="en-US" smtClean="0"/>
               <a:pPr/>
-              <a:t>12/22/20</a:t>
+              <a:t>12/29/20</a:t>
             </a:fld>
             <a:endParaRPr lang="en-US" dirty="0"/>
           </a:p>
@@ -1654,7 +3229,7 @@
             <a:fld id="{B61BEF0D-F0BB-DE4B-95CE-6DB70DBA9567}" type="datetimeFigureOut">
               <a:rPr lang="en-US" smtClean="0"/>
               <a:pPr/>
-              <a:t>12/22/20</a:t>
+              <a:t>12/29/20</a:t>
             </a:fld>
             <a:endParaRPr lang="en-US" dirty="0"/>
           </a:p>
@@ -2133,7 +3708,7 @@
             <a:fld id="{B61BEF0D-F0BB-DE4B-95CE-6DB70DBA9567}" type="datetimeFigureOut">
               <a:rPr lang="en-US" smtClean="0"/>
               <a:pPr/>
-              <a:t>12/22/20</a:t>
+              <a:t>12/29/20</a:t>
             </a:fld>
             <a:endParaRPr lang="en-US" dirty="0"/>
           </a:p>
@@ -2253,7 +3828,7 @@
             <a:fld id="{B61BEF0D-F0BB-DE4B-95CE-6DB70DBA9567}" type="datetimeFigureOut">
               <a:rPr lang="en-US" smtClean="0"/>
               <a:pPr/>
-              <a:t>12/22/20</a:t>
+              <a:t>12/29/20</a:t>
             </a:fld>
             <a:endParaRPr lang="en-US" dirty="0"/>
           </a:p>
@@ -2350,7 +3925,7 @@
             <a:fld id="{B61BEF0D-F0BB-DE4B-95CE-6DB70DBA9567}" type="datetimeFigureOut">
               <a:rPr lang="en-US" smtClean="0"/>
               <a:pPr/>
-              <a:t>12/22/20</a:t>
+              <a:t>12/29/20</a:t>
             </a:fld>
             <a:endParaRPr lang="en-US" dirty="0"/>
           </a:p>
@@ -2698,7 +4273,7 @@
             <a:fld id="{B61BEF0D-F0BB-DE4B-95CE-6DB70DBA9567}" type="datetimeFigureOut">
               <a:rPr lang="en-US" smtClean="0"/>
               <a:pPr/>
-              <a:t>12/22/20</a:t>
+              <a:t>12/29/20</a:t>
             </a:fld>
             <a:endParaRPr lang="en-US" dirty="0"/>
           </a:p>
@@ -3088,7 +4663,7 @@
             <a:fld id="{B61BEF0D-F0BB-DE4B-95CE-6DB70DBA9567}" type="datetimeFigureOut">
               <a:rPr lang="en-US" smtClean="0"/>
               <a:pPr/>
-              <a:t>12/22/20</a:t>
+              <a:t>12/29/20</a:t>
             </a:fld>
             <a:endParaRPr lang="en-US" dirty="0"/>
           </a:p>
@@ -3368,7 +4943,7 @@
             <a:fld id="{B61BEF0D-F0BB-DE4B-95CE-6DB70DBA9567}" type="datetimeFigureOut">
               <a:rPr lang="en-US" smtClean="0"/>
               <a:pPr/>
-              <a:t>12/22/20</a:t>
+              <a:t>12/29/20</a:t>
             </a:fld>
             <a:endParaRPr lang="en-US" dirty="0"/>
           </a:p>
@@ -4197,14 +5772,18 @@
               </a:spcAft>
             </a:pPr>
             <a:r>
-              <a:rPr lang="en-US" sz="2000"/>
-              <a:t>Analysis by Data </a:t>
-            </a:r>
-            <a:r>
-              <a:rPr lang="en-US" sz="2000" err="1"/>
+              <a:rPr lang="en-US" sz="2000" dirty="0"/>
+              <a:t>Analysis by </a:t>
+            </a:r>
+            <a:r>
+              <a:rPr lang="en-US" sz="2000" b="1" dirty="0"/>
+              <a:t>Data </a:t>
+            </a:r>
+            <a:r>
+              <a:rPr lang="en-US" sz="2000" b="1" dirty="0" err="1"/>
               <a:t>Dinos</a:t>
             </a:r>
-            <a:endParaRPr lang="en-US" sz="2000"/>
+            <a:endParaRPr lang="en-US" sz="2000" b="1" dirty="0"/>
           </a:p>
           <a:p>
             <a:pPr>
@@ -4216,30 +5795,30 @@
               </a:spcAft>
             </a:pPr>
             <a:r>
-              <a:rPr lang="en-US" sz="2000"/>
+              <a:rPr lang="en-US" sz="2000" dirty="0"/>
               <a:t>Kieran McAleer, Dan </a:t>
             </a:r>
             <a:r>
-              <a:rPr lang="en-US" sz="2000" err="1"/>
+              <a:rPr lang="en-US" sz="2000" dirty="0" err="1"/>
               <a:t>Jahnsen</a:t>
             </a:r>
             <a:r>
-              <a:rPr lang="en-US" sz="2000"/>
+              <a:rPr lang="en-US" sz="2000" dirty="0"/>
               <a:t>, </a:t>
             </a:r>
             <a:r>
-              <a:rPr lang="en-US" sz="2000" err="1"/>
+              <a:rPr lang="en-US" sz="2000" dirty="0" err="1"/>
               <a:t>Aksheta</a:t>
             </a:r>
             <a:r>
-              <a:rPr lang="en-US" sz="2000"/>
+              <a:rPr lang="en-US" sz="2000" dirty="0"/>
               <a:t> Jain, Lily Carbonara, Kyle  </a:t>
             </a:r>
             <a:r>
-              <a:rPr lang="en-US" sz="2000" err="1"/>
+              <a:rPr lang="en-US" sz="2000" dirty="0" err="1"/>
               <a:t>Terramoccia</a:t>
             </a:r>
-            <a:endParaRPr lang="en-US" sz="2000"/>
+            <a:endParaRPr lang="en-US" sz="2000" dirty="0"/>
           </a:p>
         </p:txBody>
       </p:sp>
@@ -5383,6 +6962,34 @@
               <a:rPr lang="en-US" dirty="0"/>
               <a:t>Median age</a:t>
             </a:r>
+          </a:p>
+          <a:p>
+            <a:pPr lvl="2"/>
+            <a:r>
+              <a:rPr lang="en-US" dirty="0"/>
+              <a:t>Sort by </a:t>
+            </a:r>
+            <a:r>
+              <a:rPr lang="en-US" dirty="0" err="1"/>
+              <a:t>final_df</a:t>
+            </a:r>
+            <a:endParaRPr lang="en-US" dirty="0"/>
+          </a:p>
+          <a:p>
+            <a:pPr lvl="2"/>
+            <a:r>
+              <a:rPr lang="en-US" dirty="0"/>
+              <a:t>Line Chart positive, median </a:t>
+            </a:r>
+            <a:r>
+              <a:rPr lang="en-US"/>
+              <a:t>household income</a:t>
+            </a:r>
+            <a:endParaRPr lang="en-US" dirty="0"/>
+          </a:p>
+          <a:p>
+            <a:pPr lvl="2"/>
+            <a:endParaRPr lang="en-US" dirty="0"/>
           </a:p>
         </p:txBody>
       </p:sp>
@@ -9037,4 +10644,299 @@
     </a:ext>
   </a:extLst>
 </a:theme>
+</file>
+
+<file path=ppt/theme/theme2.xml><?xml version="1.0" encoding="utf-8"?>
+<a:theme xmlns:a="http://schemas.openxmlformats.org/drawingml/2006/main" name="Office Theme">
+  <a:themeElements>
+    <a:clrScheme name="Office">
+      <a:dk1>
+        <a:sysClr val="windowText" lastClr="000000"/>
+      </a:dk1>
+      <a:lt1>
+        <a:sysClr val="window" lastClr="FFFFFF"/>
+      </a:lt1>
+      <a:dk2>
+        <a:srgbClr val="44546A"/>
+      </a:dk2>
+      <a:lt2>
+        <a:srgbClr val="E7E6E6"/>
+      </a:lt2>
+      <a:accent1>
+        <a:srgbClr val="4472C4"/>
+      </a:accent1>
+      <a:accent2>
+        <a:srgbClr val="ED7D31"/>
+      </a:accent2>
+      <a:accent3>
+        <a:srgbClr val="A5A5A5"/>
+      </a:accent3>
+      <a:accent4>
+        <a:srgbClr val="FFC000"/>
+      </a:accent4>
+      <a:accent5>
+        <a:srgbClr val="5B9BD5"/>
+      </a:accent5>
+      <a:accent6>
+        <a:srgbClr val="70AD47"/>
+      </a:accent6>
+      <a:hlink>
+        <a:srgbClr val="0563C1"/>
+      </a:hlink>
+      <a:folHlink>
+        <a:srgbClr val="954F72"/>
+      </a:folHlink>
+    </a:clrScheme>
+    <a:fontScheme name="Office">
+      <a:majorFont>
+        <a:latin typeface="Calibri Light" panose="020F0302020204030204"/>
+        <a:ea typeface=""/>
+        <a:cs typeface=""/>
+        <a:font script="Jpan" typeface="游ゴシック Light"/>
+        <a:font script="Hang" typeface="맑은 고딕"/>
+        <a:font script="Hans" typeface="等线 Light"/>
+        <a:font script="Hant" typeface="新細明體"/>
+        <a:font script="Arab" typeface="Times New Roman"/>
+        <a:font script="Hebr" typeface="Times New Roman"/>
+        <a:font script="Thai" typeface="Angsana New"/>
+        <a:font script="Ethi" typeface="Nyala"/>
+        <a:font script="Beng" typeface="Vrinda"/>
+        <a:font script="Gujr" typeface="Shruti"/>
+        <a:font script="Khmr" typeface="MoolBoran"/>
+        <a:font script="Knda" typeface="Tunga"/>
+        <a:font script="Guru" typeface="Raavi"/>
+        <a:font script="Cans" typeface="Euphemia"/>
+        <a:font script="Cher" typeface="Plantagenet Cherokee"/>
+        <a:font script="Yiii" typeface="Microsoft Yi Baiti"/>
+        <a:font script="Tibt" typeface="Microsoft Himalaya"/>
+        <a:font script="Thaa" typeface="MV Boli"/>
+        <a:font script="Deva" typeface="Mangal"/>
+        <a:font script="Telu" typeface="Gautami"/>
+        <a:font script="Taml" typeface="Latha"/>
+        <a:font script="Syrc" typeface="Estrangelo Edessa"/>
+        <a:font script="Orya" typeface="Kalinga"/>
+        <a:font script="Mlym" typeface="Kartika"/>
+        <a:font script="Laoo" typeface="DokChampa"/>
+        <a:font script="Sinh" typeface="Iskoola Pota"/>
+        <a:font script="Mong" typeface="Mongolian Baiti"/>
+        <a:font script="Viet" typeface="Times New Roman"/>
+        <a:font script="Uigh" typeface="Microsoft Uighur"/>
+        <a:font script="Geor" typeface="Sylfaen"/>
+        <a:font script="Armn" typeface="Arial"/>
+        <a:font script="Bugi" typeface="Leelawadee UI"/>
+        <a:font script="Bopo" typeface="Microsoft JhengHei"/>
+        <a:font script="Java" typeface="Javanese Text"/>
+        <a:font script="Lisu" typeface="Segoe UI"/>
+        <a:font script="Mymr" typeface="Myanmar Text"/>
+        <a:font script="Nkoo" typeface="Ebrima"/>
+        <a:font script="Olck" typeface="Nirmala UI"/>
+        <a:font script="Osma" typeface="Ebrima"/>
+        <a:font script="Phag" typeface="Phagspa"/>
+        <a:font script="Syrn" typeface="Estrangelo Edessa"/>
+        <a:font script="Syrj" typeface="Estrangelo Edessa"/>
+        <a:font script="Syre" typeface="Estrangelo Edessa"/>
+        <a:font script="Sora" typeface="Nirmala UI"/>
+        <a:font script="Tale" typeface="Microsoft Tai Le"/>
+        <a:font script="Talu" typeface="Microsoft New Tai Lue"/>
+        <a:font script="Tfng" typeface="Ebrima"/>
+      </a:majorFont>
+      <a:minorFont>
+        <a:latin typeface="Calibri" panose="020F0502020204030204"/>
+        <a:ea typeface=""/>
+        <a:cs typeface=""/>
+        <a:font script="Jpan" typeface="游ゴシック"/>
+        <a:font script="Hang" typeface="맑은 고딕"/>
+        <a:font script="Hans" typeface="等线"/>
+        <a:font script="Hant" typeface="新細明體"/>
+        <a:font script="Arab" typeface="Arial"/>
+        <a:font script="Hebr" typeface="Arial"/>
+        <a:font script="Thai" typeface="Cordia New"/>
+        <a:font script="Ethi" typeface="Nyala"/>
+        <a:font script="Beng" typeface="Vrinda"/>
+        <a:font script="Gujr" typeface="Shruti"/>
+        <a:font script="Khmr" typeface="DaunPenh"/>
+        <a:font script="Knda" typeface="Tunga"/>
+        <a:font script="Guru" typeface="Raavi"/>
+        <a:font script="Cans" typeface="Euphemia"/>
+        <a:font script="Cher" typeface="Plantagenet Cherokee"/>
+        <a:font script="Yiii" typeface="Microsoft Yi Baiti"/>
+        <a:font script="Tibt" typeface="Microsoft Himalaya"/>
+        <a:font script="Thaa" typeface="MV Boli"/>
+        <a:font script="Deva" typeface="Mangal"/>
+        <a:font script="Telu" typeface="Gautami"/>
+        <a:font script="Taml" typeface="Latha"/>
+        <a:font script="Syrc" typeface="Estrangelo Edessa"/>
+        <a:font script="Orya" typeface="Kalinga"/>
+        <a:font script="Mlym" typeface="Kartika"/>
+        <a:font script="Laoo" typeface="DokChampa"/>
+        <a:font script="Sinh" typeface="Iskoola Pota"/>
+        <a:font script="Mong" typeface="Mongolian Baiti"/>
+        <a:font script="Viet" typeface="Arial"/>
+        <a:font script="Uigh" typeface="Microsoft Uighur"/>
+        <a:font script="Geor" typeface="Sylfaen"/>
+        <a:font script="Armn" typeface="Arial"/>
+        <a:font script="Bugi" typeface="Leelawadee UI"/>
+        <a:font script="Bopo" typeface="Microsoft JhengHei"/>
+        <a:font script="Java" typeface="Javanese Text"/>
+        <a:font script="Lisu" typeface="Segoe UI"/>
+        <a:font script="Mymr" typeface="Myanmar Text"/>
+        <a:font script="Nkoo" typeface="Ebrima"/>
+        <a:font script="Olck" typeface="Nirmala UI"/>
+        <a:font script="Osma" typeface="Ebrima"/>
+        <a:font script="Phag" typeface="Phagspa"/>
+        <a:font script="Syrn" typeface="Estrangelo Edessa"/>
+        <a:font script="Syrj" typeface="Estrangelo Edessa"/>
+        <a:font script="Syre" typeface="Estrangelo Edessa"/>
+        <a:font script="Sora" typeface="Nirmala UI"/>
+        <a:font script="Tale" typeface="Microsoft Tai Le"/>
+        <a:font script="Talu" typeface="Microsoft New Tai Lue"/>
+        <a:font script="Tfng" typeface="Ebrima"/>
+      </a:minorFont>
+    </a:fontScheme>
+    <a:fmtScheme name="Office">
+      <a:fillStyleLst>
+        <a:solidFill>
+          <a:schemeClr val="phClr"/>
+        </a:solidFill>
+        <a:gradFill rotWithShape="1">
+          <a:gsLst>
+            <a:gs pos="0">
+              <a:schemeClr val="phClr">
+                <a:lumMod val="110000"/>
+                <a:satMod val="105000"/>
+                <a:tint val="67000"/>
+              </a:schemeClr>
+            </a:gs>
+            <a:gs pos="50000">
+              <a:schemeClr val="phClr">
+                <a:lumMod val="105000"/>
+                <a:satMod val="103000"/>
+                <a:tint val="73000"/>
+              </a:schemeClr>
+            </a:gs>
+            <a:gs pos="100000">
+              <a:schemeClr val="phClr">
+                <a:lumMod val="105000"/>
+                <a:satMod val="109000"/>
+                <a:tint val="81000"/>
+              </a:schemeClr>
+            </a:gs>
+          </a:gsLst>
+          <a:lin ang="5400000" scaled="0"/>
+        </a:gradFill>
+        <a:gradFill rotWithShape="1">
+          <a:gsLst>
+            <a:gs pos="0">
+              <a:schemeClr val="phClr">
+                <a:satMod val="103000"/>
+                <a:lumMod val="102000"/>
+                <a:tint val="94000"/>
+              </a:schemeClr>
+            </a:gs>
+            <a:gs pos="50000">
+              <a:schemeClr val="phClr">
+                <a:satMod val="110000"/>
+                <a:lumMod val="100000"/>
+                <a:shade val="100000"/>
+              </a:schemeClr>
+            </a:gs>
+            <a:gs pos="100000">
+              <a:schemeClr val="phClr">
+                <a:lumMod val="99000"/>
+                <a:satMod val="120000"/>
+                <a:shade val="78000"/>
+              </a:schemeClr>
+            </a:gs>
+          </a:gsLst>
+          <a:lin ang="5400000" scaled="0"/>
+        </a:gradFill>
+      </a:fillStyleLst>
+      <a:lnStyleLst>
+        <a:ln w="6350" cap="flat" cmpd="sng" algn="ctr">
+          <a:solidFill>
+            <a:schemeClr val="phClr"/>
+          </a:solidFill>
+          <a:prstDash val="solid"/>
+          <a:miter lim="800000"/>
+        </a:ln>
+        <a:ln w="12700" cap="flat" cmpd="sng" algn="ctr">
+          <a:solidFill>
+            <a:schemeClr val="phClr"/>
+          </a:solidFill>
+          <a:prstDash val="solid"/>
+          <a:miter lim="800000"/>
+        </a:ln>
+        <a:ln w="19050" cap="flat" cmpd="sng" algn="ctr">
+          <a:solidFill>
+            <a:schemeClr val="phClr"/>
+          </a:solidFill>
+          <a:prstDash val="solid"/>
+          <a:miter lim="800000"/>
+        </a:ln>
+      </a:lnStyleLst>
+      <a:effectStyleLst>
+        <a:effectStyle>
+          <a:effectLst/>
+        </a:effectStyle>
+        <a:effectStyle>
+          <a:effectLst/>
+        </a:effectStyle>
+        <a:effectStyle>
+          <a:effectLst>
+            <a:outerShdw blurRad="57150" dist="19050" dir="5400000" algn="ctr" rotWithShape="0">
+              <a:srgbClr val="000000">
+                <a:alpha val="63000"/>
+              </a:srgbClr>
+            </a:outerShdw>
+          </a:effectLst>
+        </a:effectStyle>
+      </a:effectStyleLst>
+      <a:bgFillStyleLst>
+        <a:solidFill>
+          <a:schemeClr val="phClr"/>
+        </a:solidFill>
+        <a:solidFill>
+          <a:schemeClr val="phClr">
+            <a:tint val="95000"/>
+            <a:satMod val="170000"/>
+          </a:schemeClr>
+        </a:solidFill>
+        <a:gradFill rotWithShape="1">
+          <a:gsLst>
+            <a:gs pos="0">
+              <a:schemeClr val="phClr">
+                <a:tint val="93000"/>
+                <a:satMod val="150000"/>
+                <a:shade val="98000"/>
+                <a:lumMod val="102000"/>
+              </a:schemeClr>
+            </a:gs>
+            <a:gs pos="50000">
+              <a:schemeClr val="phClr">
+                <a:tint val="98000"/>
+                <a:satMod val="130000"/>
+                <a:shade val="90000"/>
+                <a:lumMod val="103000"/>
+              </a:schemeClr>
+            </a:gs>
+            <a:gs pos="100000">
+              <a:schemeClr val="phClr">
+                <a:shade val="63000"/>
+                <a:satMod val="120000"/>
+              </a:schemeClr>
+            </a:gs>
+          </a:gsLst>
+          <a:lin ang="5400000" scaled="0"/>
+        </a:gradFill>
+      </a:bgFillStyleLst>
+    </a:fmtScheme>
+  </a:themeElements>
+  <a:objectDefaults/>
+  <a:extraClrSchemeLst/>
+  <a:extLst>
+    <a:ext uri="{05A4C25C-085E-4340-85A3-A5531E510DB2}">
+      <thm15:themeFamily xmlns:thm15="http://schemas.microsoft.com/office/thememl/2012/main" name="Office Theme" id="{62F939B6-93AF-4DB8-9C6B-D6C7DFDC589F}" vid="{4A3C46E8-61CC-4603-A589-7422A47A8E4A}"/>
+    </a:ext>
+  </a:extLst>
+</a:theme>
 </file>
--- a/COVID_Presentation.pptx
+++ b/COVID_Presentation.pptx
@@ -4,6 +4,9 @@
   <p:sldMasterIdLst>
     <p:sldMasterId id="2147483866" r:id="rId1"/>
   </p:sldMasterIdLst>
+  <p:notesMasterIdLst>
+    <p:notesMasterId r:id="rId20"/>
+  </p:notesMasterIdLst>
   <p:sldIdLst>
     <p:sldId id="256" r:id="rId2"/>
     <p:sldId id="258" r:id="rId3"/>
@@ -13,15 +16,16 @@
     <p:sldId id="272" r:id="rId7"/>
     <p:sldId id="266" r:id="rId8"/>
     <p:sldId id="261" r:id="rId9"/>
-    <p:sldId id="267" r:id="rId10"/>
-    <p:sldId id="262" r:id="rId11"/>
-    <p:sldId id="263" r:id="rId12"/>
-    <p:sldId id="264" r:id="rId13"/>
-    <p:sldId id="269" r:id="rId14"/>
-    <p:sldId id="268" r:id="rId15"/>
-    <p:sldId id="265" r:id="rId16"/>
-    <p:sldId id="270" r:id="rId17"/>
-    <p:sldId id="271" r:id="rId18"/>
+    <p:sldId id="273" r:id="rId10"/>
+    <p:sldId id="267" r:id="rId11"/>
+    <p:sldId id="262" r:id="rId12"/>
+    <p:sldId id="263" r:id="rId13"/>
+    <p:sldId id="264" r:id="rId14"/>
+    <p:sldId id="269" r:id="rId15"/>
+    <p:sldId id="268" r:id="rId16"/>
+    <p:sldId id="265" r:id="rId17"/>
+    <p:sldId id="270" r:id="rId18"/>
+    <p:sldId id="271" r:id="rId19"/>
   </p:sldIdLst>
   <p:sldSz cx="12192000" cy="6858000"/>
   <p:notesSz cx="6858000" cy="9144000"/>
@@ -120,7 +124,1666 @@
       </a:defRPr>
     </a:lvl9pPr>
   </p:defaultTextStyle>
+  <p:extLst>
+    <p:ext uri="{EFAFB233-063F-42B5-8137-9DF3F51BA10A}">
+      <p15:sldGuideLst xmlns:p15="http://schemas.microsoft.com/office/powerpoint/2012/main"/>
+    </p:ext>
+  </p:extLst>
 </p:presentation>
+</file>
+
+<file path=ppt/notesMasters/notesMaster1.xml><?xml version="1.0" encoding="utf-8"?>
+<p:notesMaster xmlns:a="http://schemas.openxmlformats.org/drawingml/2006/main" xmlns:r="http://schemas.openxmlformats.org/officeDocument/2006/relationships" xmlns:p="http://schemas.openxmlformats.org/presentationml/2006/main">
+  <p:cSld>
+    <p:bg>
+      <p:bgRef idx="1001">
+        <a:schemeClr val="bg1"/>
+      </p:bgRef>
+    </p:bg>
+    <p:spTree>
+      <p:nvGrpSpPr>
+        <p:cNvPr id="1" name=""/>
+        <p:cNvGrpSpPr/>
+        <p:nvPr/>
+      </p:nvGrpSpPr>
+      <p:grpSpPr>
+        <a:xfrm>
+          <a:off x="0" y="0"/>
+          <a:ext cx="0" cy="0"/>
+          <a:chOff x="0" y="0"/>
+          <a:chExt cx="0" cy="0"/>
+        </a:xfrm>
+      </p:grpSpPr>
+      <p:sp>
+        <p:nvSpPr>
+          <p:cNvPr id="2" name="Header Placeholder 1"/>
+          <p:cNvSpPr>
+            <a:spLocks noGrp="1"/>
+          </p:cNvSpPr>
+          <p:nvPr>
+            <p:ph type="hdr" sz="quarter"/>
+          </p:nvPr>
+        </p:nvSpPr>
+        <p:spPr>
+          <a:xfrm>
+            <a:off x="0" y="0"/>
+            <a:ext cx="2971800" cy="458788"/>
+          </a:xfrm>
+          <a:prstGeom prst="rect">
+            <a:avLst/>
+          </a:prstGeom>
+        </p:spPr>
+        <p:txBody>
+          <a:bodyPr vert="horz" lIns="91440" tIns="45720" rIns="91440" bIns="45720" rtlCol="0"/>
+          <a:lstStyle>
+            <a:lvl1pPr algn="l">
+              <a:defRPr sz="1200"/>
+            </a:lvl1pPr>
+          </a:lstStyle>
+          <a:p>
+            <a:endParaRPr lang="en-US"/>
+          </a:p>
+        </p:txBody>
+      </p:sp>
+      <p:sp>
+        <p:nvSpPr>
+          <p:cNvPr id="3" name="Date Placeholder 2"/>
+          <p:cNvSpPr>
+            <a:spLocks noGrp="1"/>
+          </p:cNvSpPr>
+          <p:nvPr>
+            <p:ph type="dt" idx="1"/>
+          </p:nvPr>
+        </p:nvSpPr>
+        <p:spPr>
+          <a:xfrm>
+            <a:off x="3884613" y="0"/>
+            <a:ext cx="2971800" cy="458788"/>
+          </a:xfrm>
+          <a:prstGeom prst="rect">
+            <a:avLst/>
+          </a:prstGeom>
+        </p:spPr>
+        <p:txBody>
+          <a:bodyPr vert="horz" lIns="91440" tIns="45720" rIns="91440" bIns="45720" rtlCol="0"/>
+          <a:lstStyle>
+            <a:lvl1pPr algn="r">
+              <a:defRPr sz="1200"/>
+            </a:lvl1pPr>
+          </a:lstStyle>
+          <a:p>
+            <a:fld id="{7B036306-CDD8-504F-9A9C-0468E9B9EF1B}" type="datetimeFigureOut">
+              <a:rPr lang="en-US" smtClean="0"/>
+              <a:t>1/4/21</a:t>
+            </a:fld>
+            <a:endParaRPr lang="en-US"/>
+          </a:p>
+        </p:txBody>
+      </p:sp>
+      <p:sp>
+        <p:nvSpPr>
+          <p:cNvPr id="4" name="Slide Image Placeholder 3"/>
+          <p:cNvSpPr>
+            <a:spLocks noGrp="1" noRot="1" noChangeAspect="1"/>
+          </p:cNvSpPr>
+          <p:nvPr>
+            <p:ph type="sldImg" idx="2"/>
+          </p:nvPr>
+        </p:nvSpPr>
+        <p:spPr>
+          <a:xfrm>
+            <a:off x="685800" y="1143000"/>
+            <a:ext cx="5486400" cy="3086100"/>
+          </a:xfrm>
+          <a:prstGeom prst="rect">
+            <a:avLst/>
+          </a:prstGeom>
+          <a:noFill/>
+          <a:ln w="12700">
+            <a:solidFill>
+              <a:prstClr val="black"/>
+            </a:solidFill>
+          </a:ln>
+        </p:spPr>
+        <p:txBody>
+          <a:bodyPr vert="horz" lIns="91440" tIns="45720" rIns="91440" bIns="45720" rtlCol="0" anchor="ctr"/>
+          <a:lstStyle/>
+          <a:p>
+            <a:endParaRPr lang="en-US"/>
+          </a:p>
+        </p:txBody>
+      </p:sp>
+      <p:sp>
+        <p:nvSpPr>
+          <p:cNvPr id="5" name="Notes Placeholder 4"/>
+          <p:cNvSpPr>
+            <a:spLocks noGrp="1"/>
+          </p:cNvSpPr>
+          <p:nvPr>
+            <p:ph type="body" sz="quarter" idx="3"/>
+          </p:nvPr>
+        </p:nvSpPr>
+        <p:spPr>
+          <a:xfrm>
+            <a:off x="685800" y="4400550"/>
+            <a:ext cx="5486400" cy="3600450"/>
+          </a:xfrm>
+          <a:prstGeom prst="rect">
+            <a:avLst/>
+          </a:prstGeom>
+        </p:spPr>
+        <p:txBody>
+          <a:bodyPr vert="horz" lIns="91440" tIns="45720" rIns="91440" bIns="45720" rtlCol="0"/>
+          <a:lstStyle/>
+          <a:p>
+            <a:pPr lvl="0"/>
+            <a:r>
+              <a:rPr lang="en-US"/>
+              <a:t>Click to edit Master text styles</a:t>
+            </a:r>
+          </a:p>
+          <a:p>
+            <a:pPr lvl="1"/>
+            <a:r>
+              <a:rPr lang="en-US"/>
+              <a:t>Second level</a:t>
+            </a:r>
+          </a:p>
+          <a:p>
+            <a:pPr lvl="2"/>
+            <a:r>
+              <a:rPr lang="en-US"/>
+              <a:t>Third level</a:t>
+            </a:r>
+          </a:p>
+          <a:p>
+            <a:pPr lvl="3"/>
+            <a:r>
+              <a:rPr lang="en-US"/>
+              <a:t>Fourth level</a:t>
+            </a:r>
+          </a:p>
+          <a:p>
+            <a:pPr lvl="4"/>
+            <a:r>
+              <a:rPr lang="en-US"/>
+              <a:t>Fifth level</a:t>
+            </a:r>
+          </a:p>
+        </p:txBody>
+      </p:sp>
+      <p:sp>
+        <p:nvSpPr>
+          <p:cNvPr id="6" name="Footer Placeholder 5"/>
+          <p:cNvSpPr>
+            <a:spLocks noGrp="1"/>
+          </p:cNvSpPr>
+          <p:nvPr>
+            <p:ph type="ftr" sz="quarter" idx="4"/>
+          </p:nvPr>
+        </p:nvSpPr>
+        <p:spPr>
+          <a:xfrm>
+            <a:off x="0" y="8685213"/>
+            <a:ext cx="2971800" cy="458787"/>
+          </a:xfrm>
+          <a:prstGeom prst="rect">
+            <a:avLst/>
+          </a:prstGeom>
+        </p:spPr>
+        <p:txBody>
+          <a:bodyPr vert="horz" lIns="91440" tIns="45720" rIns="91440" bIns="45720" rtlCol="0" anchor="b"/>
+          <a:lstStyle>
+            <a:lvl1pPr algn="l">
+              <a:defRPr sz="1200"/>
+            </a:lvl1pPr>
+          </a:lstStyle>
+          <a:p>
+            <a:endParaRPr lang="en-US"/>
+          </a:p>
+        </p:txBody>
+      </p:sp>
+      <p:sp>
+        <p:nvSpPr>
+          <p:cNvPr id="7" name="Slide Number Placeholder 6"/>
+          <p:cNvSpPr>
+            <a:spLocks noGrp="1"/>
+          </p:cNvSpPr>
+          <p:nvPr>
+            <p:ph type="sldNum" sz="quarter" idx="5"/>
+          </p:nvPr>
+        </p:nvSpPr>
+        <p:spPr>
+          <a:xfrm>
+            <a:off x="3884613" y="8685213"/>
+            <a:ext cx="2971800" cy="458787"/>
+          </a:xfrm>
+          <a:prstGeom prst="rect">
+            <a:avLst/>
+          </a:prstGeom>
+        </p:spPr>
+        <p:txBody>
+          <a:bodyPr vert="horz" lIns="91440" tIns="45720" rIns="91440" bIns="45720" rtlCol="0" anchor="b"/>
+          <a:lstStyle>
+            <a:lvl1pPr algn="r">
+              <a:defRPr sz="1200"/>
+            </a:lvl1pPr>
+          </a:lstStyle>
+          <a:p>
+            <a:fld id="{7524B07B-C2F8-144C-8463-C36F543A4403}" type="slidenum">
+              <a:rPr lang="en-US" smtClean="0"/>
+              <a:t>‹#›</a:t>
+            </a:fld>
+            <a:endParaRPr lang="en-US"/>
+          </a:p>
+        </p:txBody>
+      </p:sp>
+    </p:spTree>
+    <p:extLst>
+      <p:ext uri="{BB962C8B-B14F-4D97-AF65-F5344CB8AC3E}">
+        <p14:creationId xmlns:p14="http://schemas.microsoft.com/office/powerpoint/2010/main" val="604896255"/>
+      </p:ext>
+    </p:extLst>
+  </p:cSld>
+  <p:clrMap bg1="lt1" tx1="dk1" bg2="lt2" tx2="dk2" accent1="accent1" accent2="accent2" accent3="accent3" accent4="accent4" accent5="accent5" accent6="accent6" hlink="hlink" folHlink="folHlink"/>
+  <p:notesStyle>
+    <a:lvl1pPr marL="0" algn="l" defTabSz="914400" rtl="0" eaLnBrk="1" latinLnBrk="0" hangingPunct="1">
+      <a:defRPr sz="1200" kern="1200">
+        <a:solidFill>
+          <a:schemeClr val="tx1"/>
+        </a:solidFill>
+        <a:latin typeface="+mn-lt"/>
+        <a:ea typeface="+mn-ea"/>
+        <a:cs typeface="+mn-cs"/>
+      </a:defRPr>
+    </a:lvl1pPr>
+    <a:lvl2pPr marL="457200" algn="l" defTabSz="914400" rtl="0" eaLnBrk="1" latinLnBrk="0" hangingPunct="1">
+      <a:defRPr sz="1200" kern="1200">
+        <a:solidFill>
+          <a:schemeClr val="tx1"/>
+        </a:solidFill>
+        <a:latin typeface="+mn-lt"/>
+        <a:ea typeface="+mn-ea"/>
+        <a:cs typeface="+mn-cs"/>
+      </a:defRPr>
+    </a:lvl2pPr>
+    <a:lvl3pPr marL="914400" algn="l" defTabSz="914400" rtl="0" eaLnBrk="1" latinLnBrk="0" hangingPunct="1">
+      <a:defRPr sz="1200" kern="1200">
+        <a:solidFill>
+          <a:schemeClr val="tx1"/>
+        </a:solidFill>
+        <a:latin typeface="+mn-lt"/>
+        <a:ea typeface="+mn-ea"/>
+        <a:cs typeface="+mn-cs"/>
+      </a:defRPr>
+    </a:lvl3pPr>
+    <a:lvl4pPr marL="1371600" algn="l" defTabSz="914400" rtl="0" eaLnBrk="1" latinLnBrk="0" hangingPunct="1">
+      <a:defRPr sz="1200" kern="1200">
+        <a:solidFill>
+          <a:schemeClr val="tx1"/>
+        </a:solidFill>
+        <a:latin typeface="+mn-lt"/>
+        <a:ea typeface="+mn-ea"/>
+        <a:cs typeface="+mn-cs"/>
+      </a:defRPr>
+    </a:lvl4pPr>
+    <a:lvl5pPr marL="1828800" algn="l" defTabSz="914400" rtl="0" eaLnBrk="1" latinLnBrk="0" hangingPunct="1">
+      <a:defRPr sz="1200" kern="1200">
+        <a:solidFill>
+          <a:schemeClr val="tx1"/>
+        </a:solidFill>
+        <a:latin typeface="+mn-lt"/>
+        <a:ea typeface="+mn-ea"/>
+        <a:cs typeface="+mn-cs"/>
+      </a:defRPr>
+    </a:lvl5pPr>
+    <a:lvl6pPr marL="2286000" algn="l" defTabSz="914400" rtl="0" eaLnBrk="1" latinLnBrk="0" hangingPunct="1">
+      <a:defRPr sz="1200" kern="1200">
+        <a:solidFill>
+          <a:schemeClr val="tx1"/>
+        </a:solidFill>
+        <a:latin typeface="+mn-lt"/>
+        <a:ea typeface="+mn-ea"/>
+        <a:cs typeface="+mn-cs"/>
+      </a:defRPr>
+    </a:lvl6pPr>
+    <a:lvl7pPr marL="2743200" algn="l" defTabSz="914400" rtl="0" eaLnBrk="1" latinLnBrk="0" hangingPunct="1">
+      <a:defRPr sz="1200" kern="1200">
+        <a:solidFill>
+          <a:schemeClr val="tx1"/>
+        </a:solidFill>
+        <a:latin typeface="+mn-lt"/>
+        <a:ea typeface="+mn-ea"/>
+        <a:cs typeface="+mn-cs"/>
+      </a:defRPr>
+    </a:lvl7pPr>
+    <a:lvl8pPr marL="3200400" algn="l" defTabSz="914400" rtl="0" eaLnBrk="1" latinLnBrk="0" hangingPunct="1">
+      <a:defRPr sz="1200" kern="1200">
+        <a:solidFill>
+          <a:schemeClr val="tx1"/>
+        </a:solidFill>
+        <a:latin typeface="+mn-lt"/>
+        <a:ea typeface="+mn-ea"/>
+        <a:cs typeface="+mn-cs"/>
+      </a:defRPr>
+    </a:lvl8pPr>
+    <a:lvl9pPr marL="3657600" algn="l" defTabSz="914400" rtl="0" eaLnBrk="1" latinLnBrk="0" hangingPunct="1">
+      <a:defRPr sz="1200" kern="1200">
+        <a:solidFill>
+          <a:schemeClr val="tx1"/>
+        </a:solidFill>
+        <a:latin typeface="+mn-lt"/>
+        <a:ea typeface="+mn-ea"/>
+        <a:cs typeface="+mn-cs"/>
+      </a:defRPr>
+    </a:lvl9pPr>
+  </p:notesStyle>
+</p:notesMaster>
+</file>
+
+<file path=ppt/notesSlides/notesSlide1.xml><?xml version="1.0" encoding="utf-8"?>
+<p:notes xmlns:a="http://schemas.openxmlformats.org/drawingml/2006/main" xmlns:r="http://schemas.openxmlformats.org/officeDocument/2006/relationships" xmlns:p="http://schemas.openxmlformats.org/presentationml/2006/main">
+  <p:cSld>
+    <p:spTree>
+      <p:nvGrpSpPr>
+        <p:cNvPr id="1" name=""/>
+        <p:cNvGrpSpPr/>
+        <p:nvPr/>
+      </p:nvGrpSpPr>
+      <p:grpSpPr>
+        <a:xfrm>
+          <a:off x="0" y="0"/>
+          <a:ext cx="0" cy="0"/>
+          <a:chOff x="0" y="0"/>
+          <a:chExt cx="0" cy="0"/>
+        </a:xfrm>
+      </p:grpSpPr>
+      <p:sp>
+        <p:nvSpPr>
+          <p:cNvPr id="2" name="Slide Image Placeholder 1"/>
+          <p:cNvSpPr>
+            <a:spLocks noGrp="1" noRot="1" noChangeAspect="1"/>
+          </p:cNvSpPr>
+          <p:nvPr>
+            <p:ph type="sldImg"/>
+          </p:nvPr>
+        </p:nvSpPr>
+        <p:spPr/>
+      </p:sp>
+      <p:sp>
+        <p:nvSpPr>
+          <p:cNvPr id="3" name="Notes Placeholder 2"/>
+          <p:cNvSpPr>
+            <a:spLocks noGrp="1"/>
+          </p:cNvSpPr>
+          <p:nvPr>
+            <p:ph type="body" idx="1"/>
+          </p:nvPr>
+        </p:nvSpPr>
+        <p:spPr/>
+        <p:txBody>
+          <a:bodyPr/>
+          <a:lstStyle/>
+          <a:p>
+            <a:r>
+              <a:rPr lang="en-US" dirty="0"/>
+              <a:t>Lily</a:t>
+            </a:r>
+          </a:p>
+        </p:txBody>
+      </p:sp>
+      <p:sp>
+        <p:nvSpPr>
+          <p:cNvPr id="4" name="Slide Number Placeholder 3"/>
+          <p:cNvSpPr>
+            <a:spLocks noGrp="1"/>
+          </p:cNvSpPr>
+          <p:nvPr>
+            <p:ph type="sldNum" sz="quarter" idx="5"/>
+          </p:nvPr>
+        </p:nvSpPr>
+        <p:spPr/>
+        <p:txBody>
+          <a:bodyPr/>
+          <a:lstStyle/>
+          <a:p>
+            <a:fld id="{7524B07B-C2F8-144C-8463-C36F543A4403}" type="slidenum">
+              <a:rPr lang="en-US" smtClean="0"/>
+              <a:t>1</a:t>
+            </a:fld>
+            <a:endParaRPr lang="en-US"/>
+          </a:p>
+        </p:txBody>
+      </p:sp>
+    </p:spTree>
+    <p:extLst>
+      <p:ext uri="{BB962C8B-B14F-4D97-AF65-F5344CB8AC3E}">
+        <p14:creationId xmlns:p14="http://schemas.microsoft.com/office/powerpoint/2010/main" val="268931589"/>
+      </p:ext>
+    </p:extLst>
+  </p:cSld>
+  <p:clrMapOvr>
+    <a:masterClrMapping/>
+  </p:clrMapOvr>
+</p:notes>
+</file>
+
+<file path=ppt/notesSlides/notesSlide10.xml><?xml version="1.0" encoding="utf-8"?>
+<p:notes xmlns:a="http://schemas.openxmlformats.org/drawingml/2006/main" xmlns:r="http://schemas.openxmlformats.org/officeDocument/2006/relationships" xmlns:p="http://schemas.openxmlformats.org/presentationml/2006/main">
+  <p:cSld>
+    <p:spTree>
+      <p:nvGrpSpPr>
+        <p:cNvPr id="1" name=""/>
+        <p:cNvGrpSpPr/>
+        <p:nvPr/>
+      </p:nvGrpSpPr>
+      <p:grpSpPr>
+        <a:xfrm>
+          <a:off x="0" y="0"/>
+          <a:ext cx="0" cy="0"/>
+          <a:chOff x="0" y="0"/>
+          <a:chExt cx="0" cy="0"/>
+        </a:xfrm>
+      </p:grpSpPr>
+      <p:sp>
+        <p:nvSpPr>
+          <p:cNvPr id="2" name="Slide Image Placeholder 1"/>
+          <p:cNvSpPr>
+            <a:spLocks noGrp="1" noRot="1" noChangeAspect="1"/>
+          </p:cNvSpPr>
+          <p:nvPr>
+            <p:ph type="sldImg"/>
+          </p:nvPr>
+        </p:nvSpPr>
+        <p:spPr/>
+      </p:sp>
+      <p:sp>
+        <p:nvSpPr>
+          <p:cNvPr id="3" name="Notes Placeholder 2"/>
+          <p:cNvSpPr>
+            <a:spLocks noGrp="1"/>
+          </p:cNvSpPr>
+          <p:nvPr>
+            <p:ph type="body" idx="1"/>
+          </p:nvPr>
+        </p:nvSpPr>
+        <p:spPr/>
+        <p:txBody>
+          <a:bodyPr/>
+          <a:lstStyle/>
+          <a:p>
+            <a:r>
+              <a:rPr lang="en-US" dirty="0"/>
+              <a:t>Aki</a:t>
+            </a:r>
+          </a:p>
+        </p:txBody>
+      </p:sp>
+      <p:sp>
+        <p:nvSpPr>
+          <p:cNvPr id="4" name="Slide Number Placeholder 3"/>
+          <p:cNvSpPr>
+            <a:spLocks noGrp="1"/>
+          </p:cNvSpPr>
+          <p:nvPr>
+            <p:ph type="sldNum" sz="quarter" idx="5"/>
+          </p:nvPr>
+        </p:nvSpPr>
+        <p:spPr/>
+        <p:txBody>
+          <a:bodyPr/>
+          <a:lstStyle/>
+          <a:p>
+            <a:fld id="{7524B07B-C2F8-144C-8463-C36F543A4403}" type="slidenum">
+              <a:rPr lang="en-US" smtClean="0"/>
+              <a:t>11</a:t>
+            </a:fld>
+            <a:endParaRPr lang="en-US"/>
+          </a:p>
+        </p:txBody>
+      </p:sp>
+    </p:spTree>
+    <p:extLst>
+      <p:ext uri="{BB962C8B-B14F-4D97-AF65-F5344CB8AC3E}">
+        <p14:creationId xmlns:p14="http://schemas.microsoft.com/office/powerpoint/2010/main" val="3401173698"/>
+      </p:ext>
+    </p:extLst>
+  </p:cSld>
+  <p:clrMapOvr>
+    <a:masterClrMapping/>
+  </p:clrMapOvr>
+</p:notes>
+</file>
+
+<file path=ppt/notesSlides/notesSlide11.xml><?xml version="1.0" encoding="utf-8"?>
+<p:notes xmlns:a="http://schemas.openxmlformats.org/drawingml/2006/main" xmlns:r="http://schemas.openxmlformats.org/officeDocument/2006/relationships" xmlns:p="http://schemas.openxmlformats.org/presentationml/2006/main">
+  <p:cSld>
+    <p:spTree>
+      <p:nvGrpSpPr>
+        <p:cNvPr id="1" name=""/>
+        <p:cNvGrpSpPr/>
+        <p:nvPr/>
+      </p:nvGrpSpPr>
+      <p:grpSpPr>
+        <a:xfrm>
+          <a:off x="0" y="0"/>
+          <a:ext cx="0" cy="0"/>
+          <a:chOff x="0" y="0"/>
+          <a:chExt cx="0" cy="0"/>
+        </a:xfrm>
+      </p:grpSpPr>
+      <p:sp>
+        <p:nvSpPr>
+          <p:cNvPr id="2" name="Slide Image Placeholder 1"/>
+          <p:cNvSpPr>
+            <a:spLocks noGrp="1" noRot="1" noChangeAspect="1"/>
+          </p:cNvSpPr>
+          <p:nvPr>
+            <p:ph type="sldImg"/>
+          </p:nvPr>
+        </p:nvSpPr>
+        <p:spPr/>
+      </p:sp>
+      <p:sp>
+        <p:nvSpPr>
+          <p:cNvPr id="3" name="Notes Placeholder 2"/>
+          <p:cNvSpPr>
+            <a:spLocks noGrp="1"/>
+          </p:cNvSpPr>
+          <p:nvPr>
+            <p:ph type="body" idx="1"/>
+          </p:nvPr>
+        </p:nvSpPr>
+        <p:spPr/>
+        <p:txBody>
+          <a:bodyPr/>
+          <a:lstStyle/>
+          <a:p>
+            <a:r>
+              <a:rPr lang="en-US" dirty="0"/>
+              <a:t>Aki</a:t>
+            </a:r>
+          </a:p>
+        </p:txBody>
+      </p:sp>
+      <p:sp>
+        <p:nvSpPr>
+          <p:cNvPr id="4" name="Slide Number Placeholder 3"/>
+          <p:cNvSpPr>
+            <a:spLocks noGrp="1"/>
+          </p:cNvSpPr>
+          <p:nvPr>
+            <p:ph type="sldNum" sz="quarter" idx="5"/>
+          </p:nvPr>
+        </p:nvSpPr>
+        <p:spPr/>
+        <p:txBody>
+          <a:bodyPr/>
+          <a:lstStyle/>
+          <a:p>
+            <a:fld id="{7524B07B-C2F8-144C-8463-C36F543A4403}" type="slidenum">
+              <a:rPr lang="en-US" smtClean="0"/>
+              <a:t>12</a:t>
+            </a:fld>
+            <a:endParaRPr lang="en-US"/>
+          </a:p>
+        </p:txBody>
+      </p:sp>
+    </p:spTree>
+    <p:extLst>
+      <p:ext uri="{BB962C8B-B14F-4D97-AF65-F5344CB8AC3E}">
+        <p14:creationId xmlns:p14="http://schemas.microsoft.com/office/powerpoint/2010/main" val="1097342209"/>
+      </p:ext>
+    </p:extLst>
+  </p:cSld>
+  <p:clrMapOvr>
+    <a:masterClrMapping/>
+  </p:clrMapOvr>
+</p:notes>
+</file>
+
+<file path=ppt/notesSlides/notesSlide12.xml><?xml version="1.0" encoding="utf-8"?>
+<p:notes xmlns:a="http://schemas.openxmlformats.org/drawingml/2006/main" xmlns:r="http://schemas.openxmlformats.org/officeDocument/2006/relationships" xmlns:p="http://schemas.openxmlformats.org/presentationml/2006/main">
+  <p:cSld>
+    <p:spTree>
+      <p:nvGrpSpPr>
+        <p:cNvPr id="1" name=""/>
+        <p:cNvGrpSpPr/>
+        <p:nvPr/>
+      </p:nvGrpSpPr>
+      <p:grpSpPr>
+        <a:xfrm>
+          <a:off x="0" y="0"/>
+          <a:ext cx="0" cy="0"/>
+          <a:chOff x="0" y="0"/>
+          <a:chExt cx="0" cy="0"/>
+        </a:xfrm>
+      </p:grpSpPr>
+      <p:sp>
+        <p:nvSpPr>
+          <p:cNvPr id="2" name="Slide Image Placeholder 1"/>
+          <p:cNvSpPr>
+            <a:spLocks noGrp="1" noRot="1" noChangeAspect="1"/>
+          </p:cNvSpPr>
+          <p:nvPr>
+            <p:ph type="sldImg"/>
+          </p:nvPr>
+        </p:nvSpPr>
+        <p:spPr/>
+      </p:sp>
+      <p:sp>
+        <p:nvSpPr>
+          <p:cNvPr id="3" name="Notes Placeholder 2"/>
+          <p:cNvSpPr>
+            <a:spLocks noGrp="1"/>
+          </p:cNvSpPr>
+          <p:nvPr>
+            <p:ph type="body" idx="1"/>
+          </p:nvPr>
+        </p:nvSpPr>
+        <p:spPr/>
+        <p:txBody>
+          <a:bodyPr/>
+          <a:lstStyle/>
+          <a:p>
+            <a:r>
+              <a:rPr lang="en-US" dirty="0"/>
+              <a:t>Aki</a:t>
+            </a:r>
+          </a:p>
+        </p:txBody>
+      </p:sp>
+      <p:sp>
+        <p:nvSpPr>
+          <p:cNvPr id="4" name="Slide Number Placeholder 3"/>
+          <p:cNvSpPr>
+            <a:spLocks noGrp="1"/>
+          </p:cNvSpPr>
+          <p:nvPr>
+            <p:ph type="sldNum" sz="quarter" idx="5"/>
+          </p:nvPr>
+        </p:nvSpPr>
+        <p:spPr/>
+        <p:txBody>
+          <a:bodyPr/>
+          <a:lstStyle/>
+          <a:p>
+            <a:fld id="{7524B07B-C2F8-144C-8463-C36F543A4403}" type="slidenum">
+              <a:rPr lang="en-US" smtClean="0"/>
+              <a:t>13</a:t>
+            </a:fld>
+            <a:endParaRPr lang="en-US"/>
+          </a:p>
+        </p:txBody>
+      </p:sp>
+    </p:spTree>
+    <p:extLst>
+      <p:ext uri="{BB962C8B-B14F-4D97-AF65-F5344CB8AC3E}">
+        <p14:creationId xmlns:p14="http://schemas.microsoft.com/office/powerpoint/2010/main" val="2390132890"/>
+      </p:ext>
+    </p:extLst>
+  </p:cSld>
+  <p:clrMapOvr>
+    <a:masterClrMapping/>
+  </p:clrMapOvr>
+</p:notes>
+</file>
+
+<file path=ppt/notesSlides/notesSlide13.xml><?xml version="1.0" encoding="utf-8"?>
+<p:notes xmlns:a="http://schemas.openxmlformats.org/drawingml/2006/main" xmlns:r="http://schemas.openxmlformats.org/officeDocument/2006/relationships" xmlns:p="http://schemas.openxmlformats.org/presentationml/2006/main">
+  <p:cSld>
+    <p:spTree>
+      <p:nvGrpSpPr>
+        <p:cNvPr id="1" name=""/>
+        <p:cNvGrpSpPr/>
+        <p:nvPr/>
+      </p:nvGrpSpPr>
+      <p:grpSpPr>
+        <a:xfrm>
+          <a:off x="0" y="0"/>
+          <a:ext cx="0" cy="0"/>
+          <a:chOff x="0" y="0"/>
+          <a:chExt cx="0" cy="0"/>
+        </a:xfrm>
+      </p:grpSpPr>
+      <p:sp>
+        <p:nvSpPr>
+          <p:cNvPr id="2" name="Slide Image Placeholder 1"/>
+          <p:cNvSpPr>
+            <a:spLocks noGrp="1" noRot="1" noChangeAspect="1"/>
+          </p:cNvSpPr>
+          <p:nvPr>
+            <p:ph type="sldImg"/>
+          </p:nvPr>
+        </p:nvSpPr>
+        <p:spPr/>
+      </p:sp>
+      <p:sp>
+        <p:nvSpPr>
+          <p:cNvPr id="3" name="Notes Placeholder 2"/>
+          <p:cNvSpPr>
+            <a:spLocks noGrp="1"/>
+          </p:cNvSpPr>
+          <p:nvPr>
+            <p:ph type="body" idx="1"/>
+          </p:nvPr>
+        </p:nvSpPr>
+        <p:spPr/>
+        <p:txBody>
+          <a:bodyPr/>
+          <a:lstStyle/>
+          <a:p>
+            <a:r>
+              <a:rPr lang="en-US" dirty="0"/>
+              <a:t>Dan</a:t>
+            </a:r>
+          </a:p>
+        </p:txBody>
+      </p:sp>
+      <p:sp>
+        <p:nvSpPr>
+          <p:cNvPr id="4" name="Slide Number Placeholder 3"/>
+          <p:cNvSpPr>
+            <a:spLocks noGrp="1"/>
+          </p:cNvSpPr>
+          <p:nvPr>
+            <p:ph type="sldNum" sz="quarter" idx="5"/>
+          </p:nvPr>
+        </p:nvSpPr>
+        <p:spPr/>
+        <p:txBody>
+          <a:bodyPr/>
+          <a:lstStyle/>
+          <a:p>
+            <a:fld id="{7524B07B-C2F8-144C-8463-C36F543A4403}" type="slidenum">
+              <a:rPr lang="en-US" smtClean="0"/>
+              <a:t>15</a:t>
+            </a:fld>
+            <a:endParaRPr lang="en-US"/>
+          </a:p>
+        </p:txBody>
+      </p:sp>
+    </p:spTree>
+    <p:extLst>
+      <p:ext uri="{BB962C8B-B14F-4D97-AF65-F5344CB8AC3E}">
+        <p14:creationId xmlns:p14="http://schemas.microsoft.com/office/powerpoint/2010/main" val="4197035436"/>
+      </p:ext>
+    </p:extLst>
+  </p:cSld>
+  <p:clrMapOvr>
+    <a:masterClrMapping/>
+  </p:clrMapOvr>
+</p:notes>
+</file>
+
+<file path=ppt/notesSlides/notesSlide14.xml><?xml version="1.0" encoding="utf-8"?>
+<p:notes xmlns:a="http://schemas.openxmlformats.org/drawingml/2006/main" xmlns:r="http://schemas.openxmlformats.org/officeDocument/2006/relationships" xmlns:p="http://schemas.openxmlformats.org/presentationml/2006/main">
+  <p:cSld>
+    <p:spTree>
+      <p:nvGrpSpPr>
+        <p:cNvPr id="1" name=""/>
+        <p:cNvGrpSpPr/>
+        <p:nvPr/>
+      </p:nvGrpSpPr>
+      <p:grpSpPr>
+        <a:xfrm>
+          <a:off x="0" y="0"/>
+          <a:ext cx="0" cy="0"/>
+          <a:chOff x="0" y="0"/>
+          <a:chExt cx="0" cy="0"/>
+        </a:xfrm>
+      </p:grpSpPr>
+      <p:sp>
+        <p:nvSpPr>
+          <p:cNvPr id="2" name="Slide Image Placeholder 1"/>
+          <p:cNvSpPr>
+            <a:spLocks noGrp="1" noRot="1" noChangeAspect="1"/>
+          </p:cNvSpPr>
+          <p:nvPr>
+            <p:ph type="sldImg"/>
+          </p:nvPr>
+        </p:nvSpPr>
+        <p:spPr/>
+      </p:sp>
+      <p:sp>
+        <p:nvSpPr>
+          <p:cNvPr id="3" name="Notes Placeholder 2"/>
+          <p:cNvSpPr>
+            <a:spLocks noGrp="1"/>
+          </p:cNvSpPr>
+          <p:nvPr>
+            <p:ph type="body" idx="1"/>
+          </p:nvPr>
+        </p:nvSpPr>
+        <p:spPr/>
+        <p:txBody>
+          <a:bodyPr/>
+          <a:lstStyle/>
+          <a:p>
+            <a:r>
+              <a:rPr lang="en-US" dirty="0"/>
+              <a:t>Dan</a:t>
+            </a:r>
+          </a:p>
+        </p:txBody>
+      </p:sp>
+      <p:sp>
+        <p:nvSpPr>
+          <p:cNvPr id="4" name="Slide Number Placeholder 3"/>
+          <p:cNvSpPr>
+            <a:spLocks noGrp="1"/>
+          </p:cNvSpPr>
+          <p:nvPr>
+            <p:ph type="sldNum" sz="quarter" idx="5"/>
+          </p:nvPr>
+        </p:nvSpPr>
+        <p:spPr/>
+        <p:txBody>
+          <a:bodyPr/>
+          <a:lstStyle/>
+          <a:p>
+            <a:fld id="{7524B07B-C2F8-144C-8463-C36F543A4403}" type="slidenum">
+              <a:rPr lang="en-US" smtClean="0"/>
+              <a:t>16</a:t>
+            </a:fld>
+            <a:endParaRPr lang="en-US"/>
+          </a:p>
+        </p:txBody>
+      </p:sp>
+    </p:spTree>
+    <p:extLst>
+      <p:ext uri="{BB962C8B-B14F-4D97-AF65-F5344CB8AC3E}">
+        <p14:creationId xmlns:p14="http://schemas.microsoft.com/office/powerpoint/2010/main" val="1363778575"/>
+      </p:ext>
+    </p:extLst>
+  </p:cSld>
+  <p:clrMapOvr>
+    <a:masterClrMapping/>
+  </p:clrMapOvr>
+</p:notes>
+</file>
+
+<file path=ppt/notesSlides/notesSlide15.xml><?xml version="1.0" encoding="utf-8"?>
+<p:notes xmlns:a="http://schemas.openxmlformats.org/drawingml/2006/main" xmlns:r="http://schemas.openxmlformats.org/officeDocument/2006/relationships" xmlns:p="http://schemas.openxmlformats.org/presentationml/2006/main">
+  <p:cSld>
+    <p:spTree>
+      <p:nvGrpSpPr>
+        <p:cNvPr id="1" name=""/>
+        <p:cNvGrpSpPr/>
+        <p:nvPr/>
+      </p:nvGrpSpPr>
+      <p:grpSpPr>
+        <a:xfrm>
+          <a:off x="0" y="0"/>
+          <a:ext cx="0" cy="0"/>
+          <a:chOff x="0" y="0"/>
+          <a:chExt cx="0" cy="0"/>
+        </a:xfrm>
+      </p:grpSpPr>
+      <p:sp>
+        <p:nvSpPr>
+          <p:cNvPr id="2" name="Slide Image Placeholder 1"/>
+          <p:cNvSpPr>
+            <a:spLocks noGrp="1" noRot="1" noChangeAspect="1"/>
+          </p:cNvSpPr>
+          <p:nvPr>
+            <p:ph type="sldImg"/>
+          </p:nvPr>
+        </p:nvSpPr>
+        <p:spPr/>
+      </p:sp>
+      <p:sp>
+        <p:nvSpPr>
+          <p:cNvPr id="3" name="Notes Placeholder 2"/>
+          <p:cNvSpPr>
+            <a:spLocks noGrp="1"/>
+          </p:cNvSpPr>
+          <p:nvPr>
+            <p:ph type="body" idx="1"/>
+          </p:nvPr>
+        </p:nvSpPr>
+        <p:spPr/>
+        <p:txBody>
+          <a:bodyPr/>
+          <a:lstStyle/>
+          <a:p>
+            <a:r>
+              <a:rPr lang="en-US" dirty="0"/>
+              <a:t>Kieran</a:t>
+            </a:r>
+          </a:p>
+        </p:txBody>
+      </p:sp>
+      <p:sp>
+        <p:nvSpPr>
+          <p:cNvPr id="4" name="Slide Number Placeholder 3"/>
+          <p:cNvSpPr>
+            <a:spLocks noGrp="1"/>
+          </p:cNvSpPr>
+          <p:nvPr>
+            <p:ph type="sldNum" sz="quarter" idx="5"/>
+          </p:nvPr>
+        </p:nvSpPr>
+        <p:spPr/>
+        <p:txBody>
+          <a:bodyPr/>
+          <a:lstStyle/>
+          <a:p>
+            <a:fld id="{7524B07B-C2F8-144C-8463-C36F543A4403}" type="slidenum">
+              <a:rPr lang="en-US" smtClean="0"/>
+              <a:t>17</a:t>
+            </a:fld>
+            <a:endParaRPr lang="en-US"/>
+          </a:p>
+        </p:txBody>
+      </p:sp>
+    </p:spTree>
+    <p:extLst>
+      <p:ext uri="{BB962C8B-B14F-4D97-AF65-F5344CB8AC3E}">
+        <p14:creationId xmlns:p14="http://schemas.microsoft.com/office/powerpoint/2010/main" val="4203484916"/>
+      </p:ext>
+    </p:extLst>
+  </p:cSld>
+  <p:clrMapOvr>
+    <a:masterClrMapping/>
+  </p:clrMapOvr>
+</p:notes>
+</file>
+
+<file path=ppt/notesSlides/notesSlide2.xml><?xml version="1.0" encoding="utf-8"?>
+<p:notes xmlns:a="http://schemas.openxmlformats.org/drawingml/2006/main" xmlns:r="http://schemas.openxmlformats.org/officeDocument/2006/relationships" xmlns:p="http://schemas.openxmlformats.org/presentationml/2006/main">
+  <p:cSld>
+    <p:spTree>
+      <p:nvGrpSpPr>
+        <p:cNvPr id="1" name=""/>
+        <p:cNvGrpSpPr/>
+        <p:nvPr/>
+      </p:nvGrpSpPr>
+      <p:grpSpPr>
+        <a:xfrm>
+          <a:off x="0" y="0"/>
+          <a:ext cx="0" cy="0"/>
+          <a:chOff x="0" y="0"/>
+          <a:chExt cx="0" cy="0"/>
+        </a:xfrm>
+      </p:grpSpPr>
+      <p:sp>
+        <p:nvSpPr>
+          <p:cNvPr id="2" name="Slide Image Placeholder 1"/>
+          <p:cNvSpPr>
+            <a:spLocks noGrp="1" noRot="1" noChangeAspect="1"/>
+          </p:cNvSpPr>
+          <p:nvPr>
+            <p:ph type="sldImg"/>
+          </p:nvPr>
+        </p:nvSpPr>
+        <p:spPr/>
+      </p:sp>
+      <p:sp>
+        <p:nvSpPr>
+          <p:cNvPr id="3" name="Notes Placeholder 2"/>
+          <p:cNvSpPr>
+            <a:spLocks noGrp="1"/>
+          </p:cNvSpPr>
+          <p:nvPr>
+            <p:ph type="body" idx="1"/>
+          </p:nvPr>
+        </p:nvSpPr>
+        <p:spPr/>
+        <p:txBody>
+          <a:bodyPr/>
+          <a:lstStyle/>
+          <a:p>
+            <a:r>
+              <a:rPr lang="en-US" dirty="0"/>
+              <a:t>Lily</a:t>
+            </a:r>
+          </a:p>
+        </p:txBody>
+      </p:sp>
+      <p:sp>
+        <p:nvSpPr>
+          <p:cNvPr id="4" name="Slide Number Placeholder 3"/>
+          <p:cNvSpPr>
+            <a:spLocks noGrp="1"/>
+          </p:cNvSpPr>
+          <p:nvPr>
+            <p:ph type="sldNum" sz="quarter" idx="5"/>
+          </p:nvPr>
+        </p:nvSpPr>
+        <p:spPr/>
+        <p:txBody>
+          <a:bodyPr/>
+          <a:lstStyle/>
+          <a:p>
+            <a:fld id="{7524B07B-C2F8-144C-8463-C36F543A4403}" type="slidenum">
+              <a:rPr lang="en-US" smtClean="0"/>
+              <a:t>2</a:t>
+            </a:fld>
+            <a:endParaRPr lang="en-US"/>
+          </a:p>
+        </p:txBody>
+      </p:sp>
+    </p:spTree>
+    <p:extLst>
+      <p:ext uri="{BB962C8B-B14F-4D97-AF65-F5344CB8AC3E}">
+        <p14:creationId xmlns:p14="http://schemas.microsoft.com/office/powerpoint/2010/main" val="1826871620"/>
+      </p:ext>
+    </p:extLst>
+  </p:cSld>
+  <p:clrMapOvr>
+    <a:masterClrMapping/>
+  </p:clrMapOvr>
+</p:notes>
+</file>
+
+<file path=ppt/notesSlides/notesSlide3.xml><?xml version="1.0" encoding="utf-8"?>
+<p:notes xmlns:a="http://schemas.openxmlformats.org/drawingml/2006/main" xmlns:r="http://schemas.openxmlformats.org/officeDocument/2006/relationships" xmlns:p="http://schemas.openxmlformats.org/presentationml/2006/main">
+  <p:cSld>
+    <p:spTree>
+      <p:nvGrpSpPr>
+        <p:cNvPr id="1" name=""/>
+        <p:cNvGrpSpPr/>
+        <p:nvPr/>
+      </p:nvGrpSpPr>
+      <p:grpSpPr>
+        <a:xfrm>
+          <a:off x="0" y="0"/>
+          <a:ext cx="0" cy="0"/>
+          <a:chOff x="0" y="0"/>
+          <a:chExt cx="0" cy="0"/>
+        </a:xfrm>
+      </p:grpSpPr>
+      <p:sp>
+        <p:nvSpPr>
+          <p:cNvPr id="2" name="Slide Image Placeholder 1"/>
+          <p:cNvSpPr>
+            <a:spLocks noGrp="1" noRot="1" noChangeAspect="1"/>
+          </p:cNvSpPr>
+          <p:nvPr>
+            <p:ph type="sldImg"/>
+          </p:nvPr>
+        </p:nvSpPr>
+        <p:spPr/>
+      </p:sp>
+      <p:sp>
+        <p:nvSpPr>
+          <p:cNvPr id="3" name="Notes Placeholder 2"/>
+          <p:cNvSpPr>
+            <a:spLocks noGrp="1"/>
+          </p:cNvSpPr>
+          <p:nvPr>
+            <p:ph type="body" idx="1"/>
+          </p:nvPr>
+        </p:nvSpPr>
+        <p:spPr/>
+        <p:txBody>
+          <a:bodyPr/>
+          <a:lstStyle/>
+          <a:p>
+            <a:r>
+              <a:rPr lang="en-US" dirty="0"/>
+              <a:t>Lily</a:t>
+            </a:r>
+          </a:p>
+        </p:txBody>
+      </p:sp>
+      <p:sp>
+        <p:nvSpPr>
+          <p:cNvPr id="4" name="Slide Number Placeholder 3"/>
+          <p:cNvSpPr>
+            <a:spLocks noGrp="1"/>
+          </p:cNvSpPr>
+          <p:nvPr>
+            <p:ph type="sldNum" sz="quarter" idx="5"/>
+          </p:nvPr>
+        </p:nvSpPr>
+        <p:spPr/>
+        <p:txBody>
+          <a:bodyPr/>
+          <a:lstStyle/>
+          <a:p>
+            <a:fld id="{7524B07B-C2F8-144C-8463-C36F543A4403}" type="slidenum">
+              <a:rPr lang="en-US" smtClean="0"/>
+              <a:t>3</a:t>
+            </a:fld>
+            <a:endParaRPr lang="en-US"/>
+          </a:p>
+        </p:txBody>
+      </p:sp>
+    </p:spTree>
+    <p:extLst>
+      <p:ext uri="{BB962C8B-B14F-4D97-AF65-F5344CB8AC3E}">
+        <p14:creationId xmlns:p14="http://schemas.microsoft.com/office/powerpoint/2010/main" val="2364750739"/>
+      </p:ext>
+    </p:extLst>
+  </p:cSld>
+  <p:clrMapOvr>
+    <a:masterClrMapping/>
+  </p:clrMapOvr>
+</p:notes>
+</file>
+
+<file path=ppt/notesSlides/notesSlide4.xml><?xml version="1.0" encoding="utf-8"?>
+<p:notes xmlns:a="http://schemas.openxmlformats.org/drawingml/2006/main" xmlns:r="http://schemas.openxmlformats.org/officeDocument/2006/relationships" xmlns:p="http://schemas.openxmlformats.org/presentationml/2006/main">
+  <p:cSld>
+    <p:spTree>
+      <p:nvGrpSpPr>
+        <p:cNvPr id="1" name=""/>
+        <p:cNvGrpSpPr/>
+        <p:nvPr/>
+      </p:nvGrpSpPr>
+      <p:grpSpPr>
+        <a:xfrm>
+          <a:off x="0" y="0"/>
+          <a:ext cx="0" cy="0"/>
+          <a:chOff x="0" y="0"/>
+          <a:chExt cx="0" cy="0"/>
+        </a:xfrm>
+      </p:grpSpPr>
+      <p:sp>
+        <p:nvSpPr>
+          <p:cNvPr id="2" name="Slide Image Placeholder 1"/>
+          <p:cNvSpPr>
+            <a:spLocks noGrp="1" noRot="1" noChangeAspect="1"/>
+          </p:cNvSpPr>
+          <p:nvPr>
+            <p:ph type="sldImg"/>
+          </p:nvPr>
+        </p:nvSpPr>
+        <p:spPr/>
+      </p:sp>
+      <p:sp>
+        <p:nvSpPr>
+          <p:cNvPr id="3" name="Notes Placeholder 2"/>
+          <p:cNvSpPr>
+            <a:spLocks noGrp="1"/>
+          </p:cNvSpPr>
+          <p:nvPr>
+            <p:ph type="body" idx="1"/>
+          </p:nvPr>
+        </p:nvSpPr>
+        <p:spPr/>
+        <p:txBody>
+          <a:bodyPr/>
+          <a:lstStyle/>
+          <a:p>
+            <a:r>
+              <a:rPr lang="en-US" dirty="0"/>
+              <a:t>Lily</a:t>
+            </a:r>
+          </a:p>
+        </p:txBody>
+      </p:sp>
+      <p:sp>
+        <p:nvSpPr>
+          <p:cNvPr id="4" name="Slide Number Placeholder 3"/>
+          <p:cNvSpPr>
+            <a:spLocks noGrp="1"/>
+          </p:cNvSpPr>
+          <p:nvPr>
+            <p:ph type="sldNum" sz="quarter" idx="5"/>
+          </p:nvPr>
+        </p:nvSpPr>
+        <p:spPr/>
+        <p:txBody>
+          <a:bodyPr/>
+          <a:lstStyle/>
+          <a:p>
+            <a:fld id="{7524B07B-C2F8-144C-8463-C36F543A4403}" type="slidenum">
+              <a:rPr lang="en-US" smtClean="0"/>
+              <a:t>4</a:t>
+            </a:fld>
+            <a:endParaRPr lang="en-US"/>
+          </a:p>
+        </p:txBody>
+      </p:sp>
+    </p:spTree>
+    <p:extLst>
+      <p:ext uri="{BB962C8B-B14F-4D97-AF65-F5344CB8AC3E}">
+        <p14:creationId xmlns:p14="http://schemas.microsoft.com/office/powerpoint/2010/main" val="2359132269"/>
+      </p:ext>
+    </p:extLst>
+  </p:cSld>
+  <p:clrMapOvr>
+    <a:masterClrMapping/>
+  </p:clrMapOvr>
+</p:notes>
+</file>
+
+<file path=ppt/notesSlides/notesSlide5.xml><?xml version="1.0" encoding="utf-8"?>
+<p:notes xmlns:a="http://schemas.openxmlformats.org/drawingml/2006/main" xmlns:r="http://schemas.openxmlformats.org/officeDocument/2006/relationships" xmlns:p="http://schemas.openxmlformats.org/presentationml/2006/main">
+  <p:cSld>
+    <p:spTree>
+      <p:nvGrpSpPr>
+        <p:cNvPr id="1" name=""/>
+        <p:cNvGrpSpPr/>
+        <p:nvPr/>
+      </p:nvGrpSpPr>
+      <p:grpSpPr>
+        <a:xfrm>
+          <a:off x="0" y="0"/>
+          <a:ext cx="0" cy="0"/>
+          <a:chOff x="0" y="0"/>
+          <a:chExt cx="0" cy="0"/>
+        </a:xfrm>
+      </p:grpSpPr>
+      <p:sp>
+        <p:nvSpPr>
+          <p:cNvPr id="2" name="Slide Image Placeholder 1"/>
+          <p:cNvSpPr>
+            <a:spLocks noGrp="1" noRot="1" noChangeAspect="1"/>
+          </p:cNvSpPr>
+          <p:nvPr>
+            <p:ph type="sldImg"/>
+          </p:nvPr>
+        </p:nvSpPr>
+        <p:spPr/>
+      </p:sp>
+      <p:sp>
+        <p:nvSpPr>
+          <p:cNvPr id="3" name="Notes Placeholder 2"/>
+          <p:cNvSpPr>
+            <a:spLocks noGrp="1"/>
+          </p:cNvSpPr>
+          <p:nvPr>
+            <p:ph type="body" idx="1"/>
+          </p:nvPr>
+        </p:nvSpPr>
+        <p:spPr/>
+        <p:txBody>
+          <a:bodyPr/>
+          <a:lstStyle/>
+          <a:p>
+            <a:r>
+              <a:rPr lang="en-US" dirty="0"/>
+              <a:t>Kyle</a:t>
+            </a:r>
+          </a:p>
+        </p:txBody>
+      </p:sp>
+      <p:sp>
+        <p:nvSpPr>
+          <p:cNvPr id="4" name="Slide Number Placeholder 3"/>
+          <p:cNvSpPr>
+            <a:spLocks noGrp="1"/>
+          </p:cNvSpPr>
+          <p:nvPr>
+            <p:ph type="sldNum" sz="quarter" idx="5"/>
+          </p:nvPr>
+        </p:nvSpPr>
+        <p:spPr/>
+        <p:txBody>
+          <a:bodyPr/>
+          <a:lstStyle/>
+          <a:p>
+            <a:fld id="{7524B07B-C2F8-144C-8463-C36F543A4403}" type="slidenum">
+              <a:rPr lang="en-US" smtClean="0"/>
+              <a:t>5</a:t>
+            </a:fld>
+            <a:endParaRPr lang="en-US"/>
+          </a:p>
+        </p:txBody>
+      </p:sp>
+    </p:spTree>
+    <p:extLst>
+      <p:ext uri="{BB962C8B-B14F-4D97-AF65-F5344CB8AC3E}">
+        <p14:creationId xmlns:p14="http://schemas.microsoft.com/office/powerpoint/2010/main" val="3902891353"/>
+      </p:ext>
+    </p:extLst>
+  </p:cSld>
+  <p:clrMapOvr>
+    <a:masterClrMapping/>
+  </p:clrMapOvr>
+</p:notes>
+</file>
+
+<file path=ppt/notesSlides/notesSlide6.xml><?xml version="1.0" encoding="utf-8"?>
+<p:notes xmlns:a="http://schemas.openxmlformats.org/drawingml/2006/main" xmlns:r="http://schemas.openxmlformats.org/officeDocument/2006/relationships" xmlns:p="http://schemas.openxmlformats.org/presentationml/2006/main">
+  <p:cSld>
+    <p:spTree>
+      <p:nvGrpSpPr>
+        <p:cNvPr id="1" name=""/>
+        <p:cNvGrpSpPr/>
+        <p:nvPr/>
+      </p:nvGrpSpPr>
+      <p:grpSpPr>
+        <a:xfrm>
+          <a:off x="0" y="0"/>
+          <a:ext cx="0" cy="0"/>
+          <a:chOff x="0" y="0"/>
+          <a:chExt cx="0" cy="0"/>
+        </a:xfrm>
+      </p:grpSpPr>
+      <p:sp>
+        <p:nvSpPr>
+          <p:cNvPr id="2" name="Slide Image Placeholder 1"/>
+          <p:cNvSpPr>
+            <a:spLocks noGrp="1" noRot="1" noChangeAspect="1"/>
+          </p:cNvSpPr>
+          <p:nvPr>
+            <p:ph type="sldImg"/>
+          </p:nvPr>
+        </p:nvSpPr>
+        <p:spPr/>
+      </p:sp>
+      <p:sp>
+        <p:nvSpPr>
+          <p:cNvPr id="3" name="Notes Placeholder 2"/>
+          <p:cNvSpPr>
+            <a:spLocks noGrp="1"/>
+          </p:cNvSpPr>
+          <p:nvPr>
+            <p:ph type="body" idx="1"/>
+          </p:nvPr>
+        </p:nvSpPr>
+        <p:spPr/>
+        <p:txBody>
+          <a:bodyPr/>
+          <a:lstStyle/>
+          <a:p>
+            <a:r>
+              <a:rPr lang="en-US" dirty="0"/>
+              <a:t>Kyle</a:t>
+            </a:r>
+          </a:p>
+        </p:txBody>
+      </p:sp>
+      <p:sp>
+        <p:nvSpPr>
+          <p:cNvPr id="4" name="Slide Number Placeholder 3"/>
+          <p:cNvSpPr>
+            <a:spLocks noGrp="1"/>
+          </p:cNvSpPr>
+          <p:nvPr>
+            <p:ph type="sldNum" sz="quarter" idx="5"/>
+          </p:nvPr>
+        </p:nvSpPr>
+        <p:spPr/>
+        <p:txBody>
+          <a:bodyPr/>
+          <a:lstStyle/>
+          <a:p>
+            <a:fld id="{7524B07B-C2F8-144C-8463-C36F543A4403}" type="slidenum">
+              <a:rPr lang="en-US" smtClean="0"/>
+              <a:t>6</a:t>
+            </a:fld>
+            <a:endParaRPr lang="en-US"/>
+          </a:p>
+        </p:txBody>
+      </p:sp>
+    </p:spTree>
+    <p:extLst>
+      <p:ext uri="{BB962C8B-B14F-4D97-AF65-F5344CB8AC3E}">
+        <p14:creationId xmlns:p14="http://schemas.microsoft.com/office/powerpoint/2010/main" val="3818621635"/>
+      </p:ext>
+    </p:extLst>
+  </p:cSld>
+  <p:clrMapOvr>
+    <a:masterClrMapping/>
+  </p:clrMapOvr>
+</p:notes>
+</file>
+
+<file path=ppt/notesSlides/notesSlide7.xml><?xml version="1.0" encoding="utf-8"?>
+<p:notes xmlns:a="http://schemas.openxmlformats.org/drawingml/2006/main" xmlns:r="http://schemas.openxmlformats.org/officeDocument/2006/relationships" xmlns:p="http://schemas.openxmlformats.org/presentationml/2006/main">
+  <p:cSld>
+    <p:spTree>
+      <p:nvGrpSpPr>
+        <p:cNvPr id="1" name=""/>
+        <p:cNvGrpSpPr/>
+        <p:nvPr/>
+      </p:nvGrpSpPr>
+      <p:grpSpPr>
+        <a:xfrm>
+          <a:off x="0" y="0"/>
+          <a:ext cx="0" cy="0"/>
+          <a:chOff x="0" y="0"/>
+          <a:chExt cx="0" cy="0"/>
+        </a:xfrm>
+      </p:grpSpPr>
+      <p:sp>
+        <p:nvSpPr>
+          <p:cNvPr id="2" name="Slide Image Placeholder 1"/>
+          <p:cNvSpPr>
+            <a:spLocks noGrp="1" noRot="1" noChangeAspect="1"/>
+          </p:cNvSpPr>
+          <p:nvPr>
+            <p:ph type="sldImg"/>
+          </p:nvPr>
+        </p:nvSpPr>
+        <p:spPr/>
+      </p:sp>
+      <p:sp>
+        <p:nvSpPr>
+          <p:cNvPr id="3" name="Notes Placeholder 2"/>
+          <p:cNvSpPr>
+            <a:spLocks noGrp="1"/>
+          </p:cNvSpPr>
+          <p:nvPr>
+            <p:ph type="body" idx="1"/>
+          </p:nvPr>
+        </p:nvSpPr>
+        <p:spPr/>
+        <p:txBody>
+          <a:bodyPr/>
+          <a:lstStyle/>
+          <a:p>
+            <a:r>
+              <a:rPr lang="en-US" dirty="0"/>
+              <a:t>Kieran</a:t>
+            </a:r>
+          </a:p>
+        </p:txBody>
+      </p:sp>
+      <p:sp>
+        <p:nvSpPr>
+          <p:cNvPr id="4" name="Slide Number Placeholder 3"/>
+          <p:cNvSpPr>
+            <a:spLocks noGrp="1"/>
+          </p:cNvSpPr>
+          <p:nvPr>
+            <p:ph type="sldNum" sz="quarter" idx="5"/>
+          </p:nvPr>
+        </p:nvSpPr>
+        <p:spPr/>
+        <p:txBody>
+          <a:bodyPr/>
+          <a:lstStyle/>
+          <a:p>
+            <a:fld id="{7524B07B-C2F8-144C-8463-C36F543A4403}" type="slidenum">
+              <a:rPr lang="en-US" smtClean="0"/>
+              <a:t>8</a:t>
+            </a:fld>
+            <a:endParaRPr lang="en-US"/>
+          </a:p>
+        </p:txBody>
+      </p:sp>
+    </p:spTree>
+    <p:extLst>
+      <p:ext uri="{BB962C8B-B14F-4D97-AF65-F5344CB8AC3E}">
+        <p14:creationId xmlns:p14="http://schemas.microsoft.com/office/powerpoint/2010/main" val="2750438420"/>
+      </p:ext>
+    </p:extLst>
+  </p:cSld>
+  <p:clrMapOvr>
+    <a:masterClrMapping/>
+  </p:clrMapOvr>
+</p:notes>
+</file>
+
+<file path=ppt/notesSlides/notesSlide8.xml><?xml version="1.0" encoding="utf-8"?>
+<p:notes xmlns:a="http://schemas.openxmlformats.org/drawingml/2006/main" xmlns:r="http://schemas.openxmlformats.org/officeDocument/2006/relationships" xmlns:p="http://schemas.openxmlformats.org/presentationml/2006/main">
+  <p:cSld>
+    <p:spTree>
+      <p:nvGrpSpPr>
+        <p:cNvPr id="1" name=""/>
+        <p:cNvGrpSpPr/>
+        <p:nvPr/>
+      </p:nvGrpSpPr>
+      <p:grpSpPr>
+        <a:xfrm>
+          <a:off x="0" y="0"/>
+          <a:ext cx="0" cy="0"/>
+          <a:chOff x="0" y="0"/>
+          <a:chExt cx="0" cy="0"/>
+        </a:xfrm>
+      </p:grpSpPr>
+      <p:sp>
+        <p:nvSpPr>
+          <p:cNvPr id="2" name="Slide Image Placeholder 1"/>
+          <p:cNvSpPr>
+            <a:spLocks noGrp="1" noRot="1" noChangeAspect="1"/>
+          </p:cNvSpPr>
+          <p:nvPr>
+            <p:ph type="sldImg"/>
+          </p:nvPr>
+        </p:nvSpPr>
+        <p:spPr/>
+      </p:sp>
+      <p:sp>
+        <p:nvSpPr>
+          <p:cNvPr id="3" name="Notes Placeholder 2"/>
+          <p:cNvSpPr>
+            <a:spLocks noGrp="1"/>
+          </p:cNvSpPr>
+          <p:nvPr>
+            <p:ph type="body" idx="1"/>
+          </p:nvPr>
+        </p:nvSpPr>
+        <p:spPr/>
+        <p:txBody>
+          <a:bodyPr/>
+          <a:lstStyle/>
+          <a:p>
+            <a:r>
+              <a:rPr lang="en-US" dirty="0"/>
+              <a:t>Kieran</a:t>
+            </a:r>
+          </a:p>
+        </p:txBody>
+      </p:sp>
+      <p:sp>
+        <p:nvSpPr>
+          <p:cNvPr id="4" name="Slide Number Placeholder 3"/>
+          <p:cNvSpPr>
+            <a:spLocks noGrp="1"/>
+          </p:cNvSpPr>
+          <p:nvPr>
+            <p:ph type="sldNum" sz="quarter" idx="5"/>
+          </p:nvPr>
+        </p:nvSpPr>
+        <p:spPr/>
+        <p:txBody>
+          <a:bodyPr/>
+          <a:lstStyle/>
+          <a:p>
+            <a:fld id="{7524B07B-C2F8-144C-8463-C36F543A4403}" type="slidenum">
+              <a:rPr lang="en-US" smtClean="0"/>
+              <a:t>9</a:t>
+            </a:fld>
+            <a:endParaRPr lang="en-US"/>
+          </a:p>
+        </p:txBody>
+      </p:sp>
+    </p:spTree>
+    <p:extLst>
+      <p:ext uri="{BB962C8B-B14F-4D97-AF65-F5344CB8AC3E}">
+        <p14:creationId xmlns:p14="http://schemas.microsoft.com/office/powerpoint/2010/main" val="1787200055"/>
+      </p:ext>
+    </p:extLst>
+  </p:cSld>
+  <p:clrMapOvr>
+    <a:masterClrMapping/>
+  </p:clrMapOvr>
+</p:notes>
+</file>
+
+<file path=ppt/notesSlides/notesSlide9.xml><?xml version="1.0" encoding="utf-8"?>
+<p:notes xmlns:a="http://schemas.openxmlformats.org/drawingml/2006/main" xmlns:r="http://schemas.openxmlformats.org/officeDocument/2006/relationships" xmlns:p="http://schemas.openxmlformats.org/presentationml/2006/main">
+  <p:cSld>
+    <p:spTree>
+      <p:nvGrpSpPr>
+        <p:cNvPr id="1" name=""/>
+        <p:cNvGrpSpPr/>
+        <p:nvPr/>
+      </p:nvGrpSpPr>
+      <p:grpSpPr>
+        <a:xfrm>
+          <a:off x="0" y="0"/>
+          <a:ext cx="0" cy="0"/>
+          <a:chOff x="0" y="0"/>
+          <a:chExt cx="0" cy="0"/>
+        </a:xfrm>
+      </p:grpSpPr>
+      <p:sp>
+        <p:nvSpPr>
+          <p:cNvPr id="2" name="Slide Image Placeholder 1"/>
+          <p:cNvSpPr>
+            <a:spLocks noGrp="1" noRot="1" noChangeAspect="1"/>
+          </p:cNvSpPr>
+          <p:nvPr>
+            <p:ph type="sldImg"/>
+          </p:nvPr>
+        </p:nvSpPr>
+        <p:spPr/>
+      </p:sp>
+      <p:sp>
+        <p:nvSpPr>
+          <p:cNvPr id="3" name="Notes Placeholder 2"/>
+          <p:cNvSpPr>
+            <a:spLocks noGrp="1"/>
+          </p:cNvSpPr>
+          <p:nvPr>
+            <p:ph type="body" idx="1"/>
+          </p:nvPr>
+        </p:nvSpPr>
+        <p:spPr/>
+        <p:txBody>
+          <a:bodyPr/>
+          <a:lstStyle/>
+          <a:p>
+            <a:r>
+              <a:rPr lang="en-US" dirty="0"/>
+              <a:t>Aki</a:t>
+            </a:r>
+          </a:p>
+        </p:txBody>
+      </p:sp>
+      <p:sp>
+        <p:nvSpPr>
+          <p:cNvPr id="4" name="Slide Number Placeholder 3"/>
+          <p:cNvSpPr>
+            <a:spLocks noGrp="1"/>
+          </p:cNvSpPr>
+          <p:nvPr>
+            <p:ph type="sldNum" sz="quarter" idx="5"/>
+          </p:nvPr>
+        </p:nvSpPr>
+        <p:spPr/>
+        <p:txBody>
+          <a:bodyPr/>
+          <a:lstStyle/>
+          <a:p>
+            <a:fld id="{7524B07B-C2F8-144C-8463-C36F543A4403}" type="slidenum">
+              <a:rPr lang="en-US" smtClean="0"/>
+              <a:t>10</a:t>
+            </a:fld>
+            <a:endParaRPr lang="en-US"/>
+          </a:p>
+        </p:txBody>
+      </p:sp>
+    </p:spTree>
+    <p:extLst>
+      <p:ext uri="{BB962C8B-B14F-4D97-AF65-F5344CB8AC3E}">
+        <p14:creationId xmlns:p14="http://schemas.microsoft.com/office/powerpoint/2010/main" val="3095762253"/>
+      </p:ext>
+    </p:extLst>
+  </p:cSld>
+  <p:clrMapOvr>
+    <a:masterClrMapping/>
+  </p:clrMapOvr>
+</p:notes>
 </file>
 
 <file path=ppt/slideLayouts/slideLayout1.xml><?xml version="1.0" encoding="utf-8"?>
@@ -293,7 +1956,7 @@
             <a:fld id="{B61BEF0D-F0BB-DE4B-95CE-6DB70DBA9567}" type="datetimeFigureOut">
               <a:rPr lang="en-US" smtClean="0"/>
               <a:pPr/>
-              <a:t>12/22/20</a:t>
+              <a:t>1/4/21</a:t>
             </a:fld>
             <a:endParaRPr lang="en-US" dirty="0"/>
           </a:p>
@@ -625,7 +2288,7 @@
             <a:fld id="{B61BEF0D-F0BB-DE4B-95CE-6DB70DBA9567}" type="datetimeFigureOut">
               <a:rPr lang="en-US" smtClean="0"/>
               <a:pPr/>
-              <a:t>12/22/20</a:t>
+              <a:t>1/4/21</a:t>
             </a:fld>
             <a:endParaRPr lang="en-US" dirty="0"/>
           </a:p>
@@ -807,7 +2470,7 @@
             <a:fld id="{B61BEF0D-F0BB-DE4B-95CE-6DB70DBA9567}" type="datetimeFigureOut">
               <a:rPr lang="en-US" smtClean="0"/>
               <a:pPr/>
-              <a:t>12/22/20</a:t>
+              <a:t>1/4/21</a:t>
             </a:fld>
             <a:endParaRPr lang="en-US" dirty="0"/>
           </a:p>
@@ -979,7 +2642,7 @@
             <a:fld id="{B61BEF0D-F0BB-DE4B-95CE-6DB70DBA9567}" type="datetimeFigureOut">
               <a:rPr lang="en-US" smtClean="0"/>
               <a:pPr/>
-              <a:t>12/22/20</a:t>
+              <a:t>1/4/21</a:t>
             </a:fld>
             <a:endParaRPr lang="en-US" dirty="0"/>
           </a:p>
@@ -1258,7 +2921,7 @@
             <a:fld id="{B61BEF0D-F0BB-DE4B-95CE-6DB70DBA9567}" type="datetimeFigureOut">
               <a:rPr lang="en-US" smtClean="0"/>
               <a:pPr/>
-              <a:t>12/22/20</a:t>
+              <a:t>1/4/21</a:t>
             </a:fld>
             <a:endParaRPr lang="en-US" dirty="0"/>
           </a:p>
@@ -1654,7 +3317,7 @@
             <a:fld id="{B61BEF0D-F0BB-DE4B-95CE-6DB70DBA9567}" type="datetimeFigureOut">
               <a:rPr lang="en-US" smtClean="0"/>
               <a:pPr/>
-              <a:t>12/22/20</a:t>
+              <a:t>1/4/21</a:t>
             </a:fld>
             <a:endParaRPr lang="en-US" dirty="0"/>
           </a:p>
@@ -2133,7 +3796,7 @@
             <a:fld id="{B61BEF0D-F0BB-DE4B-95CE-6DB70DBA9567}" type="datetimeFigureOut">
               <a:rPr lang="en-US" smtClean="0"/>
               <a:pPr/>
-              <a:t>12/22/20</a:t>
+              <a:t>1/4/21</a:t>
             </a:fld>
             <a:endParaRPr lang="en-US" dirty="0"/>
           </a:p>
@@ -2253,7 +3916,7 @@
             <a:fld id="{B61BEF0D-F0BB-DE4B-95CE-6DB70DBA9567}" type="datetimeFigureOut">
               <a:rPr lang="en-US" smtClean="0"/>
               <a:pPr/>
-              <a:t>12/22/20</a:t>
+              <a:t>1/4/21</a:t>
             </a:fld>
             <a:endParaRPr lang="en-US" dirty="0"/>
           </a:p>
@@ -2350,7 +4013,7 @@
             <a:fld id="{B61BEF0D-F0BB-DE4B-95CE-6DB70DBA9567}" type="datetimeFigureOut">
               <a:rPr lang="en-US" smtClean="0"/>
               <a:pPr/>
-              <a:t>12/22/20</a:t>
+              <a:t>1/4/21</a:t>
             </a:fld>
             <a:endParaRPr lang="en-US" dirty="0"/>
           </a:p>
@@ -2698,7 +4361,7 @@
             <a:fld id="{B61BEF0D-F0BB-DE4B-95CE-6DB70DBA9567}" type="datetimeFigureOut">
               <a:rPr lang="en-US" smtClean="0"/>
               <a:pPr/>
-              <a:t>12/22/20</a:t>
+              <a:t>1/4/21</a:t>
             </a:fld>
             <a:endParaRPr lang="en-US" dirty="0"/>
           </a:p>
@@ -3088,7 +4751,7 @@
             <a:fld id="{B61BEF0D-F0BB-DE4B-95CE-6DB70DBA9567}" type="datetimeFigureOut">
               <a:rPr lang="en-US" smtClean="0"/>
               <a:pPr/>
-              <a:t>12/22/20</a:t>
+              <a:t>1/4/21</a:t>
             </a:fld>
             <a:endParaRPr lang="en-US" dirty="0"/>
           </a:p>
@@ -3368,7 +5031,7 @@
             <a:fld id="{B61BEF0D-F0BB-DE4B-95CE-6DB70DBA9567}" type="datetimeFigureOut">
               <a:rPr lang="en-US" smtClean="0"/>
               <a:pPr/>
-              <a:t>12/22/20</a:t>
+              <a:t>1/4/21</a:t>
             </a:fld>
             <a:endParaRPr lang="en-US" dirty="0"/>
           </a:p>
@@ -4184,7 +5847,7 @@
         </p:spPr>
         <p:txBody>
           <a:bodyPr>
-            <a:normAutofit/>
+            <a:normAutofit lnSpcReduction="10000"/>
           </a:bodyPr>
           <a:lstStyle/>
           <a:p>
@@ -4197,14 +5860,18 @@
               </a:spcAft>
             </a:pPr>
             <a:r>
-              <a:rPr lang="en-US" sz="2000"/>
-              <a:t>Analysis by Data </a:t>
-            </a:r>
-            <a:r>
-              <a:rPr lang="en-US" sz="2000" err="1"/>
+              <a:rPr lang="en-US" sz="2000" dirty="0"/>
+              <a:t>Analysis by </a:t>
+            </a:r>
+            <a:r>
+              <a:rPr lang="en-US" sz="2000" b="1" dirty="0"/>
+              <a:t>Data </a:t>
+            </a:r>
+            <a:r>
+              <a:rPr lang="en-US" sz="2000" b="1" dirty="0" err="1"/>
               <a:t>Dinos</a:t>
             </a:r>
-            <a:endParaRPr lang="en-US" sz="2000"/>
+            <a:endParaRPr lang="en-US" sz="2000" b="1" dirty="0"/>
           </a:p>
           <a:p>
             <a:pPr>
@@ -4216,30 +5883,44 @@
               </a:spcAft>
             </a:pPr>
             <a:r>
-              <a:rPr lang="en-US" sz="2000"/>
+              <a:rPr lang="en-US" sz="2000" dirty="0"/>
               <a:t>Kieran McAleer, Dan </a:t>
             </a:r>
             <a:r>
-              <a:rPr lang="en-US" sz="2000" err="1"/>
+              <a:rPr lang="en-US" sz="2000" dirty="0" err="1"/>
               <a:t>Jahnsen</a:t>
             </a:r>
             <a:r>
-              <a:rPr lang="en-US" sz="2000"/>
+              <a:rPr lang="en-US" sz="2000" dirty="0"/>
               <a:t>, </a:t>
             </a:r>
             <a:r>
-              <a:rPr lang="en-US" sz="2000" err="1"/>
+              <a:rPr lang="en-US" sz="2000" dirty="0" err="1"/>
               <a:t>Aksheta</a:t>
             </a:r>
             <a:r>
-              <a:rPr lang="en-US" sz="2000"/>
-              <a:t> Jain, Lily Carbonara, Kyle  </a:t>
-            </a:r>
-            <a:r>
-              <a:rPr lang="en-US" sz="2000" err="1"/>
+              <a:rPr lang="en-US" sz="2000" dirty="0"/>
+              <a:t> Jain, </a:t>
+            </a:r>
+          </a:p>
+          <a:p>
+            <a:pPr>
+              <a:lnSpc>
+                <a:spcPct val="102000"/>
+              </a:lnSpc>
+              <a:spcAft>
+                <a:spcPts val="600"/>
+              </a:spcAft>
+            </a:pPr>
+            <a:r>
+              <a:rPr lang="en-US" sz="2000" dirty="0"/>
+              <a:t>Lily Carbonara, Kyle  </a:t>
+            </a:r>
+            <a:r>
+              <a:rPr lang="en-US" sz="2000" dirty="0" err="1"/>
               <a:t>Terramoccia</a:t>
             </a:r>
-            <a:endParaRPr lang="en-US" sz="2000"/>
+            <a:endParaRPr lang="en-US" sz="2000" dirty="0"/>
           </a:p>
         </p:txBody>
       </p:sp>
@@ -4278,7 +5959,7 @@
           <p:cNvPr id="2" name="Title 1">
             <a:extLst>
               <a:ext uri="{FF2B5EF4-FFF2-40B4-BE49-F238E27FC236}">
-                <a16:creationId xmlns:a16="http://schemas.microsoft.com/office/drawing/2014/main" id="{6CFEE6C2-5D43-8E4F-A774-8CA5D3465844}"/>
+                <a16:creationId xmlns:a16="http://schemas.microsoft.com/office/drawing/2014/main" id="{04E983FD-D9AE-D340-B7C4-F59B7190A0A3}"/>
               </a:ext>
             </a:extLst>
           </p:cNvPr>
@@ -4296,8 +5977,9 @@
           <a:p>
             <a:r>
               <a:rPr lang="en-US" dirty="0"/>
-              <a:t>Analysis: COVID v. Population Density</a:t>
-            </a:r>
+              <a:t>Analysis: COVID Cases per State</a:t>
+            </a:r>
+            <a:endParaRPr lang="en-US" b="1" dirty="0"/>
           </a:p>
         </p:txBody>
       </p:sp>
@@ -4306,7 +5988,7 @@
           <p:cNvPr id="3" name="Content Placeholder 2">
             <a:extLst>
               <a:ext uri="{FF2B5EF4-FFF2-40B4-BE49-F238E27FC236}">
-                <a16:creationId xmlns:a16="http://schemas.microsoft.com/office/drawing/2014/main" id="{8DADBB57-1C30-C348-84D1-5BEEBAE2A809}"/>
+                <a16:creationId xmlns:a16="http://schemas.microsoft.com/office/drawing/2014/main" id="{613F3F1D-CC11-9042-99E7-08F4E275582F}"/>
               </a:ext>
             </a:extLst>
           </p:cNvPr>
@@ -4324,24 +6006,21 @@
           <a:p>
             <a:r>
               <a:rPr lang="en-US" dirty="0"/>
-              <a:t>&lt;&lt;chart of COVID Cases v Population Density per state (Scatter plot?)&gt;&gt;</a:t>
+              <a:t>&lt;&lt; Pie chart of Cases per State&gt;&gt; </a:t>
             </a:r>
           </a:p>
           <a:p>
             <a:r>
               <a:rPr lang="en-US" dirty="0"/>
-              <a:t>Incl. linear regression &amp; R value to measure relationship </a:t>
-            </a:r>
-          </a:p>
-          <a:p>
-            <a:endParaRPr lang="en-US" dirty="0"/>
+              <a:t>X state has had most cases; Y state has had least cases </a:t>
+            </a:r>
           </a:p>
         </p:txBody>
       </p:sp>
     </p:spTree>
     <p:extLst>
       <p:ext uri="{BB962C8B-B14F-4D97-AF65-F5344CB8AC3E}">
-        <p14:creationId xmlns:p14="http://schemas.microsoft.com/office/powerpoint/2010/main" val="371892736"/>
+        <p14:creationId xmlns:p14="http://schemas.microsoft.com/office/powerpoint/2010/main" val="3771548292"/>
       </p:ext>
     </p:extLst>
   </p:cSld>
@@ -4391,7 +6070,7 @@
           <a:p>
             <a:r>
               <a:rPr lang="en-US" dirty="0"/>
-              <a:t>Analysis: COVID v. Median Income</a:t>
+              <a:t>Analysis: COVID v. Population Density</a:t>
             </a:r>
           </a:p>
         </p:txBody>
@@ -4419,7 +6098,7 @@
           <a:p>
             <a:r>
               <a:rPr lang="en-US" dirty="0"/>
-              <a:t>&lt;&lt;chart of COVID Cases v Median Income per state (Scatter plot?)&gt;&gt;</a:t>
+              <a:t>&lt;&lt;chart of COVID Cases v Population Density per state (Scatter plot?)&gt;&gt;</a:t>
             </a:r>
           </a:p>
           <a:p>
@@ -4427,13 +6106,16 @@
               <a:rPr lang="en-US" dirty="0"/>
               <a:t>Incl. linear regression &amp; R value to measure relationship </a:t>
             </a:r>
+          </a:p>
+          <a:p>
+            <a:endParaRPr lang="en-US" dirty="0"/>
           </a:p>
         </p:txBody>
       </p:sp>
     </p:spTree>
     <p:extLst>
       <p:ext uri="{BB962C8B-B14F-4D97-AF65-F5344CB8AC3E}">
-        <p14:creationId xmlns:p14="http://schemas.microsoft.com/office/powerpoint/2010/main" val="3166980390"/>
+        <p14:creationId xmlns:p14="http://schemas.microsoft.com/office/powerpoint/2010/main" val="371892736"/>
       </p:ext>
     </p:extLst>
   </p:cSld>
@@ -4483,6 +6165,98 @@
           <a:p>
             <a:r>
               <a:rPr lang="en-US" dirty="0"/>
+              <a:t>Analysis: COVID v. Median Income</a:t>
+            </a:r>
+          </a:p>
+        </p:txBody>
+      </p:sp>
+      <p:sp>
+        <p:nvSpPr>
+          <p:cNvPr id="3" name="Content Placeholder 2">
+            <a:extLst>
+              <a:ext uri="{FF2B5EF4-FFF2-40B4-BE49-F238E27FC236}">
+                <a16:creationId xmlns:a16="http://schemas.microsoft.com/office/drawing/2014/main" id="{8DADBB57-1C30-C348-84D1-5BEEBAE2A809}"/>
+              </a:ext>
+            </a:extLst>
+          </p:cNvPr>
+          <p:cNvSpPr>
+            <a:spLocks noGrp="1"/>
+          </p:cNvSpPr>
+          <p:nvPr>
+            <p:ph idx="1"/>
+          </p:nvPr>
+        </p:nvSpPr>
+        <p:spPr/>
+        <p:txBody>
+          <a:bodyPr/>
+          <a:lstStyle/>
+          <a:p>
+            <a:r>
+              <a:rPr lang="en-US" dirty="0"/>
+              <a:t>&lt;&lt;chart of COVID Cases v Median Income per state (Scatter plot?)&gt;&gt;</a:t>
+            </a:r>
+          </a:p>
+          <a:p>
+            <a:r>
+              <a:rPr lang="en-US" dirty="0"/>
+              <a:t>Incl. linear regression &amp; R value to measure relationship </a:t>
+            </a:r>
+          </a:p>
+        </p:txBody>
+      </p:sp>
+    </p:spTree>
+    <p:extLst>
+      <p:ext uri="{BB962C8B-B14F-4D97-AF65-F5344CB8AC3E}">
+        <p14:creationId xmlns:p14="http://schemas.microsoft.com/office/powerpoint/2010/main" val="3166980390"/>
+      </p:ext>
+    </p:extLst>
+  </p:cSld>
+  <p:clrMapOvr>
+    <a:masterClrMapping/>
+  </p:clrMapOvr>
+</p:sld>
+</file>
+
+<file path=ppt/slides/slide13.xml><?xml version="1.0" encoding="utf-8"?>
+<p:sld xmlns:a="http://schemas.openxmlformats.org/drawingml/2006/main" xmlns:r="http://schemas.openxmlformats.org/officeDocument/2006/relationships" xmlns:p="http://schemas.openxmlformats.org/presentationml/2006/main">
+  <p:cSld>
+    <p:spTree>
+      <p:nvGrpSpPr>
+        <p:cNvPr id="1" name=""/>
+        <p:cNvGrpSpPr/>
+        <p:nvPr/>
+      </p:nvGrpSpPr>
+      <p:grpSpPr>
+        <a:xfrm>
+          <a:off x="0" y="0"/>
+          <a:ext cx="0" cy="0"/>
+          <a:chOff x="0" y="0"/>
+          <a:chExt cx="0" cy="0"/>
+        </a:xfrm>
+      </p:grpSpPr>
+      <p:sp>
+        <p:nvSpPr>
+          <p:cNvPr id="2" name="Title 1">
+            <a:extLst>
+              <a:ext uri="{FF2B5EF4-FFF2-40B4-BE49-F238E27FC236}">
+                <a16:creationId xmlns:a16="http://schemas.microsoft.com/office/drawing/2014/main" id="{6CFEE6C2-5D43-8E4F-A774-8CA5D3465844}"/>
+              </a:ext>
+            </a:extLst>
+          </p:cNvPr>
+          <p:cNvSpPr>
+            <a:spLocks noGrp="1"/>
+          </p:cNvSpPr>
+          <p:nvPr>
+            <p:ph type="title"/>
+          </p:nvPr>
+        </p:nvSpPr>
+        <p:spPr/>
+        <p:txBody>
+          <a:bodyPr/>
+          <a:lstStyle/>
+          <a:p>
+            <a:r>
+              <a:rPr lang="en-US" dirty="0"/>
               <a:t>Analysis: COVID v. Median Age</a:t>
             </a:r>
           </a:p>
@@ -4538,7 +6312,7 @@
 </p:sld>
 </file>
 
-<file path=ppt/slides/slide13.xml><?xml version="1.0" encoding="utf-8"?>
+<file path=ppt/slides/slide14.xml><?xml version="1.0" encoding="utf-8"?>
 <p:sld xmlns:a="http://schemas.openxmlformats.org/drawingml/2006/main" xmlns:r="http://schemas.openxmlformats.org/officeDocument/2006/relationships" xmlns:p="http://schemas.openxmlformats.org/presentationml/2006/main">
   <p:cSld>
     <p:bg>
@@ -4894,7 +6668,7 @@
           <a:lstStyle/>
           <a:p>
             <a:r>
-              <a:rPr lang="en-US" sz="6600" cap="all">
+              <a:rPr lang="en-US" sz="6600" cap="all" dirty="0">
                 <a:solidFill>
                   <a:schemeClr val="bg2"/>
                 </a:solidFill>
@@ -5096,7 +6870,7 @@
 </p:sld>
 </file>
 
-<file path=ppt/slides/slide14.xml><?xml version="1.0" encoding="utf-8"?>
+<file path=ppt/slides/slide15.xml><?xml version="1.0" encoding="utf-8"?>
 <p:sld xmlns:a="http://schemas.openxmlformats.org/drawingml/2006/main" xmlns:r="http://schemas.openxmlformats.org/officeDocument/2006/relationships" xmlns:p="http://schemas.openxmlformats.org/presentationml/2006/main">
   <p:cSld>
     <p:bg>
@@ -5384,311 +7158,35 @@
               <a:t>Median age</a:t>
             </a:r>
           </a:p>
+          <a:p>
+            <a:pPr lvl="2"/>
+            <a:r>
+              <a:rPr lang="en-US" dirty="0"/>
+              <a:t>Sort by </a:t>
+            </a:r>
+            <a:r>
+              <a:rPr lang="en-US" dirty="0" err="1"/>
+              <a:t>final_df</a:t>
+            </a:r>
+            <a:endParaRPr lang="en-US" dirty="0"/>
+          </a:p>
+          <a:p>
+            <a:pPr lvl="2"/>
+            <a:r>
+              <a:rPr lang="en-US" dirty="0"/>
+              <a:t>Line Chart positive, median household income</a:t>
+            </a:r>
+          </a:p>
+          <a:p>
+            <a:pPr lvl="2"/>
+            <a:endParaRPr lang="en-US" dirty="0"/>
+          </a:p>
         </p:txBody>
       </p:sp>
     </p:spTree>
     <p:extLst>
       <p:ext uri="{BB962C8B-B14F-4D97-AF65-F5344CB8AC3E}">
         <p14:creationId xmlns:p14="http://schemas.microsoft.com/office/powerpoint/2010/main" val="397315429"/>
-      </p:ext>
-    </p:extLst>
-  </p:cSld>
-  <p:clrMapOvr>
-    <a:masterClrMapping/>
-  </p:clrMapOvr>
-</p:sld>
-</file>
-
-<file path=ppt/slides/slide15.xml><?xml version="1.0" encoding="utf-8"?>
-<p:sld xmlns:a="http://schemas.openxmlformats.org/drawingml/2006/main" xmlns:r="http://schemas.openxmlformats.org/officeDocument/2006/relationships" xmlns:p="http://schemas.openxmlformats.org/presentationml/2006/main">
-  <p:cSld>
-    <p:bg>
-      <p:bgPr>
-        <a:solidFill>
-          <a:schemeClr val="bg2"/>
-        </a:solidFill>
-        <a:effectLst/>
-      </p:bgPr>
-    </p:bg>
-    <p:spTree>
-      <p:nvGrpSpPr>
-        <p:cNvPr id="1" name=""/>
-        <p:cNvGrpSpPr/>
-        <p:nvPr/>
-      </p:nvGrpSpPr>
-      <p:grpSpPr>
-        <a:xfrm>
-          <a:off x="0" y="0"/>
-          <a:ext cx="0" cy="0"/>
-          <a:chOff x="0" y="0"/>
-          <a:chExt cx="0" cy="0"/>
-        </a:xfrm>
-      </p:grpSpPr>
-      <p:sp useBgFill="1">
-        <p:nvSpPr>
-          <p:cNvPr id="8" name="Rectangle 7">
-            <a:extLst>
-              <a:ext uri="{FF2B5EF4-FFF2-40B4-BE49-F238E27FC236}">
-                <a16:creationId xmlns:a16="http://schemas.microsoft.com/office/drawing/2014/main" id="{32812C54-7AEF-4ABB-826E-221F51CB0F30}"/>
-              </a:ext>
-              <a:ext uri="{C183D7F6-B498-43B3-948B-1728B52AA6E4}">
-                <adec:decorative xmlns:adec="http://schemas.microsoft.com/office/drawing/2017/decorative" val="1"/>
-              </a:ext>
-            </a:extLst>
-          </p:cNvPr>
-          <p:cNvSpPr>
-            <a:spLocks noGrp="1" noRot="1" noChangeAspect="1" noMove="1" noResize="1" noEditPoints="1" noAdjustHandles="1" noChangeArrowheads="1" noChangeShapeType="1" noTextEdit="1"/>
-          </p:cNvSpPr>
-          <p:nvPr>
-            <p:extLst>
-              <p:ext uri="{386F3935-93C4-4BCD-93E2-E3B085C9AB24}">
-                <p16:designElem xmlns:p16="http://schemas.microsoft.com/office/powerpoint/2015/main" val="1"/>
-              </p:ext>
-            </p:extLst>
-          </p:nvPr>
-        </p:nvSpPr>
-        <p:spPr>
-          <a:xfrm>
-            <a:off x="0" y="0"/>
-            <a:ext cx="12192000" cy="6858000"/>
-          </a:xfrm>
-          <a:prstGeom prst="rect">
-            <a:avLst/>
-          </a:prstGeom>
-          <a:ln>
-            <a:noFill/>
-          </a:ln>
-        </p:spPr>
-        <p:style>
-          <a:lnRef idx="2">
-            <a:schemeClr val="accent1">
-              <a:shade val="50000"/>
-            </a:schemeClr>
-          </a:lnRef>
-          <a:fillRef idx="1">
-            <a:schemeClr val="accent1"/>
-          </a:fillRef>
-          <a:effectRef idx="0">
-            <a:schemeClr val="accent1"/>
-          </a:effectRef>
-          <a:fontRef idx="minor">
-            <a:schemeClr val="lt1"/>
-          </a:fontRef>
-        </p:style>
-        <p:txBody>
-          <a:bodyPr rtlCol="0" anchor="ctr"/>
-          <a:lstStyle/>
-          <a:p>
-            <a:pPr algn="ctr"/>
-            <a:endParaRPr lang="en-US"/>
-          </a:p>
-        </p:txBody>
-      </p:sp>
-      <p:sp>
-        <p:nvSpPr>
-          <p:cNvPr id="2" name="Title 1">
-            <a:extLst>
-              <a:ext uri="{FF2B5EF4-FFF2-40B4-BE49-F238E27FC236}">
-                <a16:creationId xmlns:a16="http://schemas.microsoft.com/office/drawing/2014/main" id="{9BAA9FF3-B062-C74D-A958-6AC506C50F1D}"/>
-              </a:ext>
-            </a:extLst>
-          </p:cNvPr>
-          <p:cNvSpPr>
-            <a:spLocks noGrp="1"/>
-          </p:cNvSpPr>
-          <p:nvPr>
-            <p:ph type="title"/>
-          </p:nvPr>
-        </p:nvSpPr>
-        <p:spPr>
-          <a:xfrm>
-            <a:off x="3363864" y="685800"/>
-            <a:ext cx="7705164" cy="1485900"/>
-          </a:xfrm>
-        </p:spPr>
-        <p:txBody>
-          <a:bodyPr>
-            <a:normAutofit/>
-          </a:bodyPr>
-          <a:lstStyle/>
-          <a:p>
-            <a:r>
-              <a:rPr lang="en-US" dirty="0"/>
-              <a:t>Conclusions</a:t>
-            </a:r>
-          </a:p>
-        </p:txBody>
-      </p:sp>
-      <p:sp>
-        <p:nvSpPr>
-          <p:cNvPr id="10" name="Rectangle 9">
-            <a:extLst>
-              <a:ext uri="{FF2B5EF4-FFF2-40B4-BE49-F238E27FC236}">
-                <a16:creationId xmlns:a16="http://schemas.microsoft.com/office/drawing/2014/main" id="{891F40E4-8A76-44CF-91EC-907367352626}"/>
-              </a:ext>
-              <a:ext uri="{C183D7F6-B498-43B3-948B-1728B52AA6E4}">
-                <adec:decorative xmlns:adec="http://schemas.microsoft.com/office/drawing/2017/decorative" val="1"/>
-              </a:ext>
-            </a:extLst>
-          </p:cNvPr>
-          <p:cNvSpPr>
-            <a:spLocks noGrp="1" noRot="1" noChangeAspect="1" noMove="1" noResize="1" noEditPoints="1" noAdjustHandles="1" noChangeArrowheads="1" noChangeShapeType="1" noTextEdit="1"/>
-          </p:cNvSpPr>
-          <p:nvPr>
-            <p:extLst>
-              <p:ext uri="{386F3935-93C4-4BCD-93E2-E3B085C9AB24}">
-                <p16:designElem xmlns:p16="http://schemas.microsoft.com/office/powerpoint/2015/main" val="1"/>
-              </p:ext>
-            </p:extLst>
-          </p:nvPr>
-        </p:nvSpPr>
-        <p:spPr>
-          <a:xfrm>
-            <a:off x="1" y="376"/>
-            <a:ext cx="3044410" cy="6857624"/>
-          </a:xfrm>
-          <a:prstGeom prst="rect">
-            <a:avLst/>
-          </a:prstGeom>
-          <a:solidFill>
-            <a:schemeClr val="accent1"/>
-          </a:solidFill>
-          <a:ln>
-            <a:noFill/>
-          </a:ln>
-        </p:spPr>
-        <p:style>
-          <a:lnRef idx="2">
-            <a:schemeClr val="accent1">
-              <a:shade val="50000"/>
-            </a:schemeClr>
-          </a:lnRef>
-          <a:fillRef idx="1">
-            <a:schemeClr val="accent1"/>
-          </a:fillRef>
-          <a:effectRef idx="0">
-            <a:schemeClr val="accent1"/>
-          </a:effectRef>
-          <a:fontRef idx="minor">
-            <a:schemeClr val="lt1"/>
-          </a:fontRef>
-        </p:style>
-      </p:sp>
-      <p:sp>
-        <p:nvSpPr>
-          <p:cNvPr id="12" name="Rectangle 11">
-            <a:extLst>
-              <a:ext uri="{FF2B5EF4-FFF2-40B4-BE49-F238E27FC236}">
-                <a16:creationId xmlns:a16="http://schemas.microsoft.com/office/drawing/2014/main" id="{72171013-D973-4187-9CF2-EE098EEF8194}"/>
-              </a:ext>
-              <a:ext uri="{C183D7F6-B498-43B3-948B-1728B52AA6E4}">
-                <adec:decorative xmlns:adec="http://schemas.microsoft.com/office/drawing/2017/decorative" val="1"/>
-              </a:ext>
-            </a:extLst>
-          </p:cNvPr>
-          <p:cNvSpPr>
-            <a:spLocks noGrp="1" noRot="1" noChangeAspect="1" noMove="1" noResize="1" noEditPoints="1" noAdjustHandles="1" noChangeArrowheads="1" noChangeShapeType="1" noTextEdit="1"/>
-          </p:cNvSpPr>
-          <p:nvPr>
-            <p:extLst>
-              <p:ext uri="{386F3935-93C4-4BCD-93E2-E3B085C9AB24}">
-                <p16:designElem xmlns:p16="http://schemas.microsoft.com/office/powerpoint/2015/main" val="1"/>
-              </p:ext>
-            </p:extLst>
-          </p:nvPr>
-        </p:nvSpPr>
-        <p:spPr>
-          <a:xfrm>
-            <a:off x="2815810" y="376"/>
-            <a:ext cx="228600" cy="6858000"/>
-          </a:xfrm>
-          <a:prstGeom prst="rect">
-            <a:avLst/>
-          </a:prstGeom>
-          <a:solidFill>
-            <a:schemeClr val="tx2"/>
-          </a:solidFill>
-          <a:ln>
-            <a:noFill/>
-          </a:ln>
-        </p:spPr>
-        <p:style>
-          <a:lnRef idx="2">
-            <a:schemeClr val="accent1">
-              <a:shade val="50000"/>
-            </a:schemeClr>
-          </a:lnRef>
-          <a:fillRef idx="1">
-            <a:schemeClr val="accent1"/>
-          </a:fillRef>
-          <a:effectRef idx="0">
-            <a:schemeClr val="accent1"/>
-          </a:effectRef>
-          <a:fontRef idx="minor">
-            <a:schemeClr val="lt1"/>
-          </a:fontRef>
-        </p:style>
-      </p:sp>
-      <p:sp>
-        <p:nvSpPr>
-          <p:cNvPr id="3" name="Content Placeholder 2">
-            <a:extLst>
-              <a:ext uri="{FF2B5EF4-FFF2-40B4-BE49-F238E27FC236}">
-                <a16:creationId xmlns:a16="http://schemas.microsoft.com/office/drawing/2014/main" id="{AD881223-9EA4-5F4F-8C68-56F190EADB84}"/>
-              </a:ext>
-            </a:extLst>
-          </p:cNvPr>
-          <p:cNvSpPr>
-            <a:spLocks noGrp="1"/>
-          </p:cNvSpPr>
-          <p:nvPr>
-            <p:ph idx="1"/>
-          </p:nvPr>
-        </p:nvSpPr>
-        <p:spPr>
-          <a:xfrm>
-            <a:off x="3363864" y="2286000"/>
-            <a:ext cx="7705164" cy="3581400"/>
-          </a:xfrm>
-        </p:spPr>
-        <p:txBody>
-          <a:bodyPr>
-            <a:normAutofit/>
-          </a:bodyPr>
-          <a:lstStyle/>
-          <a:p>
-            <a:r>
-              <a:rPr lang="en-US" dirty="0"/>
-              <a:t>What is the correlation between COVID and… </a:t>
-            </a:r>
-          </a:p>
-          <a:p>
-            <a:pPr lvl="1"/>
-            <a:r>
-              <a:rPr lang="en-US" dirty="0"/>
-              <a:t>Population Density? </a:t>
-            </a:r>
-          </a:p>
-          <a:p>
-            <a:pPr lvl="1"/>
-            <a:r>
-              <a:rPr lang="en-US" dirty="0"/>
-              <a:t>Median Income? </a:t>
-            </a:r>
-          </a:p>
-          <a:p>
-            <a:pPr lvl="1"/>
-            <a:r>
-              <a:rPr lang="en-US" dirty="0"/>
-              <a:t>Median Age? </a:t>
-            </a:r>
-          </a:p>
-        </p:txBody>
-      </p:sp>
-    </p:spTree>
-    <p:extLst>
-      <p:ext uri="{BB962C8B-B14F-4D97-AF65-F5344CB8AC3E}">
-        <p14:creationId xmlns:p14="http://schemas.microsoft.com/office/powerpoint/2010/main" val="2863853261"/>
       </p:ext>
     </p:extLst>
   </p:cSld>
@@ -5723,6 +7221,305 @@
           <a:chExt cx="0" cy="0"/>
         </a:xfrm>
       </p:grpSpPr>
+      <p:sp useBgFill="1">
+        <p:nvSpPr>
+          <p:cNvPr id="8" name="Rectangle 7">
+            <a:extLst>
+              <a:ext uri="{FF2B5EF4-FFF2-40B4-BE49-F238E27FC236}">
+                <a16:creationId xmlns:a16="http://schemas.microsoft.com/office/drawing/2014/main" id="{32812C54-7AEF-4ABB-826E-221F51CB0F30}"/>
+              </a:ext>
+              <a:ext uri="{C183D7F6-B498-43B3-948B-1728B52AA6E4}">
+                <adec:decorative xmlns:adec="http://schemas.microsoft.com/office/drawing/2017/decorative" val="1"/>
+              </a:ext>
+            </a:extLst>
+          </p:cNvPr>
+          <p:cNvSpPr>
+            <a:spLocks noGrp="1" noRot="1" noChangeAspect="1" noMove="1" noResize="1" noEditPoints="1" noAdjustHandles="1" noChangeArrowheads="1" noChangeShapeType="1" noTextEdit="1"/>
+          </p:cNvSpPr>
+          <p:nvPr>
+            <p:extLst>
+              <p:ext uri="{386F3935-93C4-4BCD-93E2-E3B085C9AB24}">
+                <p16:designElem xmlns:p16="http://schemas.microsoft.com/office/powerpoint/2015/main" val="1"/>
+              </p:ext>
+            </p:extLst>
+          </p:nvPr>
+        </p:nvSpPr>
+        <p:spPr>
+          <a:xfrm>
+            <a:off x="0" y="0"/>
+            <a:ext cx="12192000" cy="6858000"/>
+          </a:xfrm>
+          <a:prstGeom prst="rect">
+            <a:avLst/>
+          </a:prstGeom>
+          <a:ln>
+            <a:noFill/>
+          </a:ln>
+        </p:spPr>
+        <p:style>
+          <a:lnRef idx="2">
+            <a:schemeClr val="accent1">
+              <a:shade val="50000"/>
+            </a:schemeClr>
+          </a:lnRef>
+          <a:fillRef idx="1">
+            <a:schemeClr val="accent1"/>
+          </a:fillRef>
+          <a:effectRef idx="0">
+            <a:schemeClr val="accent1"/>
+          </a:effectRef>
+          <a:fontRef idx="minor">
+            <a:schemeClr val="lt1"/>
+          </a:fontRef>
+        </p:style>
+        <p:txBody>
+          <a:bodyPr rtlCol="0" anchor="ctr"/>
+          <a:lstStyle/>
+          <a:p>
+            <a:pPr algn="ctr"/>
+            <a:endParaRPr lang="en-US"/>
+          </a:p>
+        </p:txBody>
+      </p:sp>
+      <p:sp>
+        <p:nvSpPr>
+          <p:cNvPr id="2" name="Title 1">
+            <a:extLst>
+              <a:ext uri="{FF2B5EF4-FFF2-40B4-BE49-F238E27FC236}">
+                <a16:creationId xmlns:a16="http://schemas.microsoft.com/office/drawing/2014/main" id="{9BAA9FF3-B062-C74D-A958-6AC506C50F1D}"/>
+              </a:ext>
+            </a:extLst>
+          </p:cNvPr>
+          <p:cNvSpPr>
+            <a:spLocks noGrp="1"/>
+          </p:cNvSpPr>
+          <p:nvPr>
+            <p:ph type="title"/>
+          </p:nvPr>
+        </p:nvSpPr>
+        <p:spPr>
+          <a:xfrm>
+            <a:off x="3363864" y="685800"/>
+            <a:ext cx="7705164" cy="1485900"/>
+          </a:xfrm>
+        </p:spPr>
+        <p:txBody>
+          <a:bodyPr>
+            <a:normAutofit/>
+          </a:bodyPr>
+          <a:lstStyle/>
+          <a:p>
+            <a:r>
+              <a:rPr lang="en-US" dirty="0"/>
+              <a:t>Conclusions</a:t>
+            </a:r>
+          </a:p>
+        </p:txBody>
+      </p:sp>
+      <p:sp>
+        <p:nvSpPr>
+          <p:cNvPr id="10" name="Rectangle 9">
+            <a:extLst>
+              <a:ext uri="{FF2B5EF4-FFF2-40B4-BE49-F238E27FC236}">
+                <a16:creationId xmlns:a16="http://schemas.microsoft.com/office/drawing/2014/main" id="{891F40E4-8A76-44CF-91EC-907367352626}"/>
+              </a:ext>
+              <a:ext uri="{C183D7F6-B498-43B3-948B-1728B52AA6E4}">
+                <adec:decorative xmlns:adec="http://schemas.microsoft.com/office/drawing/2017/decorative" val="1"/>
+              </a:ext>
+            </a:extLst>
+          </p:cNvPr>
+          <p:cNvSpPr>
+            <a:spLocks noGrp="1" noRot="1" noChangeAspect="1" noMove="1" noResize="1" noEditPoints="1" noAdjustHandles="1" noChangeArrowheads="1" noChangeShapeType="1" noTextEdit="1"/>
+          </p:cNvSpPr>
+          <p:nvPr>
+            <p:extLst>
+              <p:ext uri="{386F3935-93C4-4BCD-93E2-E3B085C9AB24}">
+                <p16:designElem xmlns:p16="http://schemas.microsoft.com/office/powerpoint/2015/main" val="1"/>
+              </p:ext>
+            </p:extLst>
+          </p:nvPr>
+        </p:nvSpPr>
+        <p:spPr>
+          <a:xfrm>
+            <a:off x="1" y="376"/>
+            <a:ext cx="3044410" cy="6857624"/>
+          </a:xfrm>
+          <a:prstGeom prst="rect">
+            <a:avLst/>
+          </a:prstGeom>
+          <a:solidFill>
+            <a:schemeClr val="accent1"/>
+          </a:solidFill>
+          <a:ln>
+            <a:noFill/>
+          </a:ln>
+        </p:spPr>
+        <p:style>
+          <a:lnRef idx="2">
+            <a:schemeClr val="accent1">
+              <a:shade val="50000"/>
+            </a:schemeClr>
+          </a:lnRef>
+          <a:fillRef idx="1">
+            <a:schemeClr val="accent1"/>
+          </a:fillRef>
+          <a:effectRef idx="0">
+            <a:schemeClr val="accent1"/>
+          </a:effectRef>
+          <a:fontRef idx="minor">
+            <a:schemeClr val="lt1"/>
+          </a:fontRef>
+        </p:style>
+      </p:sp>
+      <p:sp>
+        <p:nvSpPr>
+          <p:cNvPr id="12" name="Rectangle 11">
+            <a:extLst>
+              <a:ext uri="{FF2B5EF4-FFF2-40B4-BE49-F238E27FC236}">
+                <a16:creationId xmlns:a16="http://schemas.microsoft.com/office/drawing/2014/main" id="{72171013-D973-4187-9CF2-EE098EEF8194}"/>
+              </a:ext>
+              <a:ext uri="{C183D7F6-B498-43B3-948B-1728B52AA6E4}">
+                <adec:decorative xmlns:adec="http://schemas.microsoft.com/office/drawing/2017/decorative" val="1"/>
+              </a:ext>
+            </a:extLst>
+          </p:cNvPr>
+          <p:cNvSpPr>
+            <a:spLocks noGrp="1" noRot="1" noChangeAspect="1" noMove="1" noResize="1" noEditPoints="1" noAdjustHandles="1" noChangeArrowheads="1" noChangeShapeType="1" noTextEdit="1"/>
+          </p:cNvSpPr>
+          <p:nvPr>
+            <p:extLst>
+              <p:ext uri="{386F3935-93C4-4BCD-93E2-E3B085C9AB24}">
+                <p16:designElem xmlns:p16="http://schemas.microsoft.com/office/powerpoint/2015/main" val="1"/>
+              </p:ext>
+            </p:extLst>
+          </p:nvPr>
+        </p:nvSpPr>
+        <p:spPr>
+          <a:xfrm>
+            <a:off x="2815810" y="376"/>
+            <a:ext cx="228600" cy="6858000"/>
+          </a:xfrm>
+          <a:prstGeom prst="rect">
+            <a:avLst/>
+          </a:prstGeom>
+          <a:solidFill>
+            <a:schemeClr val="tx2"/>
+          </a:solidFill>
+          <a:ln>
+            <a:noFill/>
+          </a:ln>
+        </p:spPr>
+        <p:style>
+          <a:lnRef idx="2">
+            <a:schemeClr val="accent1">
+              <a:shade val="50000"/>
+            </a:schemeClr>
+          </a:lnRef>
+          <a:fillRef idx="1">
+            <a:schemeClr val="accent1"/>
+          </a:fillRef>
+          <a:effectRef idx="0">
+            <a:schemeClr val="accent1"/>
+          </a:effectRef>
+          <a:fontRef idx="minor">
+            <a:schemeClr val="lt1"/>
+          </a:fontRef>
+        </p:style>
+      </p:sp>
+      <p:sp>
+        <p:nvSpPr>
+          <p:cNvPr id="3" name="Content Placeholder 2">
+            <a:extLst>
+              <a:ext uri="{FF2B5EF4-FFF2-40B4-BE49-F238E27FC236}">
+                <a16:creationId xmlns:a16="http://schemas.microsoft.com/office/drawing/2014/main" id="{AD881223-9EA4-5F4F-8C68-56F190EADB84}"/>
+              </a:ext>
+            </a:extLst>
+          </p:cNvPr>
+          <p:cNvSpPr>
+            <a:spLocks noGrp="1"/>
+          </p:cNvSpPr>
+          <p:nvPr>
+            <p:ph idx="1"/>
+          </p:nvPr>
+        </p:nvSpPr>
+        <p:spPr>
+          <a:xfrm>
+            <a:off x="3363864" y="2286000"/>
+            <a:ext cx="7705164" cy="3581400"/>
+          </a:xfrm>
+        </p:spPr>
+        <p:txBody>
+          <a:bodyPr>
+            <a:normAutofit/>
+          </a:bodyPr>
+          <a:lstStyle/>
+          <a:p>
+            <a:r>
+              <a:rPr lang="en-US" dirty="0"/>
+              <a:t>What is the correlation between COVID and… </a:t>
+            </a:r>
+          </a:p>
+          <a:p>
+            <a:pPr lvl="1"/>
+            <a:r>
+              <a:rPr lang="en-US" dirty="0"/>
+              <a:t>Population Density? </a:t>
+            </a:r>
+          </a:p>
+          <a:p>
+            <a:pPr lvl="1"/>
+            <a:r>
+              <a:rPr lang="en-US" dirty="0"/>
+              <a:t>Median Income? </a:t>
+            </a:r>
+          </a:p>
+          <a:p>
+            <a:pPr lvl="1"/>
+            <a:r>
+              <a:rPr lang="en-US" dirty="0"/>
+              <a:t>Median Age? </a:t>
+            </a:r>
+          </a:p>
+        </p:txBody>
+      </p:sp>
+    </p:spTree>
+    <p:extLst>
+      <p:ext uri="{BB962C8B-B14F-4D97-AF65-F5344CB8AC3E}">
+        <p14:creationId xmlns:p14="http://schemas.microsoft.com/office/powerpoint/2010/main" val="2863853261"/>
+      </p:ext>
+    </p:extLst>
+  </p:cSld>
+  <p:clrMapOvr>
+    <a:masterClrMapping/>
+  </p:clrMapOvr>
+</p:sld>
+</file>
+
+<file path=ppt/slides/slide17.xml><?xml version="1.0" encoding="utf-8"?>
+<p:sld xmlns:a="http://schemas.openxmlformats.org/drawingml/2006/main" xmlns:r="http://schemas.openxmlformats.org/officeDocument/2006/relationships" xmlns:p="http://schemas.openxmlformats.org/presentationml/2006/main">
+  <p:cSld>
+    <p:bg>
+      <p:bgPr>
+        <a:solidFill>
+          <a:schemeClr val="bg2"/>
+        </a:solidFill>
+        <a:effectLst/>
+      </p:bgPr>
+    </p:bg>
+    <p:spTree>
+      <p:nvGrpSpPr>
+        <p:cNvPr id="1" name=""/>
+        <p:cNvGrpSpPr/>
+        <p:nvPr/>
+      </p:nvGrpSpPr>
+      <p:grpSpPr>
+        <a:xfrm>
+          <a:off x="0" y="0"/>
+          <a:ext cx="0" cy="0"/>
+          <a:chOff x="0" y="0"/>
+          <a:chExt cx="0" cy="0"/>
+        </a:xfrm>
+      </p:grpSpPr>
       <p:sp>
         <p:nvSpPr>
           <p:cNvPr id="10" name="Rectangle 9">
@@ -5971,7 +7768,11 @@
               </a:spcAft>
             </a:pPr>
             <a:r>
-              <a:rPr lang="en-US" sz="2000" b="1" dirty="0"/>
+              <a:rPr lang="en-US" sz="2000" b="1" dirty="0">
+                <a:solidFill>
+                  <a:schemeClr val="tx1"/>
+                </a:solidFill>
+              </a:rPr>
               <a:t>Additional Questions</a:t>
             </a:r>
           </a:p>
@@ -5987,7 +7788,11 @@
               <a:buChar char="•"/>
             </a:pPr>
             <a:r>
-              <a:rPr lang="en-US" sz="1800" dirty="0"/>
+              <a:rPr lang="en-US" sz="1800" dirty="0">
+                <a:solidFill>
+                  <a:schemeClr val="tx1"/>
+                </a:solidFill>
+              </a:rPr>
               <a:t>Within each state, how are COVID cases distributed? </a:t>
             </a:r>
           </a:p>
@@ -6003,7 +7808,11 @@
               <a:buChar char="•"/>
             </a:pPr>
             <a:r>
-              <a:rPr lang="en-US" sz="1800" dirty="0"/>
+              <a:rPr lang="en-US" sz="1800" dirty="0">
+                <a:solidFill>
+                  <a:schemeClr val="tx1"/>
+                </a:solidFill>
+              </a:rPr>
               <a:t>How do national/state COVID cases fall across other demographic data points (e.g. race/ethnicity)? </a:t>
             </a:r>
           </a:p>
@@ -6019,7 +7828,11 @@
               <a:buChar char="•"/>
             </a:pPr>
             <a:r>
-              <a:rPr lang="en-US" sz="1800" dirty="0"/>
+              <a:rPr lang="en-US" sz="1800" dirty="0">
+                <a:solidFill>
+                  <a:schemeClr val="tx1"/>
+                </a:solidFill>
+              </a:rPr>
               <a:t>When grouped by socioeconomic indicators, how do COVID infections compare to the % of the actual population nationally? Per State? </a:t>
             </a:r>
           </a:p>
@@ -6034,7 +7847,11 @@
               <a:buFont typeface="Arial" panose="020B0604020202020204" pitchFamily="34" charset="0"/>
               <a:buChar char="•"/>
             </a:pPr>
-            <a:endParaRPr lang="en-US" sz="1800" dirty="0"/>
+            <a:endParaRPr lang="en-US" sz="1800" dirty="0">
+              <a:solidFill>
+                <a:schemeClr val="tx1"/>
+              </a:solidFill>
+            </a:endParaRPr>
           </a:p>
           <a:p>
             <a:pPr>
@@ -6046,11 +7863,19 @@
               </a:spcAft>
             </a:pPr>
             <a:r>
-              <a:rPr lang="en-US" sz="2000" b="1" dirty="0"/>
+              <a:rPr lang="en-US" sz="2000" b="1" dirty="0">
+                <a:solidFill>
+                  <a:schemeClr val="tx1"/>
+                </a:solidFill>
+              </a:rPr>
               <a:t>Challenges</a:t>
             </a:r>
             <a:r>
-              <a:rPr lang="en-US" sz="1800" b="1" dirty="0"/>
+              <a:rPr lang="en-US" sz="1800" b="1" dirty="0">
+                <a:solidFill>
+                  <a:schemeClr val="tx1"/>
+                </a:solidFill>
+              </a:rPr>
               <a:t> </a:t>
             </a:r>
           </a:p>
@@ -6066,7 +7891,11 @@
               <a:buChar char="•"/>
             </a:pPr>
             <a:r>
-              <a:rPr lang="en-US" sz="1800" dirty="0"/>
+              <a:rPr lang="en-US" sz="1800" dirty="0">
+                <a:solidFill>
+                  <a:schemeClr val="tx1"/>
+                </a:solidFill>
+              </a:rPr>
               <a:t>The volume of data available is massive </a:t>
             </a:r>
           </a:p>
@@ -6082,7 +7911,11 @@
               <a:buChar char="•"/>
             </a:pPr>
             <a:r>
-              <a:rPr lang="en-US" sz="1800" dirty="0"/>
+              <a:rPr lang="en-US" sz="1800" dirty="0">
+                <a:solidFill>
+                  <a:schemeClr val="tx1"/>
+                </a:solidFill>
+              </a:rPr>
               <a:t>Format of available data either too granular or too macro to answer above remaining questions</a:t>
             </a:r>
           </a:p>
@@ -6097,7 +7930,11 @@
               <a:buFont typeface="Arial" panose="020B0604020202020204" pitchFamily="34" charset="0"/>
               <a:buChar char="•"/>
             </a:pPr>
-            <a:endParaRPr lang="en-US" sz="1800" dirty="0"/>
+            <a:endParaRPr lang="en-US" sz="1800" dirty="0">
+              <a:solidFill>
+                <a:schemeClr val="tx1"/>
+              </a:solidFill>
+            </a:endParaRPr>
           </a:p>
           <a:p>
             <a:pPr>
@@ -6108,7 +7945,11 @@
                 <a:spcPts val="200"/>
               </a:spcAft>
             </a:pPr>
-            <a:endParaRPr lang="en-US" dirty="0"/>
+            <a:endParaRPr lang="en-US" dirty="0">
+              <a:solidFill>
+                <a:schemeClr val="tx1"/>
+              </a:solidFill>
+            </a:endParaRPr>
           </a:p>
         </p:txBody>
       </p:sp>
@@ -6125,7 +7966,7 @@
 </p:sld>
 </file>
 
-<file path=ppt/slides/slide17.xml><?xml version="1.0" encoding="utf-8"?>
+<file path=ppt/slides/slide18.xml><?xml version="1.0" encoding="utf-8"?>
 <p:sld xmlns:a="http://schemas.openxmlformats.org/drawingml/2006/main" xmlns:r="http://schemas.openxmlformats.org/officeDocument/2006/relationships" xmlns:p="http://schemas.openxmlformats.org/presentationml/2006/main">
   <p:cSld>
     <p:bg>
@@ -6778,37 +8619,28 @@
           <a:lstStyle/>
           <a:p>
             <a:r>
-              <a:rPr lang="en-US" sz="1800"/>
+              <a:rPr lang="en-US" dirty="0"/>
               <a:t>COVID has dominated the headlines of 2020 </a:t>
             </a:r>
           </a:p>
           <a:p>
             <a:pPr lvl="1"/>
             <a:r>
-              <a:rPr lang="en-US" sz="1800"/>
-              <a:t>and candidly our lives for the last 9 months</a:t>
-            </a:r>
-          </a:p>
-          <a:p>
-            <a:r>
-              <a:rPr lang="en-US" sz="1800"/>
+              <a:rPr lang="en-US" dirty="0"/>
+              <a:t>And candidly our lives for the last 9+ months</a:t>
+            </a:r>
+          </a:p>
+          <a:p>
+            <a:r>
+              <a:rPr lang="en-US" dirty="0"/>
               <a:t>Terrible as the pandemic has been, it has also yielded a treasure trove of data</a:t>
             </a:r>
           </a:p>
           <a:p>
             <a:r>
-              <a:rPr lang="en-US" sz="1800"/>
+              <a:rPr lang="en-US" dirty="0"/>
               <a:t>Each state has managed the pandemic differently, and is comprised of different constituents</a:t>
             </a:r>
-          </a:p>
-          <a:p>
-            <a:r>
-              <a:rPr lang="en-US" sz="1800"/>
-              <a:t>Are there any themes to the ongoing infections? Trends between states? </a:t>
-            </a:r>
-          </a:p>
-          <a:p>
-            <a:endParaRPr lang="en-US" sz="1800"/>
           </a:p>
         </p:txBody>
       </p:sp>
@@ -7073,8 +8905,8 @@
         </p:nvSpPr>
         <p:spPr>
           <a:xfrm>
-            <a:off x="3363864" y="2286000"/>
-            <a:ext cx="7705164" cy="3581400"/>
+            <a:off x="3363864" y="1943100"/>
+            <a:ext cx="7705164" cy="4229100"/>
           </a:xfrm>
         </p:spPr>
         <p:txBody>
@@ -7087,63 +8919,69 @@
               <a:buNone/>
             </a:pPr>
             <a:r>
-              <a:rPr lang="en-US" sz="1700"/>
-              <a:t>COVID has unequally impacted different parts of the US. We seek to determine how COVID infections have been distributed across the country and identify any trends in this distribution. </a:t>
+              <a:rPr lang="en-US" sz="1700" dirty="0"/>
+              <a:t>COVID has unequally impacted different parts of the US. We seek to determine how COVID infections have been distributed across the country and identify any trends in this distribution of cases. </a:t>
             </a:r>
           </a:p>
           <a:p>
             <a:pPr marL="0" indent="0">
               <a:buNone/>
             </a:pPr>
-            <a:endParaRPr lang="en-US" sz="1700"/>
+            <a:endParaRPr lang="en-US" sz="1700" dirty="0"/>
           </a:p>
           <a:p>
             <a:pPr marL="0" indent="0">
               <a:buNone/>
             </a:pPr>
             <a:r>
-              <a:rPr lang="en-US" sz="1700"/>
+              <a:rPr lang="en-US" sz="1700" dirty="0"/>
               <a:t>Our specific questions…</a:t>
             </a:r>
           </a:p>
           <a:p>
             <a:r>
-              <a:rPr lang="en-US" sz="1700"/>
-              <a:t>What is the distribution of COVID across the US by state? </a:t>
-            </a:r>
-          </a:p>
-          <a:p>
-            <a:r>
-              <a:rPr lang="en-US" sz="1700"/>
+              <a:rPr lang="en-US" sz="1700" dirty="0"/>
+              <a:t>What is the distribution of COVID across the US by state? Which states have had the highest/lowest number of cases?</a:t>
+            </a:r>
+          </a:p>
+          <a:p>
+            <a:r>
+              <a:rPr lang="en-US" sz="1700" dirty="0"/>
+              <a:t>What is the recovery rate per state? How does this vary?</a:t>
+            </a:r>
+          </a:p>
+          <a:p>
+            <a:r>
+              <a:rPr lang="en-US" sz="1700" dirty="0"/>
               <a:t>What correlation is there between number of COVID Cases and…</a:t>
             </a:r>
           </a:p>
           <a:p>
             <a:pPr lvl="1"/>
             <a:r>
-              <a:rPr lang="en-US" sz="1700"/>
+              <a:rPr lang="en-US" sz="1700" i="0" dirty="0"/>
               <a:t>State Median Income? </a:t>
             </a:r>
           </a:p>
           <a:p>
             <a:pPr lvl="1"/>
             <a:r>
-              <a:rPr lang="en-US" sz="1700"/>
+              <a:rPr lang="en-US" sz="1700" i="0" dirty="0"/>
               <a:t>Population Density? </a:t>
             </a:r>
           </a:p>
           <a:p>
             <a:pPr lvl="1"/>
             <a:r>
-              <a:rPr lang="en-US" sz="1700"/>
-              <a:t>State median age? </a:t>
+              <a:rPr lang="en-US" sz="1700" i="0" dirty="0"/>
+              <a:t>State Median Age?</a:t>
             </a:r>
           </a:p>
           <a:p>
             <a:pPr marL="0" indent="0">
               <a:buNone/>
             </a:pPr>
-            <a:endParaRPr lang="en-US" sz="1700"/>
+            <a:endParaRPr lang="en-US" sz="1700" dirty="0"/>
           </a:p>
         </p:txBody>
       </p:sp>
@@ -7263,8 +9101,8 @@
         </p:nvSpPr>
         <p:spPr>
           <a:xfrm>
-            <a:off x="3363864" y="685800"/>
-            <a:ext cx="7705164" cy="1485900"/>
+            <a:off x="3232809" y="336244"/>
+            <a:ext cx="8492163" cy="845540"/>
           </a:xfrm>
         </p:spPr>
         <p:txBody>
@@ -7275,7 +9113,7 @@
           <a:p>
             <a:r>
               <a:rPr lang="en-US" dirty="0"/>
-              <a:t>Data Sources &amp; Limitations</a:t>
+              <a:t>Data Sources, Tools &amp; Limitations</a:t>
             </a:r>
           </a:p>
         </p:txBody>
@@ -7408,8 +9246,8 @@
         </p:nvSpPr>
         <p:spPr>
           <a:xfrm>
-            <a:off x="3363864" y="2286000"/>
-            <a:ext cx="7705164" cy="3581400"/>
+            <a:off x="3285088" y="4441607"/>
+            <a:ext cx="8585681" cy="2080149"/>
           </a:xfrm>
         </p:spPr>
         <p:txBody>
@@ -7419,49 +9257,29 @@
           <a:lstStyle/>
           <a:p>
             <a:r>
-              <a:rPr lang="en-US" dirty="0"/>
-              <a:t>Sources: </a:t>
+              <a:rPr lang="en-US" b="1" dirty="0"/>
+              <a:t>Limitations &amp; Considerations for this Analysis: </a:t>
             </a:r>
           </a:p>
           <a:p>
             <a:pPr lvl="1"/>
             <a:r>
-              <a:rPr lang="en-US" dirty="0"/>
-              <a:t>The COVID Tracking Project: data pulled on 12/18/2020</a:t>
+              <a:rPr lang="en-US" sz="1900" i="0" dirty="0"/>
+              <a:t>Analysis only includes data as of 12/18/2020  </a:t>
             </a:r>
           </a:p>
           <a:p>
             <a:pPr lvl="1"/>
             <a:r>
-              <a:rPr lang="en-US" dirty="0"/>
-              <a:t>US Census API </a:t>
+              <a:rPr lang="en-US" sz="1900" i="0" dirty="0"/>
+              <a:t>Corrections/additions to the data after 12/18/2020 are not included</a:t>
             </a:r>
           </a:p>
           <a:p>
             <a:pPr lvl="1"/>
             <a:r>
-              <a:rPr lang="en-US" dirty="0"/>
-              <a:t>Google Maps API</a:t>
-            </a:r>
-          </a:p>
-          <a:p>
-            <a:r>
-              <a:rPr lang="en-US" dirty="0"/>
-              <a:t>Limitations: </a:t>
-            </a:r>
-          </a:p>
-          <a:p>
-            <a:pPr lvl="1"/>
-            <a:r>
-              <a:rPr lang="en-US" dirty="0"/>
-              <a:t>Analysis only includes data through 12/18/2020  </a:t>
-            </a:r>
-          </a:p>
-          <a:p>
-            <a:pPr lvl="1"/>
-            <a:r>
-              <a:rPr lang="en-US" dirty="0"/>
-              <a:t>Any corrections/additions to the data after 12/18/2020 would not be accounted for</a:t>
+              <a:rPr lang="en-US" sz="1900" i="0" dirty="0"/>
+              <a:t>Total Test Results may include individuals who have been tested multiple times, while Positive/Negative cases count only unique individuals</a:t>
             </a:r>
           </a:p>
           <a:p>
@@ -7470,6 +9288,235 @@
           </a:p>
         </p:txBody>
       </p:sp>
+      <p:pic>
+        <p:nvPicPr>
+          <p:cNvPr id="7" name="Picture 2" descr="pandas (software) - Wikipedia">
+            <a:extLst>
+              <a:ext uri="{FF2B5EF4-FFF2-40B4-BE49-F238E27FC236}">
+                <a16:creationId xmlns:a16="http://schemas.microsoft.com/office/drawing/2014/main" id="{AD044DF2-A925-5443-BD31-64911DE2E1ED}"/>
+              </a:ext>
+            </a:extLst>
+          </p:cNvPr>
+          <p:cNvPicPr>
+            <a:picLocks noChangeAspect="1" noChangeArrowheads="1"/>
+          </p:cNvPicPr>
+          <p:nvPr/>
+        </p:nvPicPr>
+        <p:blipFill>
+          <a:blip r:embed="rId3">
+            <a:extLst>
+              <a:ext uri="{28A0092B-C50C-407E-A947-70E740481C1C}">
+                <a14:useLocalDpi xmlns:a14="http://schemas.microsoft.com/office/drawing/2010/main" val="0"/>
+              </a:ext>
+            </a:extLst>
+          </a:blip>
+          <a:srcRect/>
+          <a:stretch>
+            <a:fillRect/>
+          </a:stretch>
+        </p:blipFill>
+        <p:spPr bwMode="auto">
+          <a:xfrm>
+            <a:off x="5306564" y="1351896"/>
+            <a:ext cx="2947749" cy="1191382"/>
+          </a:xfrm>
+          <a:prstGeom prst="rect">
+            <a:avLst/>
+          </a:prstGeom>
+          <a:noFill/>
+          <a:extLst>
+            <a:ext uri="{909E8E84-426E-40DD-AFC4-6F175D3DCCD1}">
+              <a14:hiddenFill xmlns:a14="http://schemas.microsoft.com/office/drawing/2010/main">
+                <a:solidFill>
+                  <a:srgbClr val="FFFFFF"/>
+                </a:solidFill>
+              </a14:hiddenFill>
+            </a:ext>
+          </a:extLst>
+        </p:spPr>
+      </p:pic>
+      <p:pic>
+        <p:nvPicPr>
+          <p:cNvPr id="8" name="Picture 4" descr="The COVID Tracking Project - COVID-19 Communication Network">
+            <a:extLst>
+              <a:ext uri="{FF2B5EF4-FFF2-40B4-BE49-F238E27FC236}">
+                <a16:creationId xmlns:a16="http://schemas.microsoft.com/office/drawing/2014/main" id="{8359FFC3-0BD5-EB4E-B280-C92FF6C71135}"/>
+              </a:ext>
+            </a:extLst>
+          </p:cNvPr>
+          <p:cNvPicPr>
+            <a:picLocks noChangeAspect="1" noChangeArrowheads="1"/>
+          </p:cNvPicPr>
+          <p:nvPr/>
+        </p:nvPicPr>
+        <p:blipFill>
+          <a:blip r:embed="rId4">
+            <a:extLst>
+              <a:ext uri="{28A0092B-C50C-407E-A947-70E740481C1C}">
+                <a14:useLocalDpi xmlns:a14="http://schemas.microsoft.com/office/drawing/2010/main" val="0"/>
+              </a:ext>
+            </a:extLst>
+          </a:blip>
+          <a:srcRect/>
+          <a:stretch>
+            <a:fillRect/>
+          </a:stretch>
+        </p:blipFill>
+        <p:spPr bwMode="auto">
+          <a:xfrm>
+            <a:off x="9239548" y="2713391"/>
+            <a:ext cx="2485424" cy="1166337"/>
+          </a:xfrm>
+          <a:prstGeom prst="rect">
+            <a:avLst/>
+          </a:prstGeom>
+          <a:noFill/>
+          <a:extLst>
+            <a:ext uri="{909E8E84-426E-40DD-AFC4-6F175D3DCCD1}">
+              <a14:hiddenFill xmlns:a14="http://schemas.microsoft.com/office/drawing/2010/main">
+                <a:solidFill>
+                  <a:srgbClr val="FFFFFF"/>
+                </a:solidFill>
+              </a14:hiddenFill>
+            </a:ext>
+          </a:extLst>
+        </p:spPr>
+      </p:pic>
+      <p:pic>
+        <p:nvPicPr>
+          <p:cNvPr id="9" name="Picture 6" descr="About">
+            <a:extLst>
+              <a:ext uri="{FF2B5EF4-FFF2-40B4-BE49-F238E27FC236}">
+                <a16:creationId xmlns:a16="http://schemas.microsoft.com/office/drawing/2014/main" id="{E7F6FAAC-88B9-C347-B4B5-58F3176105DF}"/>
+              </a:ext>
+            </a:extLst>
+          </p:cNvPr>
+          <p:cNvPicPr>
+            <a:picLocks noChangeAspect="1" noChangeArrowheads="1"/>
+          </p:cNvPicPr>
+          <p:nvPr/>
+        </p:nvPicPr>
+        <p:blipFill rotWithShape="1">
+          <a:blip r:embed="rId5">
+            <a:extLst>
+              <a:ext uri="{28A0092B-C50C-407E-A947-70E740481C1C}">
+                <a14:useLocalDpi xmlns:a14="http://schemas.microsoft.com/office/drawing/2010/main" val="0"/>
+              </a:ext>
+            </a:extLst>
+          </a:blip>
+          <a:srcRect b="5732"/>
+          <a:stretch/>
+        </p:blipFill>
+        <p:spPr bwMode="auto">
+          <a:xfrm>
+            <a:off x="3612559" y="2713391"/>
+            <a:ext cx="2367582" cy="1166337"/>
+          </a:xfrm>
+          <a:prstGeom prst="rect">
+            <a:avLst/>
+          </a:prstGeom>
+          <a:noFill/>
+          <a:extLst>
+            <a:ext uri="{909E8E84-426E-40DD-AFC4-6F175D3DCCD1}">
+              <a14:hiddenFill xmlns:a14="http://schemas.microsoft.com/office/drawing/2010/main">
+                <a:solidFill>
+                  <a:srgbClr val="FFFFFF"/>
+                </a:solidFill>
+              </a14:hiddenFill>
+            </a:ext>
+          </a:extLst>
+        </p:spPr>
+      </p:pic>
+      <p:pic>
+        <p:nvPicPr>
+          <p:cNvPr id="10" name="Picture 12" descr="Google Maps Logo | evolution history and meaning, PNG">
+            <a:extLst>
+              <a:ext uri="{FF2B5EF4-FFF2-40B4-BE49-F238E27FC236}">
+                <a16:creationId xmlns:a16="http://schemas.microsoft.com/office/drawing/2014/main" id="{EBA35152-160A-3A48-9BE7-3A73A13AFFB2}"/>
+              </a:ext>
+            </a:extLst>
+          </p:cNvPr>
+          <p:cNvPicPr>
+            <a:picLocks noChangeAspect="1" noChangeArrowheads="1"/>
+          </p:cNvPicPr>
+          <p:nvPr/>
+        </p:nvPicPr>
+        <p:blipFill rotWithShape="1">
+          <a:blip r:embed="rId6">
+            <a:extLst>
+              <a:ext uri="{28A0092B-C50C-407E-A947-70E740481C1C}">
+                <a14:useLocalDpi xmlns:a14="http://schemas.microsoft.com/office/drawing/2010/main" val="0"/>
+              </a:ext>
+            </a:extLst>
+          </a:blip>
+          <a:srcRect l="4506" t="-7654" r="8589"/>
+          <a:stretch/>
+        </p:blipFill>
+        <p:spPr bwMode="auto">
+          <a:xfrm>
+            <a:off x="8254314" y="1359613"/>
+            <a:ext cx="1668162" cy="1191382"/>
+          </a:xfrm>
+          <a:prstGeom prst="rect">
+            <a:avLst/>
+          </a:prstGeom>
+          <a:noFill/>
+          <a:extLst>
+            <a:ext uri="{909E8E84-426E-40DD-AFC4-6F175D3DCCD1}">
+              <a14:hiddenFill xmlns:a14="http://schemas.microsoft.com/office/drawing/2010/main">
+                <a:solidFill>
+                  <a:srgbClr val="FFFFFF"/>
+                </a:solidFill>
+              </a14:hiddenFill>
+            </a:ext>
+          </a:extLst>
+        </p:spPr>
+      </p:pic>
+      <p:pic>
+        <p:nvPicPr>
+          <p:cNvPr id="11" name="Picture 26" descr="The Python Logo | Python Software Foundation">
+            <a:extLst>
+              <a:ext uri="{FF2B5EF4-FFF2-40B4-BE49-F238E27FC236}">
+                <a16:creationId xmlns:a16="http://schemas.microsoft.com/office/drawing/2014/main" id="{A700BCC8-1D2D-5C4D-8F21-4459137BE6A7}"/>
+              </a:ext>
+            </a:extLst>
+          </p:cNvPr>
+          <p:cNvPicPr>
+            <a:picLocks noChangeAspect="1" noChangeArrowheads="1"/>
+          </p:cNvPicPr>
+          <p:nvPr/>
+        </p:nvPicPr>
+        <p:blipFill rotWithShape="1">
+          <a:blip r:embed="rId7">
+            <a:extLst>
+              <a:ext uri="{28A0092B-C50C-407E-A947-70E740481C1C}">
+                <a14:useLocalDpi xmlns:a14="http://schemas.microsoft.com/office/drawing/2010/main" val="0"/>
+              </a:ext>
+            </a:extLst>
+          </a:blip>
+          <a:srcRect l="9312" t="5938" r="3591" b="14258"/>
+          <a:stretch/>
+        </p:blipFill>
+        <p:spPr bwMode="auto">
+          <a:xfrm>
+            <a:off x="6211861" y="2837980"/>
+            <a:ext cx="2732136" cy="845540"/>
+          </a:xfrm>
+          <a:prstGeom prst="rect">
+            <a:avLst/>
+          </a:prstGeom>
+          <a:noFill/>
+          <a:extLst>
+            <a:ext uri="{909E8E84-426E-40DD-AFC4-6F175D3DCCD1}">
+              <a14:hiddenFill xmlns:a14="http://schemas.microsoft.com/office/drawing/2010/main">
+                <a:solidFill>
+                  <a:srgbClr val="FFFFFF"/>
+                </a:solidFill>
+              </a14:hiddenFill>
+            </a:ext>
+          </a:extLst>
+        </p:spPr>
+      </p:pic>
     </p:spTree>
     <p:extLst>
       <p:ext uri="{BB962C8B-B14F-4D97-AF65-F5344CB8AC3E}">
@@ -7689,75 +9736,98 @@
           <a:lstStyle/>
           <a:p>
             <a:r>
-              <a:rPr lang="en-US" sz="1800" dirty="0"/>
+              <a:rPr lang="en-US" sz="1800" dirty="0">
+                <a:solidFill>
+                  <a:schemeClr val="tx1"/>
+                </a:solidFill>
+              </a:rPr>
               <a:t>Collected the data from our sources </a:t>
             </a:r>
           </a:p>
           <a:p>
             <a:pPr lvl="1"/>
             <a:r>
-              <a:rPr lang="en-US" sz="1800" dirty="0"/>
+              <a:rPr lang="en-US" sz="1800" i="0" dirty="0">
+                <a:solidFill>
+                  <a:schemeClr val="tx1"/>
+                </a:solidFill>
+              </a:rPr>
               <a:t>COVID data was stored as a CSV</a:t>
             </a:r>
           </a:p>
           <a:p>
             <a:pPr lvl="1"/>
             <a:r>
-              <a:rPr lang="en-US" sz="1800" dirty="0"/>
+              <a:rPr lang="en-US" sz="1800" i="0" dirty="0">
+                <a:solidFill>
+                  <a:schemeClr val="tx1"/>
+                </a:solidFill>
+              </a:rPr>
               <a:t>Census data was pulled from the API </a:t>
             </a:r>
           </a:p>
           <a:p>
             <a:pPr lvl="1"/>
             <a:r>
-              <a:rPr lang="en-US" sz="1800" dirty="0"/>
-              <a:t>State Capital locations was pulled from </a:t>
-            </a:r>
-            <a:r>
-              <a:rPr lang="en-US" sz="1800" dirty="0" err="1"/>
-              <a:t>Gmaps</a:t>
-            </a:r>
-            <a:endParaRPr lang="en-US" sz="1800" dirty="0"/>
+              <a:rPr lang="en-US" sz="1800" i="0" dirty="0">
+                <a:solidFill>
+                  <a:schemeClr val="tx1"/>
+                </a:solidFill>
+              </a:rPr>
+              <a:t>State Capital locations was pulled from Google Maps</a:t>
+            </a:r>
           </a:p>
           <a:p>
             <a:pPr lvl="1"/>
             <a:r>
-              <a:rPr lang="en-US" sz="1800" dirty="0"/>
-              <a:t>When running code, you will need your API key for US Census and </a:t>
-            </a:r>
-            <a:r>
-              <a:rPr lang="en-US" sz="1800" dirty="0" err="1"/>
-              <a:t>gmaps</a:t>
-            </a:r>
-            <a:r>
-              <a:rPr lang="en-US" sz="1800" dirty="0"/>
-              <a:t> </a:t>
-            </a:r>
-          </a:p>
-          <a:p>
-            <a:r>
-              <a:rPr lang="en-US" sz="1800" dirty="0"/>
+              <a:rPr lang="en-US" sz="1800" i="0" dirty="0">
+                <a:solidFill>
+                  <a:schemeClr val="tx1"/>
+                </a:solidFill>
+              </a:rPr>
+              <a:t>When running code, you will need your API key for US Census and Google Maps </a:t>
+            </a:r>
+          </a:p>
+          <a:p>
+            <a:r>
+              <a:rPr lang="en-US" sz="1800" dirty="0">
+                <a:solidFill>
+                  <a:schemeClr val="tx1"/>
+                </a:solidFill>
+              </a:rPr>
               <a:t>Created a single, clean data frame comprised only of… </a:t>
             </a:r>
           </a:p>
           <a:p>
             <a:pPr lvl="1"/>
             <a:r>
-              <a:rPr lang="en-US" sz="1800" dirty="0"/>
+              <a:rPr lang="en-US" sz="1800" i="0" dirty="0">
+                <a:solidFill>
+                  <a:schemeClr val="tx1"/>
+                </a:solidFill>
+              </a:rPr>
               <a:t>Most recent COVID data for each state</a:t>
             </a:r>
           </a:p>
           <a:p>
             <a:pPr lvl="1"/>
             <a:r>
-              <a:rPr lang="en-US" sz="1800" dirty="0"/>
+              <a:rPr lang="en-US" sz="1800" i="0" dirty="0">
+                <a:solidFill>
+                  <a:schemeClr val="tx1"/>
+                </a:solidFill>
+              </a:rPr>
               <a:t>Median Income and age per state </a:t>
             </a:r>
           </a:p>
           <a:p>
             <a:pPr lvl="1"/>
             <a:r>
-              <a:rPr lang="en-US" sz="1800" dirty="0"/>
+              <a:rPr lang="en-US" sz="1800" i="0" dirty="0">
+                <a:solidFill>
+                  <a:schemeClr val="tx1"/>
+                </a:solidFill>
+              </a:rPr>
               <a:t>State size, population and population density </a:t>
             </a:r>
           </a:p>
@@ -7982,52 +10052,94 @@
           <a:lstStyle/>
           <a:p>
             <a:r>
-              <a:rPr lang="en-US" sz="1800" dirty="0"/>
+              <a:rPr lang="en-US" sz="1800" dirty="0">
+                <a:solidFill>
+                  <a:schemeClr val="tx1"/>
+                </a:solidFill>
+              </a:rPr>
               <a:t>Mapped COVID cases across the US </a:t>
             </a:r>
           </a:p>
           <a:p>
             <a:r>
-              <a:rPr lang="en-US" sz="1800" dirty="0"/>
-              <a:t>Generated a Pie Chart of US COVID cases </a:t>
-            </a:r>
-          </a:p>
-          <a:p>
-            <a:r>
-              <a:rPr lang="en-US" sz="1800" dirty="0"/>
+              <a:rPr lang="en-US" sz="1800" dirty="0">
+                <a:solidFill>
+                  <a:schemeClr val="tx1"/>
+                </a:solidFill>
+              </a:rPr>
+              <a:t>Generated a Pie Chart of US COVID cases</a:t>
+            </a:r>
+          </a:p>
+          <a:p>
+            <a:r>
+              <a:rPr lang="en-US" sz="1800" dirty="0">
+                <a:solidFill>
+                  <a:schemeClr val="tx1"/>
+                </a:solidFill>
+              </a:rPr>
+              <a:t>Created a stacked bar chart of Positive cases v recoveries per state</a:t>
+            </a:r>
+          </a:p>
+          <a:p>
+            <a:r>
+              <a:rPr lang="en-US" sz="1800" dirty="0">
+                <a:solidFill>
+                  <a:schemeClr val="tx1"/>
+                </a:solidFill>
+              </a:rPr>
               <a:t>Scatter plotted COVID data against key metrics </a:t>
             </a:r>
           </a:p>
           <a:p>
             <a:pPr lvl="1"/>
             <a:r>
-              <a:rPr lang="en-US" sz="1800" dirty="0"/>
+              <a:rPr lang="en-US" sz="1800" dirty="0">
+                <a:solidFill>
+                  <a:schemeClr val="tx1"/>
+                </a:solidFill>
+              </a:rPr>
               <a:t>Median Income Per State</a:t>
             </a:r>
           </a:p>
           <a:p>
             <a:pPr lvl="1"/>
             <a:r>
-              <a:rPr lang="en-US" sz="1800" dirty="0"/>
+              <a:rPr lang="en-US" sz="1800" dirty="0">
+                <a:solidFill>
+                  <a:schemeClr val="tx1"/>
+                </a:solidFill>
+              </a:rPr>
               <a:t>Population Density per State</a:t>
             </a:r>
           </a:p>
           <a:p>
             <a:pPr lvl="1"/>
             <a:r>
-              <a:rPr lang="en-US" sz="1800" dirty="0"/>
+              <a:rPr lang="en-US" sz="1800" dirty="0">
+                <a:solidFill>
+                  <a:schemeClr val="tx1"/>
+                </a:solidFill>
+              </a:rPr>
               <a:t>Median Age per State </a:t>
             </a:r>
           </a:p>
           <a:p>
             <a:r>
-              <a:rPr lang="en-US" sz="1800" dirty="0"/>
+              <a:rPr lang="en-US" sz="1800" dirty="0">
+                <a:solidFill>
+                  <a:schemeClr val="tx1"/>
+                </a:solidFill>
+              </a:rPr>
               <a:t>Conducted a linear regression for each key metric</a:t>
             </a:r>
           </a:p>
           <a:p>
             <a:pPr lvl="1"/>
-            <a:endParaRPr lang="en-US" sz="1800" dirty="0"/>
+            <a:endParaRPr lang="en-US" sz="1800" dirty="0">
+              <a:solidFill>
+                <a:schemeClr val="tx1"/>
+              </a:solidFill>
+            </a:endParaRPr>
           </a:p>
         </p:txBody>
       </p:sp>
@@ -8400,7 +10512,7 @@
           <a:lstStyle/>
           <a:p>
             <a:r>
-              <a:rPr lang="en-US" sz="6600" cap="all">
+              <a:rPr lang="en-US" sz="6600" cap="all" dirty="0">
                 <a:solidFill>
                   <a:schemeClr val="bg2"/>
                 </a:solidFill>
@@ -8710,7 +10822,7 @@
           <p:cNvPr id="2" name="Title 1">
             <a:extLst>
               <a:ext uri="{FF2B5EF4-FFF2-40B4-BE49-F238E27FC236}">
-                <a16:creationId xmlns:a16="http://schemas.microsoft.com/office/drawing/2014/main" id="{04E983FD-D9AE-D340-B7C4-F59B7190A0A3}"/>
+                <a16:creationId xmlns:a16="http://schemas.microsoft.com/office/drawing/2014/main" id="{B8F832A7-2C5F-AF43-AA13-E7389F6B0D9F}"/>
               </a:ext>
             </a:extLst>
           </p:cNvPr>
@@ -8728,9 +10840,8 @@
           <a:p>
             <a:r>
               <a:rPr lang="en-US" dirty="0"/>
-              <a:t>Analysis: COVID Cases per State</a:t>
-            </a:r>
-            <a:endParaRPr lang="en-US" b="1" dirty="0"/>
+              <a:t>Analysis: COVID Positive v Recovered</a:t>
+            </a:r>
           </a:p>
         </p:txBody>
       </p:sp>
@@ -8739,7 +10850,7 @@
           <p:cNvPr id="3" name="Content Placeholder 2">
             <a:extLst>
               <a:ext uri="{FF2B5EF4-FFF2-40B4-BE49-F238E27FC236}">
-                <a16:creationId xmlns:a16="http://schemas.microsoft.com/office/drawing/2014/main" id="{613F3F1D-CC11-9042-99E7-08F4E275582F}"/>
+                <a16:creationId xmlns:a16="http://schemas.microsoft.com/office/drawing/2014/main" id="{3CDEBB2A-016D-AD41-8C80-167FA28A9665}"/>
               </a:ext>
             </a:extLst>
           </p:cNvPr>
@@ -8757,13 +10868,7 @@
           <a:p>
             <a:r>
               <a:rPr lang="en-US" dirty="0"/>
-              <a:t>&lt;&lt; Pie chart of Cases per State&gt;&gt; </a:t>
-            </a:r>
-          </a:p>
-          <a:p>
-            <a:r>
-              <a:rPr lang="en-US" dirty="0"/>
-              <a:t>X state has had most cases; Y state has had least cases </a:t>
+              <a:t>Stacked bar chart of recoveries and positive cases per state</a:t>
             </a:r>
           </a:p>
         </p:txBody>
@@ -8771,7 +10876,7 @@
     </p:spTree>
     <p:extLst>
       <p:ext uri="{BB962C8B-B14F-4D97-AF65-F5344CB8AC3E}">
-        <p14:creationId xmlns:p14="http://schemas.microsoft.com/office/powerpoint/2010/main" val="3771548292"/>
+        <p14:creationId xmlns:p14="http://schemas.microsoft.com/office/powerpoint/2010/main" val="1383689307"/>
       </p:ext>
     </p:extLst>
   </p:cSld>
@@ -9037,4 +11142,299 @@
     </a:ext>
   </a:extLst>
 </a:theme>
+</file>
+
+<file path=ppt/theme/theme2.xml><?xml version="1.0" encoding="utf-8"?>
+<a:theme xmlns:a="http://schemas.openxmlformats.org/drawingml/2006/main" name="Office Theme">
+  <a:themeElements>
+    <a:clrScheme name="Office">
+      <a:dk1>
+        <a:sysClr val="windowText" lastClr="000000"/>
+      </a:dk1>
+      <a:lt1>
+        <a:sysClr val="window" lastClr="FFFFFF"/>
+      </a:lt1>
+      <a:dk2>
+        <a:srgbClr val="44546A"/>
+      </a:dk2>
+      <a:lt2>
+        <a:srgbClr val="E7E6E6"/>
+      </a:lt2>
+      <a:accent1>
+        <a:srgbClr val="4472C4"/>
+      </a:accent1>
+      <a:accent2>
+        <a:srgbClr val="ED7D31"/>
+      </a:accent2>
+      <a:accent3>
+        <a:srgbClr val="A5A5A5"/>
+      </a:accent3>
+      <a:accent4>
+        <a:srgbClr val="FFC000"/>
+      </a:accent4>
+      <a:accent5>
+        <a:srgbClr val="5B9BD5"/>
+      </a:accent5>
+      <a:accent6>
+        <a:srgbClr val="70AD47"/>
+      </a:accent6>
+      <a:hlink>
+        <a:srgbClr val="0563C1"/>
+      </a:hlink>
+      <a:folHlink>
+        <a:srgbClr val="954F72"/>
+      </a:folHlink>
+    </a:clrScheme>
+    <a:fontScheme name="Office">
+      <a:majorFont>
+        <a:latin typeface="Calibri Light" panose="020F0302020204030204"/>
+        <a:ea typeface=""/>
+        <a:cs typeface=""/>
+        <a:font script="Jpan" typeface="游ゴシック Light"/>
+        <a:font script="Hang" typeface="맑은 고딕"/>
+        <a:font script="Hans" typeface="等线 Light"/>
+        <a:font script="Hant" typeface="新細明體"/>
+        <a:font script="Arab" typeface="Times New Roman"/>
+        <a:font script="Hebr" typeface="Times New Roman"/>
+        <a:font script="Thai" typeface="Angsana New"/>
+        <a:font script="Ethi" typeface="Nyala"/>
+        <a:font script="Beng" typeface="Vrinda"/>
+        <a:font script="Gujr" typeface="Shruti"/>
+        <a:font script="Khmr" typeface="MoolBoran"/>
+        <a:font script="Knda" typeface="Tunga"/>
+        <a:font script="Guru" typeface="Raavi"/>
+        <a:font script="Cans" typeface="Euphemia"/>
+        <a:font script="Cher" typeface="Plantagenet Cherokee"/>
+        <a:font script="Yiii" typeface="Microsoft Yi Baiti"/>
+        <a:font script="Tibt" typeface="Microsoft Himalaya"/>
+        <a:font script="Thaa" typeface="MV Boli"/>
+        <a:font script="Deva" typeface="Mangal"/>
+        <a:font script="Telu" typeface="Gautami"/>
+        <a:font script="Taml" typeface="Latha"/>
+        <a:font script="Syrc" typeface="Estrangelo Edessa"/>
+        <a:font script="Orya" typeface="Kalinga"/>
+        <a:font script="Mlym" typeface="Kartika"/>
+        <a:font script="Laoo" typeface="DokChampa"/>
+        <a:font script="Sinh" typeface="Iskoola Pota"/>
+        <a:font script="Mong" typeface="Mongolian Baiti"/>
+        <a:font script="Viet" typeface="Times New Roman"/>
+        <a:font script="Uigh" typeface="Microsoft Uighur"/>
+        <a:font script="Geor" typeface="Sylfaen"/>
+        <a:font script="Armn" typeface="Arial"/>
+        <a:font script="Bugi" typeface="Leelawadee UI"/>
+        <a:font script="Bopo" typeface="Microsoft JhengHei"/>
+        <a:font script="Java" typeface="Javanese Text"/>
+        <a:font script="Lisu" typeface="Segoe UI"/>
+        <a:font script="Mymr" typeface="Myanmar Text"/>
+        <a:font script="Nkoo" typeface="Ebrima"/>
+        <a:font script="Olck" typeface="Nirmala UI"/>
+        <a:font script="Osma" typeface="Ebrima"/>
+        <a:font script="Phag" typeface="Phagspa"/>
+        <a:font script="Syrn" typeface="Estrangelo Edessa"/>
+        <a:font script="Syrj" typeface="Estrangelo Edessa"/>
+        <a:font script="Syre" typeface="Estrangelo Edessa"/>
+        <a:font script="Sora" typeface="Nirmala UI"/>
+        <a:font script="Tale" typeface="Microsoft Tai Le"/>
+        <a:font script="Talu" typeface="Microsoft New Tai Lue"/>
+        <a:font script="Tfng" typeface="Ebrima"/>
+      </a:majorFont>
+      <a:minorFont>
+        <a:latin typeface="Calibri" panose="020F0502020204030204"/>
+        <a:ea typeface=""/>
+        <a:cs typeface=""/>
+        <a:font script="Jpan" typeface="游ゴシック"/>
+        <a:font script="Hang" typeface="맑은 고딕"/>
+        <a:font script="Hans" typeface="等线"/>
+        <a:font script="Hant" typeface="新細明體"/>
+        <a:font script="Arab" typeface="Arial"/>
+        <a:font script="Hebr" typeface="Arial"/>
+        <a:font script="Thai" typeface="Cordia New"/>
+        <a:font script="Ethi" typeface="Nyala"/>
+        <a:font script="Beng" typeface="Vrinda"/>
+        <a:font script="Gujr" typeface="Shruti"/>
+        <a:font script="Khmr" typeface="DaunPenh"/>
+        <a:font script="Knda" typeface="Tunga"/>
+        <a:font script="Guru" typeface="Raavi"/>
+        <a:font script="Cans" typeface="Euphemia"/>
+        <a:font script="Cher" typeface="Plantagenet Cherokee"/>
+        <a:font script="Yiii" typeface="Microsoft Yi Baiti"/>
+        <a:font script="Tibt" typeface="Microsoft Himalaya"/>
+        <a:font script="Thaa" typeface="MV Boli"/>
+        <a:font script="Deva" typeface="Mangal"/>
+        <a:font script="Telu" typeface="Gautami"/>
+        <a:font script="Taml" typeface="Latha"/>
+        <a:font script="Syrc" typeface="Estrangelo Edessa"/>
+        <a:font script="Orya" typeface="Kalinga"/>
+        <a:font script="Mlym" typeface="Kartika"/>
+        <a:font script="Laoo" typeface="DokChampa"/>
+        <a:font script="Sinh" typeface="Iskoola Pota"/>
+        <a:font script="Mong" typeface="Mongolian Baiti"/>
+        <a:font script="Viet" typeface="Arial"/>
+        <a:font script="Uigh" typeface="Microsoft Uighur"/>
+        <a:font script="Geor" typeface="Sylfaen"/>
+        <a:font script="Armn" typeface="Arial"/>
+        <a:font script="Bugi" typeface="Leelawadee UI"/>
+        <a:font script="Bopo" typeface="Microsoft JhengHei"/>
+        <a:font script="Java" typeface="Javanese Text"/>
+        <a:font script="Lisu" typeface="Segoe UI"/>
+        <a:font script="Mymr" typeface="Myanmar Text"/>
+        <a:font script="Nkoo" typeface="Ebrima"/>
+        <a:font script="Olck" typeface="Nirmala UI"/>
+        <a:font script="Osma" typeface="Ebrima"/>
+        <a:font script="Phag" typeface="Phagspa"/>
+        <a:font script="Syrn" typeface="Estrangelo Edessa"/>
+        <a:font script="Syrj" typeface="Estrangelo Edessa"/>
+        <a:font script="Syre" typeface="Estrangelo Edessa"/>
+        <a:font script="Sora" typeface="Nirmala UI"/>
+        <a:font script="Tale" typeface="Microsoft Tai Le"/>
+        <a:font script="Talu" typeface="Microsoft New Tai Lue"/>
+        <a:font script="Tfng" typeface="Ebrima"/>
+      </a:minorFont>
+    </a:fontScheme>
+    <a:fmtScheme name="Office">
+      <a:fillStyleLst>
+        <a:solidFill>
+          <a:schemeClr val="phClr"/>
+        </a:solidFill>
+        <a:gradFill rotWithShape="1">
+          <a:gsLst>
+            <a:gs pos="0">
+              <a:schemeClr val="phClr">
+                <a:lumMod val="110000"/>
+                <a:satMod val="105000"/>
+                <a:tint val="67000"/>
+              </a:schemeClr>
+            </a:gs>
+            <a:gs pos="50000">
+              <a:schemeClr val="phClr">
+                <a:lumMod val="105000"/>
+                <a:satMod val="103000"/>
+                <a:tint val="73000"/>
+              </a:schemeClr>
+            </a:gs>
+            <a:gs pos="100000">
+              <a:schemeClr val="phClr">
+                <a:lumMod val="105000"/>
+                <a:satMod val="109000"/>
+                <a:tint val="81000"/>
+              </a:schemeClr>
+            </a:gs>
+          </a:gsLst>
+          <a:lin ang="5400000" scaled="0"/>
+        </a:gradFill>
+        <a:gradFill rotWithShape="1">
+          <a:gsLst>
+            <a:gs pos="0">
+              <a:schemeClr val="phClr">
+                <a:satMod val="103000"/>
+                <a:lumMod val="102000"/>
+                <a:tint val="94000"/>
+              </a:schemeClr>
+            </a:gs>
+            <a:gs pos="50000">
+              <a:schemeClr val="phClr">
+                <a:satMod val="110000"/>
+                <a:lumMod val="100000"/>
+                <a:shade val="100000"/>
+              </a:schemeClr>
+            </a:gs>
+            <a:gs pos="100000">
+              <a:schemeClr val="phClr">
+                <a:lumMod val="99000"/>
+                <a:satMod val="120000"/>
+                <a:shade val="78000"/>
+              </a:schemeClr>
+            </a:gs>
+          </a:gsLst>
+          <a:lin ang="5400000" scaled="0"/>
+        </a:gradFill>
+      </a:fillStyleLst>
+      <a:lnStyleLst>
+        <a:ln w="6350" cap="flat" cmpd="sng" algn="ctr">
+          <a:solidFill>
+            <a:schemeClr val="phClr"/>
+          </a:solidFill>
+          <a:prstDash val="solid"/>
+          <a:miter lim="800000"/>
+        </a:ln>
+        <a:ln w="12700" cap="flat" cmpd="sng" algn="ctr">
+          <a:solidFill>
+            <a:schemeClr val="phClr"/>
+          </a:solidFill>
+          <a:prstDash val="solid"/>
+          <a:miter lim="800000"/>
+        </a:ln>
+        <a:ln w="19050" cap="flat" cmpd="sng" algn="ctr">
+          <a:solidFill>
+            <a:schemeClr val="phClr"/>
+          </a:solidFill>
+          <a:prstDash val="solid"/>
+          <a:miter lim="800000"/>
+        </a:ln>
+      </a:lnStyleLst>
+      <a:effectStyleLst>
+        <a:effectStyle>
+          <a:effectLst/>
+        </a:effectStyle>
+        <a:effectStyle>
+          <a:effectLst/>
+        </a:effectStyle>
+        <a:effectStyle>
+          <a:effectLst>
+            <a:outerShdw blurRad="57150" dist="19050" dir="5400000" algn="ctr" rotWithShape="0">
+              <a:srgbClr val="000000">
+                <a:alpha val="63000"/>
+              </a:srgbClr>
+            </a:outerShdw>
+          </a:effectLst>
+        </a:effectStyle>
+      </a:effectStyleLst>
+      <a:bgFillStyleLst>
+        <a:solidFill>
+          <a:schemeClr val="phClr"/>
+        </a:solidFill>
+        <a:solidFill>
+          <a:schemeClr val="phClr">
+            <a:tint val="95000"/>
+            <a:satMod val="170000"/>
+          </a:schemeClr>
+        </a:solidFill>
+        <a:gradFill rotWithShape="1">
+          <a:gsLst>
+            <a:gs pos="0">
+              <a:schemeClr val="phClr">
+                <a:tint val="93000"/>
+                <a:satMod val="150000"/>
+                <a:shade val="98000"/>
+                <a:lumMod val="102000"/>
+              </a:schemeClr>
+            </a:gs>
+            <a:gs pos="50000">
+              <a:schemeClr val="phClr">
+                <a:tint val="98000"/>
+                <a:satMod val="130000"/>
+                <a:shade val="90000"/>
+                <a:lumMod val="103000"/>
+              </a:schemeClr>
+            </a:gs>
+            <a:gs pos="100000">
+              <a:schemeClr val="phClr">
+                <a:shade val="63000"/>
+                <a:satMod val="120000"/>
+              </a:schemeClr>
+            </a:gs>
+          </a:gsLst>
+          <a:lin ang="5400000" scaled="0"/>
+        </a:gradFill>
+      </a:bgFillStyleLst>
+    </a:fmtScheme>
+  </a:themeElements>
+  <a:objectDefaults/>
+  <a:extraClrSchemeLst/>
+  <a:extLst>
+    <a:ext uri="{05A4C25C-085E-4340-85A3-A5531E510DB2}">
+      <thm15:themeFamily xmlns:thm15="http://schemas.microsoft.com/office/thememl/2012/main" name="Office Theme" id="{62F939B6-93AF-4DB8-9C6B-D6C7DFDC589F}" vid="{4A3C46E8-61CC-4603-A589-7422A47A8E4A}"/>
+    </a:ext>
+  </a:extLst>
+</a:theme>
 </file>
--- a/COVID_Presentation.pptx
+++ b/COVID_Presentation.pptx
@@ -213,7 +213,7 @@
           <a:p>
             <a:fld id="{7B036306-CDD8-504F-9A9C-0468E9B9EF1B}" type="datetimeFigureOut">
               <a:rPr lang="en-US" smtClean="0"/>
-              <a:t>12/29/20</a:t>
+              <a:t>1/4/21</a:t>
             </a:fld>
             <a:endParaRPr lang="en-US"/>
           </a:p>
@@ -1868,7 +1868,7 @@
             <a:fld id="{B61BEF0D-F0BB-DE4B-95CE-6DB70DBA9567}" type="datetimeFigureOut">
               <a:rPr lang="en-US" smtClean="0"/>
               <a:pPr/>
-              <a:t>12/29/20</a:t>
+              <a:t>1/4/21</a:t>
             </a:fld>
             <a:endParaRPr lang="en-US" dirty="0"/>
           </a:p>
@@ -2200,7 +2200,7 @@
             <a:fld id="{B61BEF0D-F0BB-DE4B-95CE-6DB70DBA9567}" type="datetimeFigureOut">
               <a:rPr lang="en-US" smtClean="0"/>
               <a:pPr/>
-              <a:t>12/29/20</a:t>
+              <a:t>1/4/21</a:t>
             </a:fld>
             <a:endParaRPr lang="en-US" dirty="0"/>
           </a:p>
@@ -2382,7 +2382,7 @@
             <a:fld id="{B61BEF0D-F0BB-DE4B-95CE-6DB70DBA9567}" type="datetimeFigureOut">
               <a:rPr lang="en-US" smtClean="0"/>
               <a:pPr/>
-              <a:t>12/29/20</a:t>
+              <a:t>1/4/21</a:t>
             </a:fld>
             <a:endParaRPr lang="en-US" dirty="0"/>
           </a:p>
@@ -2554,7 +2554,7 @@
             <a:fld id="{B61BEF0D-F0BB-DE4B-95CE-6DB70DBA9567}" type="datetimeFigureOut">
               <a:rPr lang="en-US" smtClean="0"/>
               <a:pPr/>
-              <a:t>12/29/20</a:t>
+              <a:t>1/4/21</a:t>
             </a:fld>
             <a:endParaRPr lang="en-US" dirty="0"/>
           </a:p>
@@ -2833,7 +2833,7 @@
             <a:fld id="{B61BEF0D-F0BB-DE4B-95CE-6DB70DBA9567}" type="datetimeFigureOut">
               <a:rPr lang="en-US" smtClean="0"/>
               <a:pPr/>
-              <a:t>12/29/20</a:t>
+              <a:t>1/4/21</a:t>
             </a:fld>
             <a:endParaRPr lang="en-US" dirty="0"/>
           </a:p>
@@ -3229,7 +3229,7 @@
             <a:fld id="{B61BEF0D-F0BB-DE4B-95CE-6DB70DBA9567}" type="datetimeFigureOut">
               <a:rPr lang="en-US" smtClean="0"/>
               <a:pPr/>
-              <a:t>12/29/20</a:t>
+              <a:t>1/4/21</a:t>
             </a:fld>
             <a:endParaRPr lang="en-US" dirty="0"/>
           </a:p>
@@ -3708,7 +3708,7 @@
             <a:fld id="{B61BEF0D-F0BB-DE4B-95CE-6DB70DBA9567}" type="datetimeFigureOut">
               <a:rPr lang="en-US" smtClean="0"/>
               <a:pPr/>
-              <a:t>12/29/20</a:t>
+              <a:t>1/4/21</a:t>
             </a:fld>
             <a:endParaRPr lang="en-US" dirty="0"/>
           </a:p>
@@ -3828,7 +3828,7 @@
             <a:fld id="{B61BEF0D-F0BB-DE4B-95CE-6DB70DBA9567}" type="datetimeFigureOut">
               <a:rPr lang="en-US" smtClean="0"/>
               <a:pPr/>
-              <a:t>12/29/20</a:t>
+              <a:t>1/4/21</a:t>
             </a:fld>
             <a:endParaRPr lang="en-US" dirty="0"/>
           </a:p>
@@ -3925,7 +3925,7 @@
             <a:fld id="{B61BEF0D-F0BB-DE4B-95CE-6DB70DBA9567}" type="datetimeFigureOut">
               <a:rPr lang="en-US" smtClean="0"/>
               <a:pPr/>
-              <a:t>12/29/20</a:t>
+              <a:t>1/4/21</a:t>
             </a:fld>
             <a:endParaRPr lang="en-US" dirty="0"/>
           </a:p>
@@ -4273,7 +4273,7 @@
             <a:fld id="{B61BEF0D-F0BB-DE4B-95CE-6DB70DBA9567}" type="datetimeFigureOut">
               <a:rPr lang="en-US" smtClean="0"/>
               <a:pPr/>
-              <a:t>12/29/20</a:t>
+              <a:t>1/4/21</a:t>
             </a:fld>
             <a:endParaRPr lang="en-US" dirty="0"/>
           </a:p>
@@ -4663,7 +4663,7 @@
             <a:fld id="{B61BEF0D-F0BB-DE4B-95CE-6DB70DBA9567}" type="datetimeFigureOut">
               <a:rPr lang="en-US" smtClean="0"/>
               <a:pPr/>
-              <a:t>12/29/20</a:t>
+              <a:t>1/4/21</a:t>
             </a:fld>
             <a:endParaRPr lang="en-US" dirty="0"/>
           </a:p>
@@ -4943,7 +4943,7 @@
             <a:fld id="{B61BEF0D-F0BB-DE4B-95CE-6DB70DBA9567}" type="datetimeFigureOut">
               <a:rPr lang="en-US" smtClean="0"/>
               <a:pPr/>
-              <a:t>12/29/20</a:t>
+              <a:t>1/4/21</a:t>
             </a:fld>
             <a:endParaRPr lang="en-US" dirty="0"/>
           </a:p>
@@ -6979,13 +6979,8 @@
             <a:pPr lvl="2"/>
             <a:r>
               <a:rPr lang="en-US" dirty="0"/>
-              <a:t>Line Chart positive, median </a:t>
-            </a:r>
-            <a:r>
-              <a:rPr lang="en-US"/>
-              <a:t>household income</a:t>
-            </a:r>
-            <a:endParaRPr lang="en-US" dirty="0"/>
+              <a:t>Line Chart positive, median household income</a:t>
+            </a:r>
           </a:p>
           <a:p>
             <a:pPr lvl="2"/>
